--- a/Contact/Meeting_1/IntroductieGroep.pptx
+++ b/Contact/Meeting_1/IntroductieGroep.pptx
@@ -2,10 +2,12 @@
 <file path=ppt/presentation.xml><?xml version="1.0" encoding="utf-8"?>
 <p:presentation xmlns:a="http://schemas.openxmlformats.org/drawingml/2006/main" xmlns:r="http://schemas.openxmlformats.org/officeDocument/2006/relationships" xmlns:p="http://schemas.openxmlformats.org/presentationml/2006/main" saveSubsetFonts="1">
   <p:sldMasterIdLst>
-    <p:sldMasterId id="2147483648" r:id="rId1"/>
+    <p:sldMasterId id="2147483651" r:id="rId1"/>
   </p:sldMasterIdLst>
   <p:sldIdLst>
     <p:sldId id="256" r:id="rId2"/>
+    <p:sldId id="257" r:id="rId3"/>
+    <p:sldId id="258" r:id="rId4"/>
   </p:sldIdLst>
   <p:sldSz cx="12192000" cy="6858000"/>
   <p:notesSz cx="6858000" cy="9144000"/>
@@ -104,11 +106,16 @@
       </a:defRPr>
     </a:lvl9pPr>
   </p:defaultTextStyle>
+  <p:extLst>
+    <p:ext uri="{EFAFB233-063F-42B5-8137-9DF3F51BA10A}">
+      <p15:sldGuideLst xmlns:p15="http://schemas.microsoft.com/office/powerpoint/2012/main"/>
+    </p:ext>
+  </p:extLst>
 </p:presentation>
 </file>
 
 <file path=ppt/slideLayouts/slideLayout1.xml><?xml version="1.0" encoding="utf-8"?>
-<p:sldLayout xmlns:a="http://schemas.openxmlformats.org/drawingml/2006/main" xmlns:r="http://schemas.openxmlformats.org/officeDocument/2006/relationships" xmlns:p="http://schemas.openxmlformats.org/presentationml/2006/main" preserve="1" userDrawn="1">
+<p:sldLayout xmlns:a="http://schemas.openxmlformats.org/drawingml/2006/main" xmlns:r="http://schemas.openxmlformats.org/officeDocument/2006/relationships" xmlns:p="http://schemas.openxmlformats.org/presentationml/2006/main" type="title" preserve="1">
   <p:cSld name="Titeldia">
     <p:spTree>
       <p:nvGrpSpPr>
@@ -126,34 +133,58 @@
       </p:grpSpPr>
       <p:sp>
         <p:nvSpPr>
-          <p:cNvPr id="3" name="Ondertitel 2"/>
-          <p:cNvSpPr>
-            <a:spLocks noGrp="1"/>
-          </p:cNvSpPr>
-          <p:nvPr>
-            <p:ph type="subTitle" idx="1" hasCustomPrompt="1"/>
+          <p:cNvPr id="2" name="Titel 1"/>
+          <p:cNvSpPr>
+            <a:spLocks noGrp="1"/>
+          </p:cNvSpPr>
+          <p:nvPr>
+            <p:ph type="ctrTitle"/>
           </p:nvPr>
         </p:nvSpPr>
         <p:spPr>
           <a:xfrm>
-            <a:off x="1524000" y="2006930"/>
-            <a:ext cx="9144000" cy="3250870"/>
+            <a:off x="1524000" y="1122363"/>
+            <a:ext cx="9144000" cy="2387600"/>
           </a:xfrm>
-          <a:prstGeom prst="rect">
-            <a:avLst/>
-          </a:prstGeom>
+        </p:spPr>
+        <p:txBody>
+          <a:bodyPr anchor="b"/>
+          <a:lstStyle>
+            <a:lvl1pPr algn="ctr">
+              <a:defRPr sz="6000"/>
+            </a:lvl1pPr>
+          </a:lstStyle>
+          <a:p>
+            <a:r>
+              <a:rPr lang="nl-NL" smtClean="0"/>
+              <a:t>Klik om de stijl te bewerken</a:t>
+            </a:r>
+            <a:endParaRPr lang="nl-NL"/>
+          </a:p>
+        </p:txBody>
+      </p:sp>
+      <p:sp>
+        <p:nvSpPr>
+          <p:cNvPr id="3" name="Ondertitel 2"/>
+          <p:cNvSpPr>
+            <a:spLocks noGrp="1"/>
+          </p:cNvSpPr>
+          <p:nvPr>
+            <p:ph type="subTitle" idx="1"/>
+          </p:nvPr>
+        </p:nvSpPr>
+        <p:spPr>
+          <a:xfrm>
+            <a:off x="1524000" y="3602038"/>
+            <a:ext cx="9144000" cy="1655762"/>
+          </a:xfrm>
         </p:spPr>
         <p:txBody>
           <a:bodyPr/>
           <a:lstStyle>
             <a:lvl1pPr marL="0" indent="0" algn="ctr">
               <a:buNone/>
-              <a:defRPr sz="2400">
-                <a:solidFill>
-                  <a:srgbClr val="2C3E50"/>
-                </a:solidFill>
-                <a:latin typeface="Arial Black" panose="020B0A04020102020204" pitchFamily="34" charset="0"/>
-              </a:defRPr>
+              <a:defRPr sz="2400"/>
             </a:lvl1pPr>
             <a:lvl2pPr marL="457200" indent="0" algn="ctr">
               <a:buNone/>
@@ -190,56 +221,16 @@
           </a:lstStyle>
           <a:p>
             <a:r>
-              <a:rPr lang="nl-NL" dirty="0" smtClean="0"/>
-              <a:t>Klik om de beschrijving van het model te bewerken</a:t>
-            </a:r>
-            <a:endParaRPr lang="nl-NL" dirty="0"/>
-          </a:p>
-        </p:txBody>
-      </p:sp>
-      <p:sp>
-        <p:nvSpPr>
-          <p:cNvPr id="7" name="Titel 6"/>
-          <p:cNvSpPr>
-            <a:spLocks noGrp="1"/>
-          </p:cNvSpPr>
-          <p:nvPr>
-            <p:ph type="title"/>
-          </p:nvPr>
-        </p:nvSpPr>
-        <p:spPr>
-          <a:xfrm>
-            <a:off x="1674421" y="365125"/>
-            <a:ext cx="8843158" cy="786781"/>
-          </a:xfrm>
-          <a:prstGeom prst="rect">
-            <a:avLst/>
-          </a:prstGeom>
-        </p:spPr>
-        <p:txBody>
-          <a:bodyPr/>
-          <a:lstStyle>
-            <a:lvl1pPr algn="ctr">
-              <a:defRPr>
-                <a:solidFill>
-                  <a:srgbClr val="2ECC71"/>
-                </a:solidFill>
-                <a:latin typeface="Impact" panose="020B0806030902050204" pitchFamily="34" charset="0"/>
-              </a:defRPr>
-            </a:lvl1pPr>
-          </a:lstStyle>
-          <a:p>
-            <a:r>
-              <a:rPr lang="nl-NL" dirty="0" smtClean="0"/>
-              <a:t>Klik om de stijl te bewerken</a:t>
-            </a:r>
-            <a:endParaRPr lang="nl-NL" dirty="0"/>
-          </a:p>
-        </p:txBody>
-      </p:sp>
-      <p:sp>
-        <p:nvSpPr>
-          <p:cNvPr id="8" name="Tijdelijke aanduiding voor datum 7"/>
+              <a:rPr lang="nl-NL" smtClean="0"/>
+              <a:t>Klik om de ondertitelstijl van het model te bewerken</a:t>
+            </a:r>
+            <a:endParaRPr lang="nl-NL"/>
+          </a:p>
+        </p:txBody>
+      </p:sp>
+      <p:sp>
+        <p:nvSpPr>
+          <p:cNvPr id="4" name="Tijdelijke aanduiding voor datum 3"/>
           <p:cNvSpPr>
             <a:spLocks noGrp="1"/>
           </p:cNvSpPr>
@@ -247,31 +238,22 @@
             <p:ph type="dt" sz="half" idx="10"/>
           </p:nvPr>
         </p:nvSpPr>
-        <p:spPr>
-          <a:xfrm>
-            <a:off x="838200" y="6356350"/>
-            <a:ext cx="2743200" cy="365125"/>
-          </a:xfrm>
-          <a:prstGeom prst="rect">
-            <a:avLst/>
-          </a:prstGeom>
-        </p:spPr>
-        <p:txBody>
-          <a:bodyPr/>
-          <a:lstStyle/>
-          <a:p>
-            <a:fld id="{BA9C73D7-ABFE-4E99-A987-65752565DB52}" type="datetimeFigureOut">
-              <a:rPr lang="nl-NL" smtClean="0"/>
-              <a:pPr/>
+        <p:spPr/>
+        <p:txBody>
+          <a:bodyPr/>
+          <a:lstStyle/>
+          <a:p>
+            <a:fld id="{D9A198D5-009F-4FDE-9467-F5098E73540F}" type="datetimeFigureOut">
+              <a:rPr lang="nl-NL" smtClean="0"/>
               <a:t>21-9-2016</a:t>
             </a:fld>
-            <a:endParaRPr lang="nl-NL" dirty="0" smtClean="0"/>
-          </a:p>
-        </p:txBody>
-      </p:sp>
-      <p:sp>
-        <p:nvSpPr>
-          <p:cNvPr id="9" name="Tijdelijke aanduiding voor voettekst 8"/>
+            <a:endParaRPr lang="nl-NL"/>
+          </a:p>
+        </p:txBody>
+      </p:sp>
+      <p:sp>
+        <p:nvSpPr>
+          <p:cNvPr id="5" name="Tijdelijke aanduiding voor voettekst 4"/>
           <p:cNvSpPr>
             <a:spLocks noGrp="1"/>
           </p:cNvSpPr>
@@ -279,27 +261,2245 @@
             <p:ph type="ftr" sz="quarter" idx="11"/>
           </p:nvPr>
         </p:nvSpPr>
-        <p:spPr>
-          <a:xfrm>
-            <a:off x="4038600" y="6356350"/>
-            <a:ext cx="4114800" cy="365125"/>
-          </a:xfrm>
-          <a:prstGeom prst="rect">
-            <a:avLst/>
-          </a:prstGeom>
-        </p:spPr>
-        <p:txBody>
-          <a:bodyPr/>
-          <a:lstStyle/>
-          <a:p>
-            <a:endParaRPr lang="nl-NL" dirty="0"/>
+        <p:spPr/>
+        <p:txBody>
+          <a:bodyPr/>
+          <a:lstStyle/>
+          <a:p>
+            <a:endParaRPr lang="nl-NL"/>
+          </a:p>
+        </p:txBody>
+      </p:sp>
+      <p:sp>
+        <p:nvSpPr>
+          <p:cNvPr id="6" name="Tijdelijke aanduiding voor dianummer 5"/>
+          <p:cNvSpPr>
+            <a:spLocks noGrp="1"/>
+          </p:cNvSpPr>
+          <p:nvPr>
+            <p:ph type="sldNum" sz="quarter" idx="12"/>
+          </p:nvPr>
+        </p:nvSpPr>
+        <p:spPr/>
+        <p:txBody>
+          <a:bodyPr/>
+          <a:lstStyle/>
+          <a:p>
+            <a:fld id="{5CAA4F0A-5426-4154-9A23-59C188E70932}" type="slidenum">
+              <a:rPr lang="nl-NL" smtClean="0"/>
+              <a:t>‹nr.›</a:t>
+            </a:fld>
+            <a:endParaRPr lang="nl-NL"/>
           </a:p>
         </p:txBody>
       </p:sp>
     </p:spTree>
     <p:extLst>
       <p:ext uri="{BB962C8B-B14F-4D97-AF65-F5344CB8AC3E}">
-        <p14:creationId xmlns:p14="http://schemas.microsoft.com/office/powerpoint/2010/main" val="435685793"/>
+        <p14:creationId xmlns:p14="http://schemas.microsoft.com/office/powerpoint/2010/main" val="3647512417"/>
+      </p:ext>
+    </p:extLst>
+  </p:cSld>
+  <p:clrMapOvr>
+    <a:masterClrMapping/>
+  </p:clrMapOvr>
+  <p:timing>
+    <p:tnLst>
+      <p:par>
+        <p:cTn id="1" dur="indefinite" restart="never" nodeType="tmRoot"/>
+      </p:par>
+    </p:tnLst>
+  </p:timing>
+</p:sldLayout>
+</file>
+
+<file path=ppt/slideLayouts/slideLayout10.xml><?xml version="1.0" encoding="utf-8"?>
+<p:sldLayout xmlns:a="http://schemas.openxmlformats.org/drawingml/2006/main" xmlns:r="http://schemas.openxmlformats.org/officeDocument/2006/relationships" xmlns:p="http://schemas.openxmlformats.org/presentationml/2006/main" type="vertTx" preserve="1">
+  <p:cSld name="Titel en verticale tekst">
+    <p:spTree>
+      <p:nvGrpSpPr>
+        <p:cNvPr id="1" name=""/>
+        <p:cNvGrpSpPr/>
+        <p:nvPr/>
+      </p:nvGrpSpPr>
+      <p:grpSpPr>
+        <a:xfrm>
+          <a:off x="0" y="0"/>
+          <a:ext cx="0" cy="0"/>
+          <a:chOff x="0" y="0"/>
+          <a:chExt cx="0" cy="0"/>
+        </a:xfrm>
+      </p:grpSpPr>
+      <p:sp>
+        <p:nvSpPr>
+          <p:cNvPr id="2" name="Titel 1"/>
+          <p:cNvSpPr>
+            <a:spLocks noGrp="1"/>
+          </p:cNvSpPr>
+          <p:nvPr>
+            <p:ph type="title"/>
+          </p:nvPr>
+        </p:nvSpPr>
+        <p:spPr/>
+        <p:txBody>
+          <a:bodyPr/>
+          <a:lstStyle/>
+          <a:p>
+            <a:r>
+              <a:rPr lang="nl-NL" smtClean="0"/>
+              <a:t>Klik om de stijl te bewerken</a:t>
+            </a:r>
+            <a:endParaRPr lang="nl-NL"/>
+          </a:p>
+        </p:txBody>
+      </p:sp>
+      <p:sp>
+        <p:nvSpPr>
+          <p:cNvPr id="3" name="Tijdelijke aanduiding voor verticale tekst 2"/>
+          <p:cNvSpPr>
+            <a:spLocks noGrp="1"/>
+          </p:cNvSpPr>
+          <p:nvPr>
+            <p:ph type="body" orient="vert" idx="1"/>
+          </p:nvPr>
+        </p:nvSpPr>
+        <p:spPr/>
+        <p:txBody>
+          <a:bodyPr vert="eaVert"/>
+          <a:lstStyle/>
+          <a:p>
+            <a:pPr lvl="0"/>
+            <a:r>
+              <a:rPr lang="nl-NL" smtClean="0"/>
+              <a:t>Klik om de modelstijlen te bewerken</a:t>
+            </a:r>
+          </a:p>
+          <a:p>
+            <a:pPr lvl="1"/>
+            <a:r>
+              <a:rPr lang="nl-NL" smtClean="0"/>
+              <a:t>Tweede niveau</a:t>
+            </a:r>
+          </a:p>
+          <a:p>
+            <a:pPr lvl="2"/>
+            <a:r>
+              <a:rPr lang="nl-NL" smtClean="0"/>
+              <a:t>Derde niveau</a:t>
+            </a:r>
+          </a:p>
+          <a:p>
+            <a:pPr lvl="3"/>
+            <a:r>
+              <a:rPr lang="nl-NL" smtClean="0"/>
+              <a:t>Vierde niveau</a:t>
+            </a:r>
+          </a:p>
+          <a:p>
+            <a:pPr lvl="4"/>
+            <a:r>
+              <a:rPr lang="nl-NL" smtClean="0"/>
+              <a:t>Vijfde niveau</a:t>
+            </a:r>
+            <a:endParaRPr lang="nl-NL"/>
+          </a:p>
+        </p:txBody>
+      </p:sp>
+      <p:sp>
+        <p:nvSpPr>
+          <p:cNvPr id="4" name="Tijdelijke aanduiding voor datum 3"/>
+          <p:cNvSpPr>
+            <a:spLocks noGrp="1"/>
+          </p:cNvSpPr>
+          <p:nvPr>
+            <p:ph type="dt" sz="half" idx="10"/>
+          </p:nvPr>
+        </p:nvSpPr>
+        <p:spPr/>
+        <p:txBody>
+          <a:bodyPr/>
+          <a:lstStyle/>
+          <a:p>
+            <a:fld id="{D9A198D5-009F-4FDE-9467-F5098E73540F}" type="datetimeFigureOut">
+              <a:rPr lang="nl-NL" smtClean="0"/>
+              <a:t>21-9-2016</a:t>
+            </a:fld>
+            <a:endParaRPr lang="nl-NL"/>
+          </a:p>
+        </p:txBody>
+      </p:sp>
+      <p:sp>
+        <p:nvSpPr>
+          <p:cNvPr id="5" name="Tijdelijke aanduiding voor voettekst 4"/>
+          <p:cNvSpPr>
+            <a:spLocks noGrp="1"/>
+          </p:cNvSpPr>
+          <p:nvPr>
+            <p:ph type="ftr" sz="quarter" idx="11"/>
+          </p:nvPr>
+        </p:nvSpPr>
+        <p:spPr/>
+        <p:txBody>
+          <a:bodyPr/>
+          <a:lstStyle/>
+          <a:p>
+            <a:endParaRPr lang="nl-NL"/>
+          </a:p>
+        </p:txBody>
+      </p:sp>
+      <p:sp>
+        <p:nvSpPr>
+          <p:cNvPr id="6" name="Tijdelijke aanduiding voor dianummer 5"/>
+          <p:cNvSpPr>
+            <a:spLocks noGrp="1"/>
+          </p:cNvSpPr>
+          <p:nvPr>
+            <p:ph type="sldNum" sz="quarter" idx="12"/>
+          </p:nvPr>
+        </p:nvSpPr>
+        <p:spPr/>
+        <p:txBody>
+          <a:bodyPr/>
+          <a:lstStyle/>
+          <a:p>
+            <a:fld id="{5CAA4F0A-5426-4154-9A23-59C188E70932}" type="slidenum">
+              <a:rPr lang="nl-NL" smtClean="0"/>
+              <a:t>‹nr.›</a:t>
+            </a:fld>
+            <a:endParaRPr lang="nl-NL"/>
+          </a:p>
+        </p:txBody>
+      </p:sp>
+    </p:spTree>
+    <p:extLst>
+      <p:ext uri="{BB962C8B-B14F-4D97-AF65-F5344CB8AC3E}">
+        <p14:creationId xmlns:p14="http://schemas.microsoft.com/office/powerpoint/2010/main" val="3984504902"/>
+      </p:ext>
+    </p:extLst>
+  </p:cSld>
+  <p:clrMapOvr>
+    <a:masterClrMapping/>
+  </p:clrMapOvr>
+  <p:timing>
+    <p:tnLst>
+      <p:par>
+        <p:cTn id="1" dur="indefinite" restart="never" nodeType="tmRoot"/>
+      </p:par>
+    </p:tnLst>
+  </p:timing>
+</p:sldLayout>
+</file>
+
+<file path=ppt/slideLayouts/slideLayout11.xml><?xml version="1.0" encoding="utf-8"?>
+<p:sldLayout xmlns:a="http://schemas.openxmlformats.org/drawingml/2006/main" xmlns:r="http://schemas.openxmlformats.org/officeDocument/2006/relationships" xmlns:p="http://schemas.openxmlformats.org/presentationml/2006/main" type="vertTitleAndTx" preserve="1">
+  <p:cSld name="Verticale titel en tekst">
+    <p:spTree>
+      <p:nvGrpSpPr>
+        <p:cNvPr id="1" name=""/>
+        <p:cNvGrpSpPr/>
+        <p:nvPr/>
+      </p:nvGrpSpPr>
+      <p:grpSpPr>
+        <a:xfrm>
+          <a:off x="0" y="0"/>
+          <a:ext cx="0" cy="0"/>
+          <a:chOff x="0" y="0"/>
+          <a:chExt cx="0" cy="0"/>
+        </a:xfrm>
+      </p:grpSpPr>
+      <p:sp>
+        <p:nvSpPr>
+          <p:cNvPr id="2" name="Verticale titel 1"/>
+          <p:cNvSpPr>
+            <a:spLocks noGrp="1"/>
+          </p:cNvSpPr>
+          <p:nvPr>
+            <p:ph type="title" orient="vert"/>
+          </p:nvPr>
+        </p:nvSpPr>
+        <p:spPr>
+          <a:xfrm>
+            <a:off x="8724900" y="365125"/>
+            <a:ext cx="2628900" cy="5811838"/>
+          </a:xfrm>
+        </p:spPr>
+        <p:txBody>
+          <a:bodyPr vert="eaVert"/>
+          <a:lstStyle/>
+          <a:p>
+            <a:r>
+              <a:rPr lang="nl-NL" smtClean="0"/>
+              <a:t>Klik om de stijl te bewerken</a:t>
+            </a:r>
+            <a:endParaRPr lang="nl-NL"/>
+          </a:p>
+        </p:txBody>
+      </p:sp>
+      <p:sp>
+        <p:nvSpPr>
+          <p:cNvPr id="3" name="Tijdelijke aanduiding voor verticale tekst 2"/>
+          <p:cNvSpPr>
+            <a:spLocks noGrp="1"/>
+          </p:cNvSpPr>
+          <p:nvPr>
+            <p:ph type="body" orient="vert" idx="1"/>
+          </p:nvPr>
+        </p:nvSpPr>
+        <p:spPr>
+          <a:xfrm>
+            <a:off x="838200" y="365125"/>
+            <a:ext cx="7734300" cy="5811838"/>
+          </a:xfrm>
+        </p:spPr>
+        <p:txBody>
+          <a:bodyPr vert="eaVert"/>
+          <a:lstStyle/>
+          <a:p>
+            <a:pPr lvl="0"/>
+            <a:r>
+              <a:rPr lang="nl-NL" smtClean="0"/>
+              <a:t>Klik om de modelstijlen te bewerken</a:t>
+            </a:r>
+          </a:p>
+          <a:p>
+            <a:pPr lvl="1"/>
+            <a:r>
+              <a:rPr lang="nl-NL" smtClean="0"/>
+              <a:t>Tweede niveau</a:t>
+            </a:r>
+          </a:p>
+          <a:p>
+            <a:pPr lvl="2"/>
+            <a:r>
+              <a:rPr lang="nl-NL" smtClean="0"/>
+              <a:t>Derde niveau</a:t>
+            </a:r>
+          </a:p>
+          <a:p>
+            <a:pPr lvl="3"/>
+            <a:r>
+              <a:rPr lang="nl-NL" smtClean="0"/>
+              <a:t>Vierde niveau</a:t>
+            </a:r>
+          </a:p>
+          <a:p>
+            <a:pPr lvl="4"/>
+            <a:r>
+              <a:rPr lang="nl-NL" smtClean="0"/>
+              <a:t>Vijfde niveau</a:t>
+            </a:r>
+            <a:endParaRPr lang="nl-NL"/>
+          </a:p>
+        </p:txBody>
+      </p:sp>
+      <p:sp>
+        <p:nvSpPr>
+          <p:cNvPr id="4" name="Tijdelijke aanduiding voor datum 3"/>
+          <p:cNvSpPr>
+            <a:spLocks noGrp="1"/>
+          </p:cNvSpPr>
+          <p:nvPr>
+            <p:ph type="dt" sz="half" idx="10"/>
+          </p:nvPr>
+        </p:nvSpPr>
+        <p:spPr/>
+        <p:txBody>
+          <a:bodyPr/>
+          <a:lstStyle/>
+          <a:p>
+            <a:fld id="{D9A198D5-009F-4FDE-9467-F5098E73540F}" type="datetimeFigureOut">
+              <a:rPr lang="nl-NL" smtClean="0"/>
+              <a:t>21-9-2016</a:t>
+            </a:fld>
+            <a:endParaRPr lang="nl-NL"/>
+          </a:p>
+        </p:txBody>
+      </p:sp>
+      <p:sp>
+        <p:nvSpPr>
+          <p:cNvPr id="5" name="Tijdelijke aanduiding voor voettekst 4"/>
+          <p:cNvSpPr>
+            <a:spLocks noGrp="1"/>
+          </p:cNvSpPr>
+          <p:nvPr>
+            <p:ph type="ftr" sz="quarter" idx="11"/>
+          </p:nvPr>
+        </p:nvSpPr>
+        <p:spPr/>
+        <p:txBody>
+          <a:bodyPr/>
+          <a:lstStyle/>
+          <a:p>
+            <a:endParaRPr lang="nl-NL"/>
+          </a:p>
+        </p:txBody>
+      </p:sp>
+      <p:sp>
+        <p:nvSpPr>
+          <p:cNvPr id="6" name="Tijdelijke aanduiding voor dianummer 5"/>
+          <p:cNvSpPr>
+            <a:spLocks noGrp="1"/>
+          </p:cNvSpPr>
+          <p:nvPr>
+            <p:ph type="sldNum" sz="quarter" idx="12"/>
+          </p:nvPr>
+        </p:nvSpPr>
+        <p:spPr/>
+        <p:txBody>
+          <a:bodyPr/>
+          <a:lstStyle/>
+          <a:p>
+            <a:fld id="{5CAA4F0A-5426-4154-9A23-59C188E70932}" type="slidenum">
+              <a:rPr lang="nl-NL" smtClean="0"/>
+              <a:t>‹nr.›</a:t>
+            </a:fld>
+            <a:endParaRPr lang="nl-NL"/>
+          </a:p>
+        </p:txBody>
+      </p:sp>
+    </p:spTree>
+    <p:extLst>
+      <p:ext uri="{BB962C8B-B14F-4D97-AF65-F5344CB8AC3E}">
+        <p14:creationId xmlns:p14="http://schemas.microsoft.com/office/powerpoint/2010/main" val="399783756"/>
+      </p:ext>
+    </p:extLst>
+  </p:cSld>
+  <p:clrMapOvr>
+    <a:masterClrMapping/>
+  </p:clrMapOvr>
+  <p:timing>
+    <p:tnLst>
+      <p:par>
+        <p:cTn id="1" dur="indefinite" restart="never" nodeType="tmRoot"/>
+      </p:par>
+    </p:tnLst>
+  </p:timing>
+</p:sldLayout>
+</file>
+
+<file path=ppt/slideLayouts/slideLayout2.xml><?xml version="1.0" encoding="utf-8"?>
+<p:sldLayout xmlns:a="http://schemas.openxmlformats.org/drawingml/2006/main" xmlns:r="http://schemas.openxmlformats.org/officeDocument/2006/relationships" xmlns:p="http://schemas.openxmlformats.org/presentationml/2006/main" type="obj" preserve="1">
+  <p:cSld name="Titel en object">
+    <p:spTree>
+      <p:nvGrpSpPr>
+        <p:cNvPr id="1" name=""/>
+        <p:cNvGrpSpPr/>
+        <p:nvPr/>
+      </p:nvGrpSpPr>
+      <p:grpSpPr>
+        <a:xfrm>
+          <a:off x="0" y="0"/>
+          <a:ext cx="0" cy="0"/>
+          <a:chOff x="0" y="0"/>
+          <a:chExt cx="0" cy="0"/>
+        </a:xfrm>
+      </p:grpSpPr>
+      <p:sp>
+        <p:nvSpPr>
+          <p:cNvPr id="2" name="Titel 1"/>
+          <p:cNvSpPr>
+            <a:spLocks noGrp="1"/>
+          </p:cNvSpPr>
+          <p:nvPr>
+            <p:ph type="title"/>
+          </p:nvPr>
+        </p:nvSpPr>
+        <p:spPr/>
+        <p:txBody>
+          <a:bodyPr/>
+          <a:lstStyle/>
+          <a:p>
+            <a:r>
+              <a:rPr lang="nl-NL" smtClean="0"/>
+              <a:t>Klik om de stijl te bewerken</a:t>
+            </a:r>
+            <a:endParaRPr lang="nl-NL"/>
+          </a:p>
+        </p:txBody>
+      </p:sp>
+      <p:sp>
+        <p:nvSpPr>
+          <p:cNvPr id="3" name="Tijdelijke aanduiding voor inhoud 2"/>
+          <p:cNvSpPr>
+            <a:spLocks noGrp="1"/>
+          </p:cNvSpPr>
+          <p:nvPr>
+            <p:ph idx="1"/>
+          </p:nvPr>
+        </p:nvSpPr>
+        <p:spPr/>
+        <p:txBody>
+          <a:bodyPr/>
+          <a:lstStyle>
+            <a:lvl2pPr>
+              <a:defRPr>
+                <a:latin typeface="Arial" panose="020B0604020202020204" pitchFamily="34" charset="0"/>
+                <a:cs typeface="Arial" panose="020B0604020202020204" pitchFamily="34" charset="0"/>
+              </a:defRPr>
+            </a:lvl2pPr>
+            <a:lvl3pPr>
+              <a:defRPr>
+                <a:latin typeface="Arial" panose="020B0604020202020204" pitchFamily="34" charset="0"/>
+                <a:cs typeface="Arial" panose="020B0604020202020204" pitchFamily="34" charset="0"/>
+              </a:defRPr>
+            </a:lvl3pPr>
+            <a:lvl4pPr>
+              <a:defRPr>
+                <a:latin typeface="Arial" panose="020B0604020202020204" pitchFamily="34" charset="0"/>
+                <a:cs typeface="Arial" panose="020B0604020202020204" pitchFamily="34" charset="0"/>
+              </a:defRPr>
+            </a:lvl4pPr>
+            <a:lvl5pPr>
+              <a:defRPr>
+                <a:latin typeface="Arial" panose="020B0604020202020204" pitchFamily="34" charset="0"/>
+                <a:cs typeface="Arial" panose="020B0604020202020204" pitchFamily="34" charset="0"/>
+              </a:defRPr>
+            </a:lvl5pPr>
+          </a:lstStyle>
+          <a:p>
+            <a:pPr lvl="0"/>
+            <a:r>
+              <a:rPr lang="nl-NL" dirty="0" smtClean="0"/>
+              <a:t>Klik om de modelstijlen te bewerken</a:t>
+            </a:r>
+          </a:p>
+          <a:p>
+            <a:pPr lvl="1"/>
+            <a:r>
+              <a:rPr lang="nl-NL" dirty="0" smtClean="0"/>
+              <a:t>Tweede niveau</a:t>
+            </a:r>
+          </a:p>
+          <a:p>
+            <a:pPr lvl="2"/>
+            <a:r>
+              <a:rPr lang="nl-NL" dirty="0" smtClean="0"/>
+              <a:t>Derde niveau</a:t>
+            </a:r>
+          </a:p>
+          <a:p>
+            <a:pPr lvl="3"/>
+            <a:r>
+              <a:rPr lang="nl-NL" dirty="0" smtClean="0"/>
+              <a:t>Vierde niveau</a:t>
+            </a:r>
+          </a:p>
+          <a:p>
+            <a:pPr lvl="4"/>
+            <a:r>
+              <a:rPr lang="nl-NL" dirty="0" smtClean="0"/>
+              <a:t>Vijfde niveau</a:t>
+            </a:r>
+            <a:endParaRPr lang="nl-NL" dirty="0"/>
+          </a:p>
+        </p:txBody>
+      </p:sp>
+      <p:sp>
+        <p:nvSpPr>
+          <p:cNvPr id="4" name="Tijdelijke aanduiding voor datum 3"/>
+          <p:cNvSpPr>
+            <a:spLocks noGrp="1"/>
+          </p:cNvSpPr>
+          <p:nvPr>
+            <p:ph type="dt" sz="half" idx="10"/>
+          </p:nvPr>
+        </p:nvSpPr>
+        <p:spPr/>
+        <p:txBody>
+          <a:bodyPr/>
+          <a:lstStyle/>
+          <a:p>
+            <a:fld id="{D9A198D5-009F-4FDE-9467-F5098E73540F}" type="datetimeFigureOut">
+              <a:rPr lang="nl-NL" smtClean="0"/>
+              <a:t>21-9-2016</a:t>
+            </a:fld>
+            <a:endParaRPr lang="nl-NL"/>
+          </a:p>
+        </p:txBody>
+      </p:sp>
+      <p:sp>
+        <p:nvSpPr>
+          <p:cNvPr id="5" name="Tijdelijke aanduiding voor voettekst 4"/>
+          <p:cNvSpPr>
+            <a:spLocks noGrp="1"/>
+          </p:cNvSpPr>
+          <p:nvPr>
+            <p:ph type="ftr" sz="quarter" idx="11"/>
+          </p:nvPr>
+        </p:nvSpPr>
+        <p:spPr/>
+        <p:txBody>
+          <a:bodyPr/>
+          <a:lstStyle/>
+          <a:p>
+            <a:endParaRPr lang="nl-NL"/>
+          </a:p>
+        </p:txBody>
+      </p:sp>
+      <p:sp>
+        <p:nvSpPr>
+          <p:cNvPr id="6" name="Tijdelijke aanduiding voor dianummer 5"/>
+          <p:cNvSpPr>
+            <a:spLocks noGrp="1"/>
+          </p:cNvSpPr>
+          <p:nvPr>
+            <p:ph type="sldNum" sz="quarter" idx="12"/>
+          </p:nvPr>
+        </p:nvSpPr>
+        <p:spPr/>
+        <p:txBody>
+          <a:bodyPr/>
+          <a:lstStyle/>
+          <a:p>
+            <a:fld id="{5CAA4F0A-5426-4154-9A23-59C188E70932}" type="slidenum">
+              <a:rPr lang="nl-NL" smtClean="0"/>
+              <a:t>‹nr.›</a:t>
+            </a:fld>
+            <a:endParaRPr lang="nl-NL"/>
+          </a:p>
+        </p:txBody>
+      </p:sp>
+    </p:spTree>
+    <p:extLst>
+      <p:ext uri="{BB962C8B-B14F-4D97-AF65-F5344CB8AC3E}">
+        <p14:creationId xmlns:p14="http://schemas.microsoft.com/office/powerpoint/2010/main" val="369345385"/>
+      </p:ext>
+    </p:extLst>
+  </p:cSld>
+  <p:clrMapOvr>
+    <a:masterClrMapping/>
+  </p:clrMapOvr>
+  <p:timing>
+    <p:tnLst>
+      <p:par>
+        <p:cTn id="1" dur="indefinite" restart="never" nodeType="tmRoot"/>
+      </p:par>
+    </p:tnLst>
+  </p:timing>
+</p:sldLayout>
+</file>
+
+<file path=ppt/slideLayouts/slideLayout3.xml><?xml version="1.0" encoding="utf-8"?>
+<p:sldLayout xmlns:a="http://schemas.openxmlformats.org/drawingml/2006/main" xmlns:r="http://schemas.openxmlformats.org/officeDocument/2006/relationships" xmlns:p="http://schemas.openxmlformats.org/presentationml/2006/main" type="secHead" preserve="1">
+  <p:cSld name="Sectiekop">
+    <p:spTree>
+      <p:nvGrpSpPr>
+        <p:cNvPr id="1" name=""/>
+        <p:cNvGrpSpPr/>
+        <p:nvPr/>
+      </p:nvGrpSpPr>
+      <p:grpSpPr>
+        <a:xfrm>
+          <a:off x="0" y="0"/>
+          <a:ext cx="0" cy="0"/>
+          <a:chOff x="0" y="0"/>
+          <a:chExt cx="0" cy="0"/>
+        </a:xfrm>
+      </p:grpSpPr>
+      <p:sp>
+        <p:nvSpPr>
+          <p:cNvPr id="2" name="Titel 1"/>
+          <p:cNvSpPr>
+            <a:spLocks noGrp="1"/>
+          </p:cNvSpPr>
+          <p:nvPr>
+            <p:ph type="title"/>
+          </p:nvPr>
+        </p:nvSpPr>
+        <p:spPr>
+          <a:xfrm>
+            <a:off x="831850" y="1709738"/>
+            <a:ext cx="10515600" cy="2852737"/>
+          </a:xfrm>
+        </p:spPr>
+        <p:txBody>
+          <a:bodyPr anchor="b"/>
+          <a:lstStyle>
+            <a:lvl1pPr>
+              <a:defRPr sz="6000"/>
+            </a:lvl1pPr>
+          </a:lstStyle>
+          <a:p>
+            <a:r>
+              <a:rPr lang="nl-NL" smtClean="0"/>
+              <a:t>Klik om de stijl te bewerken</a:t>
+            </a:r>
+            <a:endParaRPr lang="nl-NL"/>
+          </a:p>
+        </p:txBody>
+      </p:sp>
+      <p:sp>
+        <p:nvSpPr>
+          <p:cNvPr id="3" name="Tijdelijke aanduiding voor tekst 2"/>
+          <p:cNvSpPr>
+            <a:spLocks noGrp="1"/>
+          </p:cNvSpPr>
+          <p:nvPr>
+            <p:ph type="body" idx="1"/>
+          </p:nvPr>
+        </p:nvSpPr>
+        <p:spPr>
+          <a:xfrm>
+            <a:off x="831850" y="4589463"/>
+            <a:ext cx="10515600" cy="1500187"/>
+          </a:xfrm>
+        </p:spPr>
+        <p:txBody>
+          <a:bodyPr/>
+          <a:lstStyle>
+            <a:lvl1pPr marL="0" indent="0">
+              <a:buNone/>
+              <a:defRPr sz="2400">
+                <a:solidFill>
+                  <a:schemeClr val="tx1">
+                    <a:tint val="75000"/>
+                  </a:schemeClr>
+                </a:solidFill>
+              </a:defRPr>
+            </a:lvl1pPr>
+            <a:lvl2pPr marL="457200" indent="0">
+              <a:buNone/>
+              <a:defRPr sz="2000">
+                <a:solidFill>
+                  <a:schemeClr val="tx1">
+                    <a:tint val="75000"/>
+                  </a:schemeClr>
+                </a:solidFill>
+              </a:defRPr>
+            </a:lvl2pPr>
+            <a:lvl3pPr marL="914400" indent="0">
+              <a:buNone/>
+              <a:defRPr sz="1800">
+                <a:solidFill>
+                  <a:schemeClr val="tx1">
+                    <a:tint val="75000"/>
+                  </a:schemeClr>
+                </a:solidFill>
+              </a:defRPr>
+            </a:lvl3pPr>
+            <a:lvl4pPr marL="1371600" indent="0">
+              <a:buNone/>
+              <a:defRPr sz="1600">
+                <a:solidFill>
+                  <a:schemeClr val="tx1">
+                    <a:tint val="75000"/>
+                  </a:schemeClr>
+                </a:solidFill>
+              </a:defRPr>
+            </a:lvl4pPr>
+            <a:lvl5pPr marL="1828800" indent="0">
+              <a:buNone/>
+              <a:defRPr sz="1600">
+                <a:solidFill>
+                  <a:schemeClr val="tx1">
+                    <a:tint val="75000"/>
+                  </a:schemeClr>
+                </a:solidFill>
+              </a:defRPr>
+            </a:lvl5pPr>
+            <a:lvl6pPr marL="2286000" indent="0">
+              <a:buNone/>
+              <a:defRPr sz="1600">
+                <a:solidFill>
+                  <a:schemeClr val="tx1">
+                    <a:tint val="75000"/>
+                  </a:schemeClr>
+                </a:solidFill>
+              </a:defRPr>
+            </a:lvl6pPr>
+            <a:lvl7pPr marL="2743200" indent="0">
+              <a:buNone/>
+              <a:defRPr sz="1600">
+                <a:solidFill>
+                  <a:schemeClr val="tx1">
+                    <a:tint val="75000"/>
+                  </a:schemeClr>
+                </a:solidFill>
+              </a:defRPr>
+            </a:lvl7pPr>
+            <a:lvl8pPr marL="3200400" indent="0">
+              <a:buNone/>
+              <a:defRPr sz="1600">
+                <a:solidFill>
+                  <a:schemeClr val="tx1">
+                    <a:tint val="75000"/>
+                  </a:schemeClr>
+                </a:solidFill>
+              </a:defRPr>
+            </a:lvl8pPr>
+            <a:lvl9pPr marL="3657600" indent="0">
+              <a:buNone/>
+              <a:defRPr sz="1600">
+                <a:solidFill>
+                  <a:schemeClr val="tx1">
+                    <a:tint val="75000"/>
+                  </a:schemeClr>
+                </a:solidFill>
+              </a:defRPr>
+            </a:lvl9pPr>
+          </a:lstStyle>
+          <a:p>
+            <a:pPr lvl="0"/>
+            <a:r>
+              <a:rPr lang="nl-NL" smtClean="0"/>
+              <a:t>Klik om de modelstijlen te bewerken</a:t>
+            </a:r>
+          </a:p>
+        </p:txBody>
+      </p:sp>
+      <p:sp>
+        <p:nvSpPr>
+          <p:cNvPr id="4" name="Tijdelijke aanduiding voor datum 3"/>
+          <p:cNvSpPr>
+            <a:spLocks noGrp="1"/>
+          </p:cNvSpPr>
+          <p:nvPr>
+            <p:ph type="dt" sz="half" idx="10"/>
+          </p:nvPr>
+        </p:nvSpPr>
+        <p:spPr/>
+        <p:txBody>
+          <a:bodyPr/>
+          <a:lstStyle/>
+          <a:p>
+            <a:fld id="{D9A198D5-009F-4FDE-9467-F5098E73540F}" type="datetimeFigureOut">
+              <a:rPr lang="nl-NL" smtClean="0"/>
+              <a:t>21-9-2016</a:t>
+            </a:fld>
+            <a:endParaRPr lang="nl-NL"/>
+          </a:p>
+        </p:txBody>
+      </p:sp>
+      <p:sp>
+        <p:nvSpPr>
+          <p:cNvPr id="5" name="Tijdelijke aanduiding voor voettekst 4"/>
+          <p:cNvSpPr>
+            <a:spLocks noGrp="1"/>
+          </p:cNvSpPr>
+          <p:nvPr>
+            <p:ph type="ftr" sz="quarter" idx="11"/>
+          </p:nvPr>
+        </p:nvSpPr>
+        <p:spPr/>
+        <p:txBody>
+          <a:bodyPr/>
+          <a:lstStyle/>
+          <a:p>
+            <a:endParaRPr lang="nl-NL"/>
+          </a:p>
+        </p:txBody>
+      </p:sp>
+      <p:sp>
+        <p:nvSpPr>
+          <p:cNvPr id="6" name="Tijdelijke aanduiding voor dianummer 5"/>
+          <p:cNvSpPr>
+            <a:spLocks noGrp="1"/>
+          </p:cNvSpPr>
+          <p:nvPr>
+            <p:ph type="sldNum" sz="quarter" idx="12"/>
+          </p:nvPr>
+        </p:nvSpPr>
+        <p:spPr/>
+        <p:txBody>
+          <a:bodyPr/>
+          <a:lstStyle/>
+          <a:p>
+            <a:fld id="{5CAA4F0A-5426-4154-9A23-59C188E70932}" type="slidenum">
+              <a:rPr lang="nl-NL" smtClean="0"/>
+              <a:t>‹nr.›</a:t>
+            </a:fld>
+            <a:endParaRPr lang="nl-NL"/>
+          </a:p>
+        </p:txBody>
+      </p:sp>
+    </p:spTree>
+    <p:extLst>
+      <p:ext uri="{BB962C8B-B14F-4D97-AF65-F5344CB8AC3E}">
+        <p14:creationId xmlns:p14="http://schemas.microsoft.com/office/powerpoint/2010/main" val="242232296"/>
+      </p:ext>
+    </p:extLst>
+  </p:cSld>
+  <p:clrMapOvr>
+    <a:masterClrMapping/>
+  </p:clrMapOvr>
+  <p:timing>
+    <p:tnLst>
+      <p:par>
+        <p:cTn id="1" dur="indefinite" restart="never" nodeType="tmRoot"/>
+      </p:par>
+    </p:tnLst>
+  </p:timing>
+</p:sldLayout>
+</file>
+
+<file path=ppt/slideLayouts/slideLayout4.xml><?xml version="1.0" encoding="utf-8"?>
+<p:sldLayout xmlns:a="http://schemas.openxmlformats.org/drawingml/2006/main" xmlns:r="http://schemas.openxmlformats.org/officeDocument/2006/relationships" xmlns:p="http://schemas.openxmlformats.org/presentationml/2006/main" type="twoObj" preserve="1">
+  <p:cSld name="Inhoud van twee">
+    <p:spTree>
+      <p:nvGrpSpPr>
+        <p:cNvPr id="1" name=""/>
+        <p:cNvGrpSpPr/>
+        <p:nvPr/>
+      </p:nvGrpSpPr>
+      <p:grpSpPr>
+        <a:xfrm>
+          <a:off x="0" y="0"/>
+          <a:ext cx="0" cy="0"/>
+          <a:chOff x="0" y="0"/>
+          <a:chExt cx="0" cy="0"/>
+        </a:xfrm>
+      </p:grpSpPr>
+      <p:sp>
+        <p:nvSpPr>
+          <p:cNvPr id="2" name="Titel 1"/>
+          <p:cNvSpPr>
+            <a:spLocks noGrp="1"/>
+          </p:cNvSpPr>
+          <p:nvPr>
+            <p:ph type="title"/>
+          </p:nvPr>
+        </p:nvSpPr>
+        <p:spPr/>
+        <p:txBody>
+          <a:bodyPr/>
+          <a:lstStyle/>
+          <a:p>
+            <a:r>
+              <a:rPr lang="nl-NL" smtClean="0"/>
+              <a:t>Klik om de stijl te bewerken</a:t>
+            </a:r>
+            <a:endParaRPr lang="nl-NL"/>
+          </a:p>
+        </p:txBody>
+      </p:sp>
+      <p:sp>
+        <p:nvSpPr>
+          <p:cNvPr id="3" name="Tijdelijke aanduiding voor inhoud 2"/>
+          <p:cNvSpPr>
+            <a:spLocks noGrp="1"/>
+          </p:cNvSpPr>
+          <p:nvPr>
+            <p:ph sz="half" idx="1"/>
+          </p:nvPr>
+        </p:nvSpPr>
+        <p:spPr>
+          <a:xfrm>
+            <a:off x="838200" y="2553195"/>
+            <a:ext cx="5181600" cy="3623768"/>
+          </a:xfrm>
+        </p:spPr>
+        <p:txBody>
+          <a:bodyPr/>
+          <a:lstStyle/>
+          <a:p>
+            <a:pPr lvl="0"/>
+            <a:r>
+              <a:rPr lang="nl-NL" dirty="0" smtClean="0"/>
+              <a:t>Klik om de modelstijlen te bewerken</a:t>
+            </a:r>
+          </a:p>
+          <a:p>
+            <a:pPr lvl="1"/>
+            <a:r>
+              <a:rPr lang="nl-NL" dirty="0" smtClean="0"/>
+              <a:t>Tweede niveau</a:t>
+            </a:r>
+          </a:p>
+          <a:p>
+            <a:pPr lvl="2"/>
+            <a:r>
+              <a:rPr lang="nl-NL" dirty="0" smtClean="0"/>
+              <a:t>Derde niveau</a:t>
+            </a:r>
+          </a:p>
+          <a:p>
+            <a:pPr lvl="3"/>
+            <a:r>
+              <a:rPr lang="nl-NL" dirty="0" smtClean="0"/>
+              <a:t>Vierde niveau</a:t>
+            </a:r>
+          </a:p>
+          <a:p>
+            <a:pPr lvl="4"/>
+            <a:r>
+              <a:rPr lang="nl-NL" dirty="0" smtClean="0"/>
+              <a:t>Vijfde niveau</a:t>
+            </a:r>
+            <a:endParaRPr lang="nl-NL" dirty="0"/>
+          </a:p>
+        </p:txBody>
+      </p:sp>
+      <p:sp>
+        <p:nvSpPr>
+          <p:cNvPr id="4" name="Tijdelijke aanduiding voor inhoud 3"/>
+          <p:cNvSpPr>
+            <a:spLocks noGrp="1"/>
+          </p:cNvSpPr>
+          <p:nvPr>
+            <p:ph sz="half" idx="2"/>
+          </p:nvPr>
+        </p:nvSpPr>
+        <p:spPr>
+          <a:xfrm>
+            <a:off x="6172200" y="2553195"/>
+            <a:ext cx="5181600" cy="3623768"/>
+          </a:xfrm>
+        </p:spPr>
+        <p:txBody>
+          <a:bodyPr/>
+          <a:lstStyle/>
+          <a:p>
+            <a:pPr lvl="0"/>
+            <a:r>
+              <a:rPr lang="nl-NL" smtClean="0"/>
+              <a:t>Klik om de modelstijlen te bewerken</a:t>
+            </a:r>
+          </a:p>
+          <a:p>
+            <a:pPr lvl="1"/>
+            <a:r>
+              <a:rPr lang="nl-NL" smtClean="0"/>
+              <a:t>Tweede niveau</a:t>
+            </a:r>
+          </a:p>
+          <a:p>
+            <a:pPr lvl="2"/>
+            <a:r>
+              <a:rPr lang="nl-NL" smtClean="0"/>
+              <a:t>Derde niveau</a:t>
+            </a:r>
+          </a:p>
+          <a:p>
+            <a:pPr lvl="3"/>
+            <a:r>
+              <a:rPr lang="nl-NL" smtClean="0"/>
+              <a:t>Vierde niveau</a:t>
+            </a:r>
+          </a:p>
+          <a:p>
+            <a:pPr lvl="4"/>
+            <a:r>
+              <a:rPr lang="nl-NL" smtClean="0"/>
+              <a:t>Vijfde niveau</a:t>
+            </a:r>
+            <a:endParaRPr lang="nl-NL"/>
+          </a:p>
+        </p:txBody>
+      </p:sp>
+      <p:sp>
+        <p:nvSpPr>
+          <p:cNvPr id="5" name="Tijdelijke aanduiding voor datum 4"/>
+          <p:cNvSpPr>
+            <a:spLocks noGrp="1"/>
+          </p:cNvSpPr>
+          <p:nvPr>
+            <p:ph type="dt" sz="half" idx="10"/>
+          </p:nvPr>
+        </p:nvSpPr>
+        <p:spPr/>
+        <p:txBody>
+          <a:bodyPr/>
+          <a:lstStyle/>
+          <a:p>
+            <a:fld id="{D9A198D5-009F-4FDE-9467-F5098E73540F}" type="datetimeFigureOut">
+              <a:rPr lang="nl-NL" smtClean="0"/>
+              <a:t>21-9-2016</a:t>
+            </a:fld>
+            <a:endParaRPr lang="nl-NL"/>
+          </a:p>
+        </p:txBody>
+      </p:sp>
+      <p:sp>
+        <p:nvSpPr>
+          <p:cNvPr id="6" name="Tijdelijke aanduiding voor voettekst 5"/>
+          <p:cNvSpPr>
+            <a:spLocks noGrp="1"/>
+          </p:cNvSpPr>
+          <p:nvPr>
+            <p:ph type="ftr" sz="quarter" idx="11"/>
+          </p:nvPr>
+        </p:nvSpPr>
+        <p:spPr/>
+        <p:txBody>
+          <a:bodyPr/>
+          <a:lstStyle/>
+          <a:p>
+            <a:endParaRPr lang="nl-NL"/>
+          </a:p>
+        </p:txBody>
+      </p:sp>
+      <p:sp>
+        <p:nvSpPr>
+          <p:cNvPr id="7" name="Tijdelijke aanduiding voor dianummer 6"/>
+          <p:cNvSpPr>
+            <a:spLocks noGrp="1"/>
+          </p:cNvSpPr>
+          <p:nvPr>
+            <p:ph type="sldNum" sz="quarter" idx="12"/>
+          </p:nvPr>
+        </p:nvSpPr>
+        <p:spPr/>
+        <p:txBody>
+          <a:bodyPr/>
+          <a:lstStyle/>
+          <a:p>
+            <a:fld id="{5CAA4F0A-5426-4154-9A23-59C188E70932}" type="slidenum">
+              <a:rPr lang="nl-NL" smtClean="0"/>
+              <a:t>‹nr.›</a:t>
+            </a:fld>
+            <a:endParaRPr lang="nl-NL"/>
+          </a:p>
+        </p:txBody>
+      </p:sp>
+    </p:spTree>
+    <p:extLst>
+      <p:ext uri="{BB962C8B-B14F-4D97-AF65-F5344CB8AC3E}">
+        <p14:creationId xmlns:p14="http://schemas.microsoft.com/office/powerpoint/2010/main" val="1968862064"/>
+      </p:ext>
+    </p:extLst>
+  </p:cSld>
+  <p:clrMapOvr>
+    <a:masterClrMapping/>
+  </p:clrMapOvr>
+  <p:timing>
+    <p:tnLst>
+      <p:par>
+        <p:cTn id="1" dur="indefinite" restart="never" nodeType="tmRoot"/>
+      </p:par>
+    </p:tnLst>
+  </p:timing>
+</p:sldLayout>
+</file>
+
+<file path=ppt/slideLayouts/slideLayout5.xml><?xml version="1.0" encoding="utf-8"?>
+<p:sldLayout xmlns:a="http://schemas.openxmlformats.org/drawingml/2006/main" xmlns:r="http://schemas.openxmlformats.org/officeDocument/2006/relationships" xmlns:p="http://schemas.openxmlformats.org/presentationml/2006/main" type="twoTxTwoObj" preserve="1">
+  <p:cSld name="Vergelijking">
+    <p:spTree>
+      <p:nvGrpSpPr>
+        <p:cNvPr id="1" name=""/>
+        <p:cNvGrpSpPr/>
+        <p:nvPr/>
+      </p:nvGrpSpPr>
+      <p:grpSpPr>
+        <a:xfrm>
+          <a:off x="0" y="0"/>
+          <a:ext cx="0" cy="0"/>
+          <a:chOff x="0" y="0"/>
+          <a:chExt cx="0" cy="0"/>
+        </a:xfrm>
+      </p:grpSpPr>
+      <p:sp>
+        <p:nvSpPr>
+          <p:cNvPr id="2" name="Titel 1"/>
+          <p:cNvSpPr>
+            <a:spLocks noGrp="1"/>
+          </p:cNvSpPr>
+          <p:nvPr>
+            <p:ph type="title"/>
+          </p:nvPr>
+        </p:nvSpPr>
+        <p:spPr>
+          <a:xfrm>
+            <a:off x="839788" y="365125"/>
+            <a:ext cx="10515600" cy="1325563"/>
+          </a:xfrm>
+        </p:spPr>
+        <p:txBody>
+          <a:bodyPr/>
+          <a:lstStyle/>
+          <a:p>
+            <a:r>
+              <a:rPr lang="nl-NL" smtClean="0"/>
+              <a:t>Klik om de stijl te bewerken</a:t>
+            </a:r>
+            <a:endParaRPr lang="nl-NL"/>
+          </a:p>
+        </p:txBody>
+      </p:sp>
+      <p:sp>
+        <p:nvSpPr>
+          <p:cNvPr id="3" name="Tijdelijke aanduiding voor tekst 2"/>
+          <p:cNvSpPr>
+            <a:spLocks noGrp="1"/>
+          </p:cNvSpPr>
+          <p:nvPr>
+            <p:ph type="body" idx="1"/>
+          </p:nvPr>
+        </p:nvSpPr>
+        <p:spPr>
+          <a:xfrm>
+            <a:off x="839788" y="1681163"/>
+            <a:ext cx="5157787" cy="823912"/>
+          </a:xfrm>
+        </p:spPr>
+        <p:txBody>
+          <a:bodyPr anchor="b"/>
+          <a:lstStyle>
+            <a:lvl1pPr marL="0" indent="0">
+              <a:buNone/>
+              <a:defRPr sz="2400" b="1"/>
+            </a:lvl1pPr>
+            <a:lvl2pPr marL="457200" indent="0">
+              <a:buNone/>
+              <a:defRPr sz="2000" b="1"/>
+            </a:lvl2pPr>
+            <a:lvl3pPr marL="914400" indent="0">
+              <a:buNone/>
+              <a:defRPr sz="1800" b="1"/>
+            </a:lvl3pPr>
+            <a:lvl4pPr marL="1371600" indent="0">
+              <a:buNone/>
+              <a:defRPr sz="1600" b="1"/>
+            </a:lvl4pPr>
+            <a:lvl5pPr marL="1828800" indent="0">
+              <a:buNone/>
+              <a:defRPr sz="1600" b="1"/>
+            </a:lvl5pPr>
+            <a:lvl6pPr marL="2286000" indent="0">
+              <a:buNone/>
+              <a:defRPr sz="1600" b="1"/>
+            </a:lvl6pPr>
+            <a:lvl7pPr marL="2743200" indent="0">
+              <a:buNone/>
+              <a:defRPr sz="1600" b="1"/>
+            </a:lvl7pPr>
+            <a:lvl8pPr marL="3200400" indent="0">
+              <a:buNone/>
+              <a:defRPr sz="1600" b="1"/>
+            </a:lvl8pPr>
+            <a:lvl9pPr marL="3657600" indent="0">
+              <a:buNone/>
+              <a:defRPr sz="1600" b="1"/>
+            </a:lvl9pPr>
+          </a:lstStyle>
+          <a:p>
+            <a:pPr lvl="0"/>
+            <a:r>
+              <a:rPr lang="nl-NL" smtClean="0"/>
+              <a:t>Klik om de modelstijlen te bewerken</a:t>
+            </a:r>
+          </a:p>
+        </p:txBody>
+      </p:sp>
+      <p:sp>
+        <p:nvSpPr>
+          <p:cNvPr id="4" name="Tijdelijke aanduiding voor inhoud 3"/>
+          <p:cNvSpPr>
+            <a:spLocks noGrp="1"/>
+          </p:cNvSpPr>
+          <p:nvPr>
+            <p:ph sz="half" idx="2"/>
+          </p:nvPr>
+        </p:nvSpPr>
+        <p:spPr>
+          <a:xfrm>
+            <a:off x="839788" y="2505075"/>
+            <a:ext cx="5157787" cy="3684588"/>
+          </a:xfrm>
+        </p:spPr>
+        <p:txBody>
+          <a:bodyPr/>
+          <a:lstStyle/>
+          <a:p>
+            <a:pPr lvl="0"/>
+            <a:r>
+              <a:rPr lang="nl-NL" smtClean="0"/>
+              <a:t>Klik om de modelstijlen te bewerken</a:t>
+            </a:r>
+          </a:p>
+          <a:p>
+            <a:pPr lvl="1"/>
+            <a:r>
+              <a:rPr lang="nl-NL" smtClean="0"/>
+              <a:t>Tweede niveau</a:t>
+            </a:r>
+          </a:p>
+          <a:p>
+            <a:pPr lvl="2"/>
+            <a:r>
+              <a:rPr lang="nl-NL" smtClean="0"/>
+              <a:t>Derde niveau</a:t>
+            </a:r>
+          </a:p>
+          <a:p>
+            <a:pPr lvl="3"/>
+            <a:r>
+              <a:rPr lang="nl-NL" smtClean="0"/>
+              <a:t>Vierde niveau</a:t>
+            </a:r>
+          </a:p>
+          <a:p>
+            <a:pPr lvl="4"/>
+            <a:r>
+              <a:rPr lang="nl-NL" smtClean="0"/>
+              <a:t>Vijfde niveau</a:t>
+            </a:r>
+            <a:endParaRPr lang="nl-NL"/>
+          </a:p>
+        </p:txBody>
+      </p:sp>
+      <p:sp>
+        <p:nvSpPr>
+          <p:cNvPr id="5" name="Tijdelijke aanduiding voor tekst 4"/>
+          <p:cNvSpPr>
+            <a:spLocks noGrp="1"/>
+          </p:cNvSpPr>
+          <p:nvPr>
+            <p:ph type="body" sz="quarter" idx="3"/>
+          </p:nvPr>
+        </p:nvSpPr>
+        <p:spPr>
+          <a:xfrm>
+            <a:off x="6172200" y="1681163"/>
+            <a:ext cx="5183188" cy="823912"/>
+          </a:xfrm>
+        </p:spPr>
+        <p:txBody>
+          <a:bodyPr anchor="b"/>
+          <a:lstStyle>
+            <a:lvl1pPr marL="0" indent="0">
+              <a:buNone/>
+              <a:defRPr sz="2400" b="1"/>
+            </a:lvl1pPr>
+            <a:lvl2pPr marL="457200" indent="0">
+              <a:buNone/>
+              <a:defRPr sz="2000" b="1"/>
+            </a:lvl2pPr>
+            <a:lvl3pPr marL="914400" indent="0">
+              <a:buNone/>
+              <a:defRPr sz="1800" b="1"/>
+            </a:lvl3pPr>
+            <a:lvl4pPr marL="1371600" indent="0">
+              <a:buNone/>
+              <a:defRPr sz="1600" b="1"/>
+            </a:lvl4pPr>
+            <a:lvl5pPr marL="1828800" indent="0">
+              <a:buNone/>
+              <a:defRPr sz="1600" b="1"/>
+            </a:lvl5pPr>
+            <a:lvl6pPr marL="2286000" indent="0">
+              <a:buNone/>
+              <a:defRPr sz="1600" b="1"/>
+            </a:lvl6pPr>
+            <a:lvl7pPr marL="2743200" indent="0">
+              <a:buNone/>
+              <a:defRPr sz="1600" b="1"/>
+            </a:lvl7pPr>
+            <a:lvl8pPr marL="3200400" indent="0">
+              <a:buNone/>
+              <a:defRPr sz="1600" b="1"/>
+            </a:lvl8pPr>
+            <a:lvl9pPr marL="3657600" indent="0">
+              <a:buNone/>
+              <a:defRPr sz="1600" b="1"/>
+            </a:lvl9pPr>
+          </a:lstStyle>
+          <a:p>
+            <a:pPr lvl="0"/>
+            <a:r>
+              <a:rPr lang="nl-NL" smtClean="0"/>
+              <a:t>Klik om de modelstijlen te bewerken</a:t>
+            </a:r>
+          </a:p>
+        </p:txBody>
+      </p:sp>
+      <p:sp>
+        <p:nvSpPr>
+          <p:cNvPr id="6" name="Tijdelijke aanduiding voor inhoud 5"/>
+          <p:cNvSpPr>
+            <a:spLocks noGrp="1"/>
+          </p:cNvSpPr>
+          <p:nvPr>
+            <p:ph sz="quarter" idx="4"/>
+          </p:nvPr>
+        </p:nvSpPr>
+        <p:spPr>
+          <a:xfrm>
+            <a:off x="6172200" y="2505075"/>
+            <a:ext cx="5183188" cy="3684588"/>
+          </a:xfrm>
+        </p:spPr>
+        <p:txBody>
+          <a:bodyPr/>
+          <a:lstStyle/>
+          <a:p>
+            <a:pPr lvl="0"/>
+            <a:r>
+              <a:rPr lang="nl-NL" smtClean="0"/>
+              <a:t>Klik om de modelstijlen te bewerken</a:t>
+            </a:r>
+          </a:p>
+          <a:p>
+            <a:pPr lvl="1"/>
+            <a:r>
+              <a:rPr lang="nl-NL" smtClean="0"/>
+              <a:t>Tweede niveau</a:t>
+            </a:r>
+          </a:p>
+          <a:p>
+            <a:pPr lvl="2"/>
+            <a:r>
+              <a:rPr lang="nl-NL" smtClean="0"/>
+              <a:t>Derde niveau</a:t>
+            </a:r>
+          </a:p>
+          <a:p>
+            <a:pPr lvl="3"/>
+            <a:r>
+              <a:rPr lang="nl-NL" smtClean="0"/>
+              <a:t>Vierde niveau</a:t>
+            </a:r>
+          </a:p>
+          <a:p>
+            <a:pPr lvl="4"/>
+            <a:r>
+              <a:rPr lang="nl-NL" smtClean="0"/>
+              <a:t>Vijfde niveau</a:t>
+            </a:r>
+            <a:endParaRPr lang="nl-NL"/>
+          </a:p>
+        </p:txBody>
+      </p:sp>
+      <p:sp>
+        <p:nvSpPr>
+          <p:cNvPr id="7" name="Tijdelijke aanduiding voor datum 6"/>
+          <p:cNvSpPr>
+            <a:spLocks noGrp="1"/>
+          </p:cNvSpPr>
+          <p:nvPr>
+            <p:ph type="dt" sz="half" idx="10"/>
+          </p:nvPr>
+        </p:nvSpPr>
+        <p:spPr/>
+        <p:txBody>
+          <a:bodyPr/>
+          <a:lstStyle/>
+          <a:p>
+            <a:fld id="{D9A198D5-009F-4FDE-9467-F5098E73540F}" type="datetimeFigureOut">
+              <a:rPr lang="nl-NL" smtClean="0"/>
+              <a:t>21-9-2016</a:t>
+            </a:fld>
+            <a:endParaRPr lang="nl-NL"/>
+          </a:p>
+        </p:txBody>
+      </p:sp>
+      <p:sp>
+        <p:nvSpPr>
+          <p:cNvPr id="8" name="Tijdelijke aanduiding voor voettekst 7"/>
+          <p:cNvSpPr>
+            <a:spLocks noGrp="1"/>
+          </p:cNvSpPr>
+          <p:nvPr>
+            <p:ph type="ftr" sz="quarter" idx="11"/>
+          </p:nvPr>
+        </p:nvSpPr>
+        <p:spPr/>
+        <p:txBody>
+          <a:bodyPr/>
+          <a:lstStyle/>
+          <a:p>
+            <a:endParaRPr lang="nl-NL"/>
+          </a:p>
+        </p:txBody>
+      </p:sp>
+      <p:sp>
+        <p:nvSpPr>
+          <p:cNvPr id="9" name="Tijdelijke aanduiding voor dianummer 8"/>
+          <p:cNvSpPr>
+            <a:spLocks noGrp="1"/>
+          </p:cNvSpPr>
+          <p:nvPr>
+            <p:ph type="sldNum" sz="quarter" idx="12"/>
+          </p:nvPr>
+        </p:nvSpPr>
+        <p:spPr/>
+        <p:txBody>
+          <a:bodyPr/>
+          <a:lstStyle/>
+          <a:p>
+            <a:fld id="{5CAA4F0A-5426-4154-9A23-59C188E70932}" type="slidenum">
+              <a:rPr lang="nl-NL" smtClean="0"/>
+              <a:t>‹nr.›</a:t>
+            </a:fld>
+            <a:endParaRPr lang="nl-NL"/>
+          </a:p>
+        </p:txBody>
+      </p:sp>
+    </p:spTree>
+    <p:extLst>
+      <p:ext uri="{BB962C8B-B14F-4D97-AF65-F5344CB8AC3E}">
+        <p14:creationId xmlns:p14="http://schemas.microsoft.com/office/powerpoint/2010/main" val="891265100"/>
+      </p:ext>
+    </p:extLst>
+  </p:cSld>
+  <p:clrMapOvr>
+    <a:masterClrMapping/>
+  </p:clrMapOvr>
+  <p:timing>
+    <p:tnLst>
+      <p:par>
+        <p:cTn id="1" dur="indefinite" restart="never" nodeType="tmRoot"/>
+      </p:par>
+    </p:tnLst>
+  </p:timing>
+</p:sldLayout>
+</file>
+
+<file path=ppt/slideLayouts/slideLayout6.xml><?xml version="1.0" encoding="utf-8"?>
+<p:sldLayout xmlns:a="http://schemas.openxmlformats.org/drawingml/2006/main" xmlns:r="http://schemas.openxmlformats.org/officeDocument/2006/relationships" xmlns:p="http://schemas.openxmlformats.org/presentationml/2006/main" type="titleOnly" preserve="1">
+  <p:cSld name="Alleen titel">
+    <p:spTree>
+      <p:nvGrpSpPr>
+        <p:cNvPr id="1" name=""/>
+        <p:cNvGrpSpPr/>
+        <p:nvPr/>
+      </p:nvGrpSpPr>
+      <p:grpSpPr>
+        <a:xfrm>
+          <a:off x="0" y="0"/>
+          <a:ext cx="0" cy="0"/>
+          <a:chOff x="0" y="0"/>
+          <a:chExt cx="0" cy="0"/>
+        </a:xfrm>
+      </p:grpSpPr>
+      <p:sp>
+        <p:nvSpPr>
+          <p:cNvPr id="2" name="Titel 1"/>
+          <p:cNvSpPr>
+            <a:spLocks noGrp="1"/>
+          </p:cNvSpPr>
+          <p:nvPr>
+            <p:ph type="title"/>
+          </p:nvPr>
+        </p:nvSpPr>
+        <p:spPr/>
+        <p:txBody>
+          <a:bodyPr/>
+          <a:lstStyle/>
+          <a:p>
+            <a:r>
+              <a:rPr lang="nl-NL" smtClean="0"/>
+              <a:t>Klik om de stijl te bewerken</a:t>
+            </a:r>
+            <a:endParaRPr lang="nl-NL"/>
+          </a:p>
+        </p:txBody>
+      </p:sp>
+      <p:sp>
+        <p:nvSpPr>
+          <p:cNvPr id="3" name="Tijdelijke aanduiding voor datum 2"/>
+          <p:cNvSpPr>
+            <a:spLocks noGrp="1"/>
+          </p:cNvSpPr>
+          <p:nvPr>
+            <p:ph type="dt" sz="half" idx="10"/>
+          </p:nvPr>
+        </p:nvSpPr>
+        <p:spPr/>
+        <p:txBody>
+          <a:bodyPr/>
+          <a:lstStyle/>
+          <a:p>
+            <a:fld id="{D9A198D5-009F-4FDE-9467-F5098E73540F}" type="datetimeFigureOut">
+              <a:rPr lang="nl-NL" smtClean="0"/>
+              <a:t>21-9-2016</a:t>
+            </a:fld>
+            <a:endParaRPr lang="nl-NL"/>
+          </a:p>
+        </p:txBody>
+      </p:sp>
+      <p:sp>
+        <p:nvSpPr>
+          <p:cNvPr id="4" name="Tijdelijke aanduiding voor voettekst 3"/>
+          <p:cNvSpPr>
+            <a:spLocks noGrp="1"/>
+          </p:cNvSpPr>
+          <p:nvPr>
+            <p:ph type="ftr" sz="quarter" idx="11"/>
+          </p:nvPr>
+        </p:nvSpPr>
+        <p:spPr/>
+        <p:txBody>
+          <a:bodyPr/>
+          <a:lstStyle/>
+          <a:p>
+            <a:endParaRPr lang="nl-NL"/>
+          </a:p>
+        </p:txBody>
+      </p:sp>
+      <p:sp>
+        <p:nvSpPr>
+          <p:cNvPr id="5" name="Tijdelijke aanduiding voor dianummer 4"/>
+          <p:cNvSpPr>
+            <a:spLocks noGrp="1"/>
+          </p:cNvSpPr>
+          <p:nvPr>
+            <p:ph type="sldNum" sz="quarter" idx="12"/>
+          </p:nvPr>
+        </p:nvSpPr>
+        <p:spPr/>
+        <p:txBody>
+          <a:bodyPr/>
+          <a:lstStyle/>
+          <a:p>
+            <a:fld id="{5CAA4F0A-5426-4154-9A23-59C188E70932}" type="slidenum">
+              <a:rPr lang="nl-NL" smtClean="0"/>
+              <a:t>‹nr.›</a:t>
+            </a:fld>
+            <a:endParaRPr lang="nl-NL"/>
+          </a:p>
+        </p:txBody>
+      </p:sp>
+    </p:spTree>
+    <p:extLst>
+      <p:ext uri="{BB962C8B-B14F-4D97-AF65-F5344CB8AC3E}">
+        <p14:creationId xmlns:p14="http://schemas.microsoft.com/office/powerpoint/2010/main" val="572556051"/>
+      </p:ext>
+    </p:extLst>
+  </p:cSld>
+  <p:clrMapOvr>
+    <a:masterClrMapping/>
+  </p:clrMapOvr>
+  <p:timing>
+    <p:tnLst>
+      <p:par>
+        <p:cTn id="1" dur="indefinite" restart="never" nodeType="tmRoot"/>
+      </p:par>
+    </p:tnLst>
+  </p:timing>
+</p:sldLayout>
+</file>
+
+<file path=ppt/slideLayouts/slideLayout7.xml><?xml version="1.0" encoding="utf-8"?>
+<p:sldLayout xmlns:a="http://schemas.openxmlformats.org/drawingml/2006/main" xmlns:r="http://schemas.openxmlformats.org/officeDocument/2006/relationships" xmlns:p="http://schemas.openxmlformats.org/presentationml/2006/main" type="blank" preserve="1">
+  <p:cSld name="Leeg">
+    <p:spTree>
+      <p:nvGrpSpPr>
+        <p:cNvPr id="1" name=""/>
+        <p:cNvGrpSpPr/>
+        <p:nvPr/>
+      </p:nvGrpSpPr>
+      <p:grpSpPr>
+        <a:xfrm>
+          <a:off x="0" y="0"/>
+          <a:ext cx="0" cy="0"/>
+          <a:chOff x="0" y="0"/>
+          <a:chExt cx="0" cy="0"/>
+        </a:xfrm>
+      </p:grpSpPr>
+      <p:sp>
+        <p:nvSpPr>
+          <p:cNvPr id="2" name="Tijdelijke aanduiding voor datum 1"/>
+          <p:cNvSpPr>
+            <a:spLocks noGrp="1"/>
+          </p:cNvSpPr>
+          <p:nvPr>
+            <p:ph type="dt" sz="half" idx="10"/>
+          </p:nvPr>
+        </p:nvSpPr>
+        <p:spPr/>
+        <p:txBody>
+          <a:bodyPr/>
+          <a:lstStyle/>
+          <a:p>
+            <a:fld id="{D9A198D5-009F-4FDE-9467-F5098E73540F}" type="datetimeFigureOut">
+              <a:rPr lang="nl-NL" smtClean="0"/>
+              <a:t>21-9-2016</a:t>
+            </a:fld>
+            <a:endParaRPr lang="nl-NL"/>
+          </a:p>
+        </p:txBody>
+      </p:sp>
+      <p:sp>
+        <p:nvSpPr>
+          <p:cNvPr id="3" name="Tijdelijke aanduiding voor voettekst 2"/>
+          <p:cNvSpPr>
+            <a:spLocks noGrp="1"/>
+          </p:cNvSpPr>
+          <p:nvPr>
+            <p:ph type="ftr" sz="quarter" idx="11"/>
+          </p:nvPr>
+        </p:nvSpPr>
+        <p:spPr/>
+        <p:txBody>
+          <a:bodyPr/>
+          <a:lstStyle/>
+          <a:p>
+            <a:endParaRPr lang="nl-NL"/>
+          </a:p>
+        </p:txBody>
+      </p:sp>
+      <p:sp>
+        <p:nvSpPr>
+          <p:cNvPr id="4" name="Tijdelijke aanduiding voor dianummer 3"/>
+          <p:cNvSpPr>
+            <a:spLocks noGrp="1"/>
+          </p:cNvSpPr>
+          <p:nvPr>
+            <p:ph type="sldNum" sz="quarter" idx="12"/>
+          </p:nvPr>
+        </p:nvSpPr>
+        <p:spPr/>
+        <p:txBody>
+          <a:bodyPr/>
+          <a:lstStyle/>
+          <a:p>
+            <a:fld id="{5CAA4F0A-5426-4154-9A23-59C188E70932}" type="slidenum">
+              <a:rPr lang="nl-NL" smtClean="0"/>
+              <a:t>‹nr.›</a:t>
+            </a:fld>
+            <a:endParaRPr lang="nl-NL"/>
+          </a:p>
+        </p:txBody>
+      </p:sp>
+    </p:spTree>
+    <p:extLst>
+      <p:ext uri="{BB962C8B-B14F-4D97-AF65-F5344CB8AC3E}">
+        <p14:creationId xmlns:p14="http://schemas.microsoft.com/office/powerpoint/2010/main" val="2355876333"/>
+      </p:ext>
+    </p:extLst>
+  </p:cSld>
+  <p:clrMapOvr>
+    <a:masterClrMapping/>
+  </p:clrMapOvr>
+  <p:timing>
+    <p:tnLst>
+      <p:par>
+        <p:cTn id="1" dur="indefinite" restart="never" nodeType="tmRoot"/>
+      </p:par>
+    </p:tnLst>
+  </p:timing>
+</p:sldLayout>
+</file>
+
+<file path=ppt/slideLayouts/slideLayout8.xml><?xml version="1.0" encoding="utf-8"?>
+<p:sldLayout xmlns:a="http://schemas.openxmlformats.org/drawingml/2006/main" xmlns:r="http://schemas.openxmlformats.org/officeDocument/2006/relationships" xmlns:p="http://schemas.openxmlformats.org/presentationml/2006/main" type="objTx" preserve="1">
+  <p:cSld name="Inhoud met bijschrift">
+    <p:spTree>
+      <p:nvGrpSpPr>
+        <p:cNvPr id="1" name=""/>
+        <p:cNvGrpSpPr/>
+        <p:nvPr/>
+      </p:nvGrpSpPr>
+      <p:grpSpPr>
+        <a:xfrm>
+          <a:off x="0" y="0"/>
+          <a:ext cx="0" cy="0"/>
+          <a:chOff x="0" y="0"/>
+          <a:chExt cx="0" cy="0"/>
+        </a:xfrm>
+      </p:grpSpPr>
+      <p:sp>
+        <p:nvSpPr>
+          <p:cNvPr id="2" name="Titel 1"/>
+          <p:cNvSpPr>
+            <a:spLocks noGrp="1"/>
+          </p:cNvSpPr>
+          <p:nvPr>
+            <p:ph type="title"/>
+          </p:nvPr>
+        </p:nvSpPr>
+        <p:spPr>
+          <a:xfrm>
+            <a:off x="839788" y="457200"/>
+            <a:ext cx="3932237" cy="1600200"/>
+          </a:xfrm>
+        </p:spPr>
+        <p:txBody>
+          <a:bodyPr anchor="b"/>
+          <a:lstStyle>
+            <a:lvl1pPr>
+              <a:defRPr sz="3200"/>
+            </a:lvl1pPr>
+          </a:lstStyle>
+          <a:p>
+            <a:r>
+              <a:rPr lang="nl-NL" smtClean="0"/>
+              <a:t>Klik om de stijl te bewerken</a:t>
+            </a:r>
+            <a:endParaRPr lang="nl-NL"/>
+          </a:p>
+        </p:txBody>
+      </p:sp>
+      <p:sp>
+        <p:nvSpPr>
+          <p:cNvPr id="3" name="Tijdelijke aanduiding voor inhoud 2"/>
+          <p:cNvSpPr>
+            <a:spLocks noGrp="1"/>
+          </p:cNvSpPr>
+          <p:nvPr>
+            <p:ph idx="1"/>
+          </p:nvPr>
+        </p:nvSpPr>
+        <p:spPr>
+          <a:xfrm>
+            <a:off x="5183188" y="987425"/>
+            <a:ext cx="6172200" cy="4873625"/>
+          </a:xfrm>
+        </p:spPr>
+        <p:txBody>
+          <a:bodyPr/>
+          <a:lstStyle>
+            <a:lvl1pPr>
+              <a:defRPr sz="3200"/>
+            </a:lvl1pPr>
+            <a:lvl2pPr>
+              <a:defRPr sz="2800"/>
+            </a:lvl2pPr>
+            <a:lvl3pPr>
+              <a:defRPr sz="2400"/>
+            </a:lvl3pPr>
+            <a:lvl4pPr>
+              <a:defRPr sz="2000"/>
+            </a:lvl4pPr>
+            <a:lvl5pPr>
+              <a:defRPr sz="2000"/>
+            </a:lvl5pPr>
+            <a:lvl6pPr>
+              <a:defRPr sz="2000"/>
+            </a:lvl6pPr>
+            <a:lvl7pPr>
+              <a:defRPr sz="2000"/>
+            </a:lvl7pPr>
+            <a:lvl8pPr>
+              <a:defRPr sz="2000"/>
+            </a:lvl8pPr>
+            <a:lvl9pPr>
+              <a:defRPr sz="2000"/>
+            </a:lvl9pPr>
+          </a:lstStyle>
+          <a:p>
+            <a:pPr lvl="0"/>
+            <a:r>
+              <a:rPr lang="nl-NL" smtClean="0"/>
+              <a:t>Klik om de modelstijlen te bewerken</a:t>
+            </a:r>
+          </a:p>
+          <a:p>
+            <a:pPr lvl="1"/>
+            <a:r>
+              <a:rPr lang="nl-NL" smtClean="0"/>
+              <a:t>Tweede niveau</a:t>
+            </a:r>
+          </a:p>
+          <a:p>
+            <a:pPr lvl="2"/>
+            <a:r>
+              <a:rPr lang="nl-NL" smtClean="0"/>
+              <a:t>Derde niveau</a:t>
+            </a:r>
+          </a:p>
+          <a:p>
+            <a:pPr lvl="3"/>
+            <a:r>
+              <a:rPr lang="nl-NL" smtClean="0"/>
+              <a:t>Vierde niveau</a:t>
+            </a:r>
+          </a:p>
+          <a:p>
+            <a:pPr lvl="4"/>
+            <a:r>
+              <a:rPr lang="nl-NL" smtClean="0"/>
+              <a:t>Vijfde niveau</a:t>
+            </a:r>
+            <a:endParaRPr lang="nl-NL"/>
+          </a:p>
+        </p:txBody>
+      </p:sp>
+      <p:sp>
+        <p:nvSpPr>
+          <p:cNvPr id="4" name="Tijdelijke aanduiding voor tekst 3"/>
+          <p:cNvSpPr>
+            <a:spLocks noGrp="1"/>
+          </p:cNvSpPr>
+          <p:nvPr>
+            <p:ph type="body" sz="half" idx="2"/>
+          </p:nvPr>
+        </p:nvSpPr>
+        <p:spPr>
+          <a:xfrm>
+            <a:off x="839788" y="2057400"/>
+            <a:ext cx="3932237" cy="3811588"/>
+          </a:xfrm>
+        </p:spPr>
+        <p:txBody>
+          <a:bodyPr/>
+          <a:lstStyle>
+            <a:lvl1pPr marL="0" indent="0">
+              <a:buNone/>
+              <a:defRPr sz="1600"/>
+            </a:lvl1pPr>
+            <a:lvl2pPr marL="457200" indent="0">
+              <a:buNone/>
+              <a:defRPr sz="1400"/>
+            </a:lvl2pPr>
+            <a:lvl3pPr marL="914400" indent="0">
+              <a:buNone/>
+              <a:defRPr sz="1200"/>
+            </a:lvl3pPr>
+            <a:lvl4pPr marL="1371600" indent="0">
+              <a:buNone/>
+              <a:defRPr sz="1000"/>
+            </a:lvl4pPr>
+            <a:lvl5pPr marL="1828800" indent="0">
+              <a:buNone/>
+              <a:defRPr sz="1000"/>
+            </a:lvl5pPr>
+            <a:lvl6pPr marL="2286000" indent="0">
+              <a:buNone/>
+              <a:defRPr sz="1000"/>
+            </a:lvl6pPr>
+            <a:lvl7pPr marL="2743200" indent="0">
+              <a:buNone/>
+              <a:defRPr sz="1000"/>
+            </a:lvl7pPr>
+            <a:lvl8pPr marL="3200400" indent="0">
+              <a:buNone/>
+              <a:defRPr sz="1000"/>
+            </a:lvl8pPr>
+            <a:lvl9pPr marL="3657600" indent="0">
+              <a:buNone/>
+              <a:defRPr sz="1000"/>
+            </a:lvl9pPr>
+          </a:lstStyle>
+          <a:p>
+            <a:pPr lvl="0"/>
+            <a:r>
+              <a:rPr lang="nl-NL" smtClean="0"/>
+              <a:t>Klik om de modelstijlen te bewerken</a:t>
+            </a:r>
+          </a:p>
+        </p:txBody>
+      </p:sp>
+      <p:sp>
+        <p:nvSpPr>
+          <p:cNvPr id="5" name="Tijdelijke aanduiding voor datum 4"/>
+          <p:cNvSpPr>
+            <a:spLocks noGrp="1"/>
+          </p:cNvSpPr>
+          <p:nvPr>
+            <p:ph type="dt" sz="half" idx="10"/>
+          </p:nvPr>
+        </p:nvSpPr>
+        <p:spPr/>
+        <p:txBody>
+          <a:bodyPr/>
+          <a:lstStyle/>
+          <a:p>
+            <a:fld id="{D9A198D5-009F-4FDE-9467-F5098E73540F}" type="datetimeFigureOut">
+              <a:rPr lang="nl-NL" smtClean="0"/>
+              <a:t>21-9-2016</a:t>
+            </a:fld>
+            <a:endParaRPr lang="nl-NL"/>
+          </a:p>
+        </p:txBody>
+      </p:sp>
+      <p:sp>
+        <p:nvSpPr>
+          <p:cNvPr id="6" name="Tijdelijke aanduiding voor voettekst 5"/>
+          <p:cNvSpPr>
+            <a:spLocks noGrp="1"/>
+          </p:cNvSpPr>
+          <p:nvPr>
+            <p:ph type="ftr" sz="quarter" idx="11"/>
+          </p:nvPr>
+        </p:nvSpPr>
+        <p:spPr/>
+        <p:txBody>
+          <a:bodyPr/>
+          <a:lstStyle/>
+          <a:p>
+            <a:endParaRPr lang="nl-NL"/>
+          </a:p>
+        </p:txBody>
+      </p:sp>
+      <p:sp>
+        <p:nvSpPr>
+          <p:cNvPr id="7" name="Tijdelijke aanduiding voor dianummer 6"/>
+          <p:cNvSpPr>
+            <a:spLocks noGrp="1"/>
+          </p:cNvSpPr>
+          <p:nvPr>
+            <p:ph type="sldNum" sz="quarter" idx="12"/>
+          </p:nvPr>
+        </p:nvSpPr>
+        <p:spPr/>
+        <p:txBody>
+          <a:bodyPr/>
+          <a:lstStyle/>
+          <a:p>
+            <a:fld id="{5CAA4F0A-5426-4154-9A23-59C188E70932}" type="slidenum">
+              <a:rPr lang="nl-NL" smtClean="0"/>
+              <a:t>‹nr.›</a:t>
+            </a:fld>
+            <a:endParaRPr lang="nl-NL"/>
+          </a:p>
+        </p:txBody>
+      </p:sp>
+    </p:spTree>
+    <p:extLst>
+      <p:ext uri="{BB962C8B-B14F-4D97-AF65-F5344CB8AC3E}">
+        <p14:creationId xmlns:p14="http://schemas.microsoft.com/office/powerpoint/2010/main" val="3869852797"/>
+      </p:ext>
+    </p:extLst>
+  </p:cSld>
+  <p:clrMapOvr>
+    <a:masterClrMapping/>
+  </p:clrMapOvr>
+  <p:timing>
+    <p:tnLst>
+      <p:par>
+        <p:cTn id="1" dur="indefinite" restart="never" nodeType="tmRoot"/>
+      </p:par>
+    </p:tnLst>
+  </p:timing>
+</p:sldLayout>
+</file>
+
+<file path=ppt/slideLayouts/slideLayout9.xml><?xml version="1.0" encoding="utf-8"?>
+<p:sldLayout xmlns:a="http://schemas.openxmlformats.org/drawingml/2006/main" xmlns:r="http://schemas.openxmlformats.org/officeDocument/2006/relationships" xmlns:p="http://schemas.openxmlformats.org/presentationml/2006/main" type="picTx" preserve="1">
+  <p:cSld name="Afbeelding met bijschrift">
+    <p:spTree>
+      <p:nvGrpSpPr>
+        <p:cNvPr id="1" name=""/>
+        <p:cNvGrpSpPr/>
+        <p:nvPr/>
+      </p:nvGrpSpPr>
+      <p:grpSpPr>
+        <a:xfrm>
+          <a:off x="0" y="0"/>
+          <a:ext cx="0" cy="0"/>
+          <a:chOff x="0" y="0"/>
+          <a:chExt cx="0" cy="0"/>
+        </a:xfrm>
+      </p:grpSpPr>
+      <p:sp>
+        <p:nvSpPr>
+          <p:cNvPr id="2" name="Titel 1"/>
+          <p:cNvSpPr>
+            <a:spLocks noGrp="1"/>
+          </p:cNvSpPr>
+          <p:nvPr>
+            <p:ph type="title"/>
+          </p:nvPr>
+        </p:nvSpPr>
+        <p:spPr>
+          <a:xfrm>
+            <a:off x="839788" y="457200"/>
+            <a:ext cx="3932237" cy="1600200"/>
+          </a:xfrm>
+        </p:spPr>
+        <p:txBody>
+          <a:bodyPr anchor="b"/>
+          <a:lstStyle>
+            <a:lvl1pPr>
+              <a:defRPr sz="3200"/>
+            </a:lvl1pPr>
+          </a:lstStyle>
+          <a:p>
+            <a:r>
+              <a:rPr lang="nl-NL" smtClean="0"/>
+              <a:t>Klik om de stijl te bewerken</a:t>
+            </a:r>
+            <a:endParaRPr lang="nl-NL"/>
+          </a:p>
+        </p:txBody>
+      </p:sp>
+      <p:sp>
+        <p:nvSpPr>
+          <p:cNvPr id="3" name="Tijdelijke aanduiding voor afbeelding 2"/>
+          <p:cNvSpPr>
+            <a:spLocks noGrp="1"/>
+          </p:cNvSpPr>
+          <p:nvPr>
+            <p:ph type="pic" idx="1"/>
+          </p:nvPr>
+        </p:nvSpPr>
+        <p:spPr>
+          <a:xfrm>
+            <a:off x="5183188" y="987425"/>
+            <a:ext cx="6172200" cy="4873625"/>
+          </a:xfrm>
+        </p:spPr>
+        <p:txBody>
+          <a:bodyPr/>
+          <a:lstStyle>
+            <a:lvl1pPr marL="0" indent="0">
+              <a:buNone/>
+              <a:defRPr sz="3200"/>
+            </a:lvl1pPr>
+            <a:lvl2pPr marL="457200" indent="0">
+              <a:buNone/>
+              <a:defRPr sz="2800"/>
+            </a:lvl2pPr>
+            <a:lvl3pPr marL="914400" indent="0">
+              <a:buNone/>
+              <a:defRPr sz="2400"/>
+            </a:lvl3pPr>
+            <a:lvl4pPr marL="1371600" indent="0">
+              <a:buNone/>
+              <a:defRPr sz="2000"/>
+            </a:lvl4pPr>
+            <a:lvl5pPr marL="1828800" indent="0">
+              <a:buNone/>
+              <a:defRPr sz="2000"/>
+            </a:lvl5pPr>
+            <a:lvl6pPr marL="2286000" indent="0">
+              <a:buNone/>
+              <a:defRPr sz="2000"/>
+            </a:lvl6pPr>
+            <a:lvl7pPr marL="2743200" indent="0">
+              <a:buNone/>
+              <a:defRPr sz="2000"/>
+            </a:lvl7pPr>
+            <a:lvl8pPr marL="3200400" indent="0">
+              <a:buNone/>
+              <a:defRPr sz="2000"/>
+            </a:lvl8pPr>
+            <a:lvl9pPr marL="3657600" indent="0">
+              <a:buNone/>
+              <a:defRPr sz="2000"/>
+            </a:lvl9pPr>
+          </a:lstStyle>
+          <a:p>
+            <a:endParaRPr lang="nl-NL"/>
+          </a:p>
+        </p:txBody>
+      </p:sp>
+      <p:sp>
+        <p:nvSpPr>
+          <p:cNvPr id="4" name="Tijdelijke aanduiding voor tekst 3"/>
+          <p:cNvSpPr>
+            <a:spLocks noGrp="1"/>
+          </p:cNvSpPr>
+          <p:nvPr>
+            <p:ph type="body" sz="half" idx="2"/>
+          </p:nvPr>
+        </p:nvSpPr>
+        <p:spPr>
+          <a:xfrm>
+            <a:off x="839788" y="2057400"/>
+            <a:ext cx="3932237" cy="3811588"/>
+          </a:xfrm>
+        </p:spPr>
+        <p:txBody>
+          <a:bodyPr/>
+          <a:lstStyle>
+            <a:lvl1pPr marL="0" indent="0">
+              <a:buNone/>
+              <a:defRPr sz="1600"/>
+            </a:lvl1pPr>
+            <a:lvl2pPr marL="457200" indent="0">
+              <a:buNone/>
+              <a:defRPr sz="1400"/>
+            </a:lvl2pPr>
+            <a:lvl3pPr marL="914400" indent="0">
+              <a:buNone/>
+              <a:defRPr sz="1200"/>
+            </a:lvl3pPr>
+            <a:lvl4pPr marL="1371600" indent="0">
+              <a:buNone/>
+              <a:defRPr sz="1000"/>
+            </a:lvl4pPr>
+            <a:lvl5pPr marL="1828800" indent="0">
+              <a:buNone/>
+              <a:defRPr sz="1000"/>
+            </a:lvl5pPr>
+            <a:lvl6pPr marL="2286000" indent="0">
+              <a:buNone/>
+              <a:defRPr sz="1000"/>
+            </a:lvl6pPr>
+            <a:lvl7pPr marL="2743200" indent="0">
+              <a:buNone/>
+              <a:defRPr sz="1000"/>
+            </a:lvl7pPr>
+            <a:lvl8pPr marL="3200400" indent="0">
+              <a:buNone/>
+              <a:defRPr sz="1000"/>
+            </a:lvl8pPr>
+            <a:lvl9pPr marL="3657600" indent="0">
+              <a:buNone/>
+              <a:defRPr sz="1000"/>
+            </a:lvl9pPr>
+          </a:lstStyle>
+          <a:p>
+            <a:pPr lvl="0"/>
+            <a:r>
+              <a:rPr lang="nl-NL" smtClean="0"/>
+              <a:t>Klik om de modelstijlen te bewerken</a:t>
+            </a:r>
+          </a:p>
+        </p:txBody>
+      </p:sp>
+      <p:sp>
+        <p:nvSpPr>
+          <p:cNvPr id="5" name="Tijdelijke aanduiding voor datum 4"/>
+          <p:cNvSpPr>
+            <a:spLocks noGrp="1"/>
+          </p:cNvSpPr>
+          <p:nvPr>
+            <p:ph type="dt" sz="half" idx="10"/>
+          </p:nvPr>
+        </p:nvSpPr>
+        <p:spPr/>
+        <p:txBody>
+          <a:bodyPr/>
+          <a:lstStyle/>
+          <a:p>
+            <a:fld id="{D9A198D5-009F-4FDE-9467-F5098E73540F}" type="datetimeFigureOut">
+              <a:rPr lang="nl-NL" smtClean="0"/>
+              <a:t>21-9-2016</a:t>
+            </a:fld>
+            <a:endParaRPr lang="nl-NL"/>
+          </a:p>
+        </p:txBody>
+      </p:sp>
+      <p:sp>
+        <p:nvSpPr>
+          <p:cNvPr id="6" name="Tijdelijke aanduiding voor voettekst 5"/>
+          <p:cNvSpPr>
+            <a:spLocks noGrp="1"/>
+          </p:cNvSpPr>
+          <p:nvPr>
+            <p:ph type="ftr" sz="quarter" idx="11"/>
+          </p:nvPr>
+        </p:nvSpPr>
+        <p:spPr/>
+        <p:txBody>
+          <a:bodyPr/>
+          <a:lstStyle/>
+          <a:p>
+            <a:endParaRPr lang="nl-NL"/>
+          </a:p>
+        </p:txBody>
+      </p:sp>
+      <p:sp>
+        <p:nvSpPr>
+          <p:cNvPr id="7" name="Tijdelijke aanduiding voor dianummer 6"/>
+          <p:cNvSpPr>
+            <a:spLocks noGrp="1"/>
+          </p:cNvSpPr>
+          <p:nvPr>
+            <p:ph type="sldNum" sz="quarter" idx="12"/>
+          </p:nvPr>
+        </p:nvSpPr>
+        <p:spPr/>
+        <p:txBody>
+          <a:bodyPr/>
+          <a:lstStyle/>
+          <a:p>
+            <a:fld id="{5CAA4F0A-5426-4154-9A23-59C188E70932}" type="slidenum">
+              <a:rPr lang="nl-NL" smtClean="0"/>
+              <a:t>‹nr.›</a:t>
+            </a:fld>
+            <a:endParaRPr lang="nl-NL"/>
+          </a:p>
+        </p:txBody>
+      </p:sp>
+    </p:spTree>
+    <p:extLst>
+      <p:ext uri="{BB962C8B-B14F-4D97-AF65-F5344CB8AC3E}">
+        <p14:creationId xmlns:p14="http://schemas.microsoft.com/office/powerpoint/2010/main" val="3822637847"/>
       </p:ext>
     </p:extLst>
   </p:cSld>
@@ -317,7 +2517,7 @@
 </file>
 
 <file path=ppt/slideMasters/slideMaster1.xml><?xml version="1.0" encoding="utf-8"?>
-<p:sldMaster xmlns:a="http://schemas.openxmlformats.org/drawingml/2006/main" xmlns:r="http://schemas.openxmlformats.org/officeDocument/2006/relationships" xmlns:p="http://schemas.openxmlformats.org/presentationml/2006/main">
+<p:sldMaster xmlns:a="http://schemas.openxmlformats.org/drawingml/2006/main" xmlns:r="http://schemas.openxmlformats.org/officeDocument/2006/relationships" xmlns:p="http://schemas.openxmlformats.org/presentationml/2006/main" preserve="1">
   <p:cSld>
     <p:bg>
       <p:bgRef idx="1001">
@@ -338,6 +2538,220 @@
           <a:chExt cx="0" cy="0"/>
         </a:xfrm>
       </p:grpSpPr>
+      <p:sp>
+        <p:nvSpPr>
+          <p:cNvPr id="2" name="Tijdelijke aanduiding voor titel 1"/>
+          <p:cNvSpPr>
+            <a:spLocks noGrp="1"/>
+          </p:cNvSpPr>
+          <p:nvPr>
+            <p:ph type="title"/>
+          </p:nvPr>
+        </p:nvSpPr>
+        <p:spPr>
+          <a:xfrm>
+            <a:off x="2014847" y="1218750"/>
+            <a:ext cx="8162306" cy="939532"/>
+          </a:xfrm>
+          <a:prstGeom prst="rect">
+            <a:avLst/>
+          </a:prstGeom>
+        </p:spPr>
+        <p:txBody>
+          <a:bodyPr vert="horz" lIns="91440" tIns="45720" rIns="91440" bIns="45720" rtlCol="0" anchor="ctr">
+            <a:normAutofit/>
+          </a:bodyPr>
+          <a:lstStyle/>
+          <a:p>
+            <a:r>
+              <a:rPr lang="nl-NL" dirty="0" smtClean="0"/>
+              <a:t>Klik om de stijl te bewerken</a:t>
+            </a:r>
+            <a:endParaRPr lang="nl-NL" dirty="0"/>
+          </a:p>
+        </p:txBody>
+      </p:sp>
+      <p:sp>
+        <p:nvSpPr>
+          <p:cNvPr id="3" name="Tijdelijke aanduiding voor tekst 2"/>
+          <p:cNvSpPr>
+            <a:spLocks noGrp="1"/>
+          </p:cNvSpPr>
+          <p:nvPr>
+            <p:ph type="body" idx="1"/>
+          </p:nvPr>
+        </p:nvSpPr>
+        <p:spPr>
+          <a:xfrm>
+            <a:off x="838200" y="2472977"/>
+            <a:ext cx="10515600" cy="3703986"/>
+          </a:xfrm>
+          <a:prstGeom prst="rect">
+            <a:avLst/>
+          </a:prstGeom>
+        </p:spPr>
+        <p:txBody>
+          <a:bodyPr vert="horz" lIns="91440" tIns="45720" rIns="91440" bIns="45720" rtlCol="0">
+            <a:normAutofit/>
+          </a:bodyPr>
+          <a:lstStyle/>
+          <a:p>
+            <a:pPr lvl="0"/>
+            <a:r>
+              <a:rPr lang="nl-NL" dirty="0" smtClean="0"/>
+              <a:t>Klik om de modelstijlen te bewerken</a:t>
+            </a:r>
+          </a:p>
+          <a:p>
+            <a:pPr lvl="1"/>
+            <a:r>
+              <a:rPr lang="nl-NL" dirty="0" smtClean="0"/>
+              <a:t>Tweede niveau</a:t>
+            </a:r>
+          </a:p>
+          <a:p>
+            <a:pPr lvl="2"/>
+            <a:r>
+              <a:rPr lang="nl-NL" dirty="0" smtClean="0"/>
+              <a:t>Derde niveau</a:t>
+            </a:r>
+          </a:p>
+          <a:p>
+            <a:pPr lvl="3"/>
+            <a:r>
+              <a:rPr lang="nl-NL" dirty="0" smtClean="0"/>
+              <a:t>Vierde niveau</a:t>
+            </a:r>
+          </a:p>
+          <a:p>
+            <a:pPr lvl="4"/>
+            <a:r>
+              <a:rPr lang="nl-NL" dirty="0" smtClean="0"/>
+              <a:t>Vijfde niveau</a:t>
+            </a:r>
+            <a:endParaRPr lang="nl-NL" dirty="0"/>
+          </a:p>
+        </p:txBody>
+      </p:sp>
+      <p:sp>
+        <p:nvSpPr>
+          <p:cNvPr id="4" name="Tijdelijke aanduiding voor datum 3"/>
+          <p:cNvSpPr>
+            <a:spLocks noGrp="1"/>
+          </p:cNvSpPr>
+          <p:nvPr>
+            <p:ph type="dt" sz="half" idx="2"/>
+          </p:nvPr>
+        </p:nvSpPr>
+        <p:spPr>
+          <a:xfrm>
+            <a:off x="838200" y="6356350"/>
+            <a:ext cx="2743200" cy="365125"/>
+          </a:xfrm>
+          <a:prstGeom prst="rect">
+            <a:avLst/>
+          </a:prstGeom>
+        </p:spPr>
+        <p:txBody>
+          <a:bodyPr vert="horz" lIns="91440" tIns="45720" rIns="91440" bIns="45720" rtlCol="0" anchor="ctr"/>
+          <a:lstStyle>
+            <a:lvl1pPr algn="l">
+              <a:defRPr sz="1200">
+                <a:solidFill>
+                  <a:schemeClr val="tx1">
+                    <a:tint val="75000"/>
+                  </a:schemeClr>
+                </a:solidFill>
+              </a:defRPr>
+            </a:lvl1pPr>
+          </a:lstStyle>
+          <a:p>
+            <a:fld id="{D9A198D5-009F-4FDE-9467-F5098E73540F}" type="datetimeFigureOut">
+              <a:rPr lang="nl-NL" smtClean="0"/>
+              <a:t>21-9-2016</a:t>
+            </a:fld>
+            <a:endParaRPr lang="nl-NL"/>
+          </a:p>
+        </p:txBody>
+      </p:sp>
+      <p:sp>
+        <p:nvSpPr>
+          <p:cNvPr id="5" name="Tijdelijke aanduiding voor voettekst 4"/>
+          <p:cNvSpPr>
+            <a:spLocks noGrp="1"/>
+          </p:cNvSpPr>
+          <p:nvPr>
+            <p:ph type="ftr" sz="quarter" idx="3"/>
+          </p:nvPr>
+        </p:nvSpPr>
+        <p:spPr>
+          <a:xfrm>
+            <a:off x="4038600" y="6356350"/>
+            <a:ext cx="4114800" cy="365125"/>
+          </a:xfrm>
+          <a:prstGeom prst="rect">
+            <a:avLst/>
+          </a:prstGeom>
+        </p:spPr>
+        <p:txBody>
+          <a:bodyPr vert="horz" lIns="91440" tIns="45720" rIns="91440" bIns="45720" rtlCol="0" anchor="ctr"/>
+          <a:lstStyle>
+            <a:lvl1pPr algn="ctr">
+              <a:defRPr sz="1200">
+                <a:solidFill>
+                  <a:schemeClr val="tx1">
+                    <a:tint val="75000"/>
+                  </a:schemeClr>
+                </a:solidFill>
+              </a:defRPr>
+            </a:lvl1pPr>
+          </a:lstStyle>
+          <a:p>
+            <a:endParaRPr lang="nl-NL"/>
+          </a:p>
+        </p:txBody>
+      </p:sp>
+      <p:sp>
+        <p:nvSpPr>
+          <p:cNvPr id="6" name="Tijdelijke aanduiding voor dianummer 5"/>
+          <p:cNvSpPr>
+            <a:spLocks noGrp="1"/>
+          </p:cNvSpPr>
+          <p:nvPr>
+            <p:ph type="sldNum" sz="quarter" idx="4"/>
+          </p:nvPr>
+        </p:nvSpPr>
+        <p:spPr>
+          <a:xfrm>
+            <a:off x="8610600" y="6356350"/>
+            <a:ext cx="2743200" cy="365125"/>
+          </a:xfrm>
+          <a:prstGeom prst="rect">
+            <a:avLst/>
+          </a:prstGeom>
+        </p:spPr>
+        <p:txBody>
+          <a:bodyPr vert="horz" lIns="91440" tIns="45720" rIns="91440" bIns="45720" rtlCol="0" anchor="ctr"/>
+          <a:lstStyle>
+            <a:lvl1pPr algn="r">
+              <a:defRPr sz="1200">
+                <a:solidFill>
+                  <a:schemeClr val="tx1">
+                    <a:tint val="75000"/>
+                  </a:schemeClr>
+                </a:solidFill>
+              </a:defRPr>
+            </a:lvl1pPr>
+          </a:lstStyle>
+          <a:p>
+            <a:fld id="{5CAA4F0A-5426-4154-9A23-59C188E70932}" type="slidenum">
+              <a:rPr lang="nl-NL" smtClean="0"/>
+              <a:t>‹nr.›</a:t>
+            </a:fld>
+            <a:endParaRPr lang="nl-NL"/>
+          </a:p>
+        </p:txBody>
+      </p:sp>
       <p:pic>
         <p:nvPicPr>
           <p:cNvPr id="7" name="Afbeelding 6"/>
@@ -347,7 +2761,7 @@
           <p:nvPr userDrawn="1"/>
         </p:nvPicPr>
         <p:blipFill>
-          <a:blip r:embed="rId3" cstate="print">
+          <a:blip r:embed="rId13" cstate="print">
             <a:extLst>
               <a:ext uri="{28A0092B-C50C-407E-A947-70E740481C1C}">
                 <a14:useLocalDpi xmlns:a14="http://schemas.microsoft.com/office/drawing/2010/main" val="0"/>
@@ -377,7 +2791,7 @@
           <p:nvPr userDrawn="1"/>
         </p:nvPicPr>
         <p:blipFill>
-          <a:blip r:embed="rId4" cstate="print">
+          <a:blip r:embed="rId14" cstate="print">
             <a:extLst>
               <a:ext uri="{28A0092B-C50C-407E-A947-70E740481C1C}">
                 <a14:useLocalDpi xmlns:a14="http://schemas.microsoft.com/office/drawing/2010/main" val="0"/>
@@ -400,14 +2814,14 @@
       </p:pic>
       <p:pic>
         <p:nvPicPr>
-          <p:cNvPr id="11" name="Afbeelding 10"/>
+          <p:cNvPr id="9" name="Afbeelding 8"/>
           <p:cNvPicPr>
             <a:picLocks noChangeAspect="1"/>
           </p:cNvPicPr>
           <p:nvPr userDrawn="1"/>
         </p:nvPicPr>
         <p:blipFill>
-          <a:blip r:embed="rId5" cstate="print">
+          <a:blip r:embed="rId15" cstate="print">
             <a:extLst>
               <a:ext uri="{28A0092B-C50C-407E-A947-70E740481C1C}">
                 <a14:useLocalDpi xmlns:a14="http://schemas.microsoft.com/office/drawing/2010/main" val="0"/>
@@ -420,7 +2834,7 @@
         </p:blipFill>
         <p:spPr>
           <a:xfrm rot="9525506">
-            <a:off x="-139213" y="-152042"/>
+            <a:off x="27043" y="242138"/>
             <a:ext cx="1971520" cy="1288060"/>
           </a:xfrm>
           <a:prstGeom prst="rect">
@@ -431,13 +2845,23 @@
     </p:spTree>
     <p:extLst>
       <p:ext uri="{BB962C8B-B14F-4D97-AF65-F5344CB8AC3E}">
-        <p14:creationId xmlns:p14="http://schemas.microsoft.com/office/powerpoint/2010/main" val="2229573739"/>
+        <p14:creationId xmlns:p14="http://schemas.microsoft.com/office/powerpoint/2010/main" val="1848703792"/>
       </p:ext>
     </p:extLst>
   </p:cSld>
   <p:clrMap bg1="lt1" tx1="dk1" bg2="lt2" tx2="dk2" accent1="accent1" accent2="accent2" accent3="accent3" accent4="accent4" accent5="accent5" accent6="accent6" hlink="hlink" folHlink="folHlink"/>
   <p:sldLayoutIdLst>
-    <p:sldLayoutId id="2147483649" r:id="rId1"/>
+    <p:sldLayoutId id="2147483652" r:id="rId1"/>
+    <p:sldLayoutId id="2147483653" r:id="rId2"/>
+    <p:sldLayoutId id="2147483654" r:id="rId3"/>
+    <p:sldLayoutId id="2147483655" r:id="rId4"/>
+    <p:sldLayoutId id="2147483656" r:id="rId5"/>
+    <p:sldLayoutId id="2147483657" r:id="rId6"/>
+    <p:sldLayoutId id="2147483658" r:id="rId7"/>
+    <p:sldLayoutId id="2147483659" r:id="rId8"/>
+    <p:sldLayoutId id="2147483660" r:id="rId9"/>
+    <p:sldLayoutId id="2147483661" r:id="rId10"/>
+    <p:sldLayoutId id="2147483662" r:id="rId11"/>
   </p:sldLayoutIdLst>
   <p:timing>
     <p:tnLst>
@@ -448,7 +2872,7 @@
   </p:timing>
   <p:txStyles>
     <p:titleStyle>
-      <a:lvl1pPr algn="l" defTabSz="914400" rtl="0" eaLnBrk="1" latinLnBrk="0" hangingPunct="1">
+      <a:lvl1pPr algn="ctr" defTabSz="914400" rtl="0" eaLnBrk="1" latinLnBrk="0" hangingPunct="1">
         <a:lnSpc>
           <a:spcPct val="90000"/>
         </a:lnSpc>
@@ -458,7 +2882,7 @@
         <a:buNone/>
         <a:defRPr sz="4400" kern="1200">
           <a:solidFill>
-            <a:schemeClr val="tx1"/>
+            <a:srgbClr val="2ECC71"/>
           </a:solidFill>
           <a:latin typeface="+mj-lt"/>
           <a:ea typeface="+mj-ea"/>
@@ -478,11 +2902,11 @@
         <a:buChar char="•"/>
         <a:defRPr sz="2800" kern="1200">
           <a:solidFill>
-            <a:schemeClr val="tx1"/>
+            <a:srgbClr val="2C3E50"/>
           </a:solidFill>
-          <a:latin typeface="+mn-lt"/>
+          <a:latin typeface="Arial Black" panose="020B0A04020102020204" pitchFamily="34" charset="0"/>
           <a:ea typeface="+mn-ea"/>
-          <a:cs typeface="+mn-cs"/>
+          <a:cs typeface="Arial" panose="020B0604020202020204" pitchFamily="34" charset="0"/>
         </a:defRPr>
       </a:lvl1pPr>
       <a:lvl2pPr marL="685800" indent="-228600" algn="l" defTabSz="914400" rtl="0" eaLnBrk="1" latinLnBrk="0" hangingPunct="1">
@@ -496,11 +2920,11 @@
         <a:buChar char="•"/>
         <a:defRPr sz="2400" kern="1200">
           <a:solidFill>
-            <a:schemeClr val="tx1"/>
+            <a:srgbClr val="2C3E50"/>
           </a:solidFill>
-          <a:latin typeface="+mn-lt"/>
+          <a:latin typeface="Arial Black" panose="020B0A04020102020204" pitchFamily="34" charset="0"/>
           <a:ea typeface="+mn-ea"/>
-          <a:cs typeface="+mn-cs"/>
+          <a:cs typeface="Arial" panose="020B0604020202020204" pitchFamily="34" charset="0"/>
         </a:defRPr>
       </a:lvl2pPr>
       <a:lvl3pPr marL="1143000" indent="-228600" algn="l" defTabSz="914400" rtl="0" eaLnBrk="1" latinLnBrk="0" hangingPunct="1">
@@ -514,11 +2938,11 @@
         <a:buChar char="•"/>
         <a:defRPr sz="2000" kern="1200">
           <a:solidFill>
-            <a:schemeClr val="tx1"/>
+            <a:srgbClr val="2C3E50"/>
           </a:solidFill>
-          <a:latin typeface="+mn-lt"/>
+          <a:latin typeface="Arial Black" panose="020B0A04020102020204" pitchFamily="34" charset="0"/>
           <a:ea typeface="+mn-ea"/>
-          <a:cs typeface="+mn-cs"/>
+          <a:cs typeface="Arial" panose="020B0604020202020204" pitchFamily="34" charset="0"/>
         </a:defRPr>
       </a:lvl3pPr>
       <a:lvl4pPr marL="1600200" indent="-228600" algn="l" defTabSz="914400" rtl="0" eaLnBrk="1" latinLnBrk="0" hangingPunct="1">
@@ -532,11 +2956,11 @@
         <a:buChar char="•"/>
         <a:defRPr sz="1800" kern="1200">
           <a:solidFill>
-            <a:schemeClr val="tx1"/>
+            <a:srgbClr val="2C3E50"/>
           </a:solidFill>
-          <a:latin typeface="+mn-lt"/>
+          <a:latin typeface="Arial Black" panose="020B0A04020102020204" pitchFamily="34" charset="0"/>
           <a:ea typeface="+mn-ea"/>
-          <a:cs typeface="+mn-cs"/>
+          <a:cs typeface="Arial" panose="020B0604020202020204" pitchFamily="34" charset="0"/>
         </a:defRPr>
       </a:lvl4pPr>
       <a:lvl5pPr marL="2057400" indent="-228600" algn="l" defTabSz="914400" rtl="0" eaLnBrk="1" latinLnBrk="0" hangingPunct="1">
@@ -550,11 +2974,11 @@
         <a:buChar char="•"/>
         <a:defRPr sz="1800" kern="1200">
           <a:solidFill>
-            <a:schemeClr val="tx1"/>
+            <a:srgbClr val="2C3E50"/>
           </a:solidFill>
-          <a:latin typeface="+mn-lt"/>
+          <a:latin typeface="Arial Black" panose="020B0A04020102020204" pitchFamily="34" charset="0"/>
           <a:ea typeface="+mn-ea"/>
-          <a:cs typeface="+mn-cs"/>
+          <a:cs typeface="Arial" panose="020B0604020202020204" pitchFamily="34" charset="0"/>
         </a:defRPr>
       </a:lvl5pPr>
       <a:lvl6pPr marL="2514600" indent="-228600" algn="l" defTabSz="914400" rtl="0" eaLnBrk="1" latinLnBrk="0" hangingPunct="1">
@@ -748,50 +3172,71 @@
       </p:grpSpPr>
       <p:sp>
         <p:nvSpPr>
-          <p:cNvPr id="3" name="Ondertitel 2"/>
-          <p:cNvSpPr>
-            <a:spLocks noGrp="1"/>
-          </p:cNvSpPr>
-          <p:nvPr>
-            <p:ph type="subTitle" idx="1"/>
-          </p:nvPr>
-        </p:nvSpPr>
-        <p:spPr/>
-        <p:txBody>
-          <a:bodyPr/>
-          <a:lstStyle/>
-          <a:p>
-            <a:endParaRPr lang="nl-NL" dirty="0"/>
-          </a:p>
-        </p:txBody>
-      </p:sp>
-      <p:sp>
-        <p:nvSpPr>
           <p:cNvPr id="7" name="Titel 6"/>
           <p:cNvSpPr>
             <a:spLocks noGrp="1"/>
           </p:cNvSpPr>
           <p:nvPr>
-            <p:ph type="title"/>
+            <p:ph type="ctrTitle"/>
           </p:nvPr>
         </p:nvSpPr>
         <p:spPr>
           <a:xfrm>
-            <a:off x="1674421" y="852013"/>
+            <a:off x="1508166" y="2668939"/>
             <a:ext cx="8843158" cy="786781"/>
           </a:xfrm>
         </p:spPr>
         <p:txBody>
-          <a:bodyPr/>
+          <a:bodyPr>
+            <a:normAutofit fontScale="90000"/>
+          </a:bodyPr>
           <a:lstStyle/>
           <a:p>
             <a:r>
               <a:rPr lang="nl-NL" dirty="0" smtClean="0"/>
-              <a:t>Projectgroep </a:t>
+              <a:t>Projectgroep ‘</a:t>
+            </a:r>
+            <a:r>
+              <a:rPr lang="nl-NL" dirty="0" smtClean="0"/>
+              <a:t>t </a:t>
+            </a:r>
+            <a:r>
+              <a:rPr lang="nl-NL" dirty="0" smtClean="0"/>
+              <a:t>Rijks </a:t>
             </a:r>
             <a:r>
               <a:rPr lang="nl-NL" dirty="0" err="1" smtClean="0"/>
-              <a:t>Technasium</a:t>
+              <a:t>BoZ</a:t>
+            </a:r>
+            <a:endParaRPr lang="nl-NL" dirty="0"/>
+          </a:p>
+        </p:txBody>
+      </p:sp>
+      <p:sp>
+        <p:nvSpPr>
+          <p:cNvPr id="3" name="Ondertitel 2"/>
+          <p:cNvSpPr>
+            <a:spLocks noGrp="1"/>
+          </p:cNvSpPr>
+          <p:nvPr>
+            <p:ph type="subTitle" idx="1"/>
+          </p:nvPr>
+        </p:nvSpPr>
+        <p:spPr>
+          <a:xfrm>
+            <a:off x="1357745" y="3823856"/>
+            <a:ext cx="9144000" cy="403761"/>
+          </a:xfrm>
+        </p:spPr>
+        <p:txBody>
+          <a:bodyPr>
+            <a:normAutofit lnSpcReduction="10000"/>
+          </a:bodyPr>
+          <a:lstStyle/>
+          <a:p>
+            <a:r>
+              <a:rPr lang="nl-NL" dirty="0" smtClean="0"/>
+              <a:t>Introductie &amp; Kennismaking</a:t>
             </a:r>
             <a:endParaRPr lang="nl-NL" dirty="0"/>
           </a:p>
@@ -817,8 +3262,318 @@
 </p:sld>
 </file>
 
+<file path=ppt/slides/slide2.xml><?xml version="1.0" encoding="utf-8"?>
+<p:sld xmlns:a="http://schemas.openxmlformats.org/drawingml/2006/main" xmlns:r="http://schemas.openxmlformats.org/officeDocument/2006/relationships" xmlns:p="http://schemas.openxmlformats.org/presentationml/2006/main">
+  <p:cSld>
+    <p:spTree>
+      <p:nvGrpSpPr>
+        <p:cNvPr id="1" name=""/>
+        <p:cNvGrpSpPr/>
+        <p:nvPr/>
+      </p:nvGrpSpPr>
+      <p:grpSpPr>
+        <a:xfrm>
+          <a:off x="0" y="0"/>
+          <a:ext cx="0" cy="0"/>
+          <a:chOff x="0" y="0"/>
+          <a:chExt cx="0" cy="0"/>
+        </a:xfrm>
+      </p:grpSpPr>
+      <p:sp>
+        <p:nvSpPr>
+          <p:cNvPr id="3" name="Titel 2"/>
+          <p:cNvSpPr>
+            <a:spLocks noGrp="1"/>
+          </p:cNvSpPr>
+          <p:nvPr>
+            <p:ph type="ctrTitle"/>
+          </p:nvPr>
+        </p:nvSpPr>
+        <p:spPr>
+          <a:xfrm>
+            <a:off x="1674421" y="1515527"/>
+            <a:ext cx="10272156" cy="786781"/>
+          </a:xfrm>
+        </p:spPr>
+        <p:txBody>
+          <a:bodyPr>
+            <a:normAutofit fontScale="90000"/>
+          </a:bodyPr>
+          <a:lstStyle/>
+          <a:p>
+            <a:r>
+              <a:rPr lang="nl-NL" dirty="0" smtClean="0"/>
+              <a:t>Ervaring van voorafgaande projecten</a:t>
+            </a:r>
+            <a:endParaRPr lang="nl-NL" dirty="0"/>
+          </a:p>
+        </p:txBody>
+      </p:sp>
+      <p:sp>
+        <p:nvSpPr>
+          <p:cNvPr id="2" name="Ondertitel 1"/>
+          <p:cNvSpPr>
+            <a:spLocks noGrp="1"/>
+          </p:cNvSpPr>
+          <p:nvPr>
+            <p:ph type="subTitle" idx="1"/>
+          </p:nvPr>
+        </p:nvSpPr>
+        <p:spPr>
+          <a:xfrm>
+            <a:off x="1524000" y="2517569"/>
+            <a:ext cx="9144000" cy="3250870"/>
+          </a:xfrm>
+        </p:spPr>
+        <p:txBody>
+          <a:bodyPr/>
+          <a:lstStyle/>
+          <a:p>
+            <a:pPr marL="342900" indent="-342900" algn="l">
+              <a:buFontTx/>
+              <a:buChar char="-"/>
+            </a:pPr>
+            <a:r>
+              <a:rPr lang="nl-NL" dirty="0" smtClean="0"/>
+              <a:t>Luchtkwaliteit analyse</a:t>
+            </a:r>
+          </a:p>
+          <a:p>
+            <a:pPr marL="800100" lvl="1" indent="-342900" algn="l">
+              <a:buFontTx/>
+              <a:buChar char="-"/>
+            </a:pPr>
+            <a:r>
+              <a:rPr lang="nl-NL" dirty="0" smtClean="0">
+                <a:latin typeface="Arial" panose="020B0604020202020204" pitchFamily="34" charset="0"/>
+              </a:rPr>
+              <a:t>Competenties: Analyseren en rapporteren</a:t>
+            </a:r>
+          </a:p>
+          <a:p>
+            <a:pPr marL="342900" indent="-342900" algn="l">
+              <a:buFontTx/>
+              <a:buChar char="-"/>
+            </a:pPr>
+            <a:r>
+              <a:rPr lang="nl-NL" dirty="0" smtClean="0"/>
+              <a:t>Ruimtehabitat ontwerp</a:t>
+            </a:r>
+          </a:p>
+          <a:p>
+            <a:pPr marL="800100" lvl="1" indent="-342900" algn="l">
+              <a:buFontTx/>
+              <a:buChar char="-"/>
+            </a:pPr>
+            <a:r>
+              <a:rPr lang="nl-NL" dirty="0" smtClean="0">
+                <a:latin typeface="Arial" panose="020B0604020202020204" pitchFamily="34" charset="0"/>
+              </a:rPr>
+              <a:t>Competenties: Ontwerpen</a:t>
+            </a:r>
+          </a:p>
+          <a:p>
+            <a:pPr marL="342900" indent="-342900" algn="l">
+              <a:buFontTx/>
+              <a:buChar char="-"/>
+            </a:pPr>
+            <a:r>
+              <a:rPr lang="nl-NL" dirty="0" smtClean="0"/>
+              <a:t>Ontwikkelen digitale cursus</a:t>
+            </a:r>
+          </a:p>
+          <a:p>
+            <a:pPr marL="800100" lvl="1" indent="-342900" algn="l">
+              <a:buFontTx/>
+              <a:buChar char="-"/>
+            </a:pPr>
+            <a:r>
+              <a:rPr lang="nl-NL" dirty="0" smtClean="0">
+                <a:latin typeface="Arial" panose="020B0604020202020204" pitchFamily="34" charset="0"/>
+              </a:rPr>
+              <a:t>Competenties: Programmeren en UI-Design</a:t>
+            </a:r>
+            <a:endParaRPr lang="nl-NL" dirty="0">
+              <a:latin typeface="Arial" panose="020B0604020202020204" pitchFamily="34" charset="0"/>
+            </a:endParaRPr>
+          </a:p>
+        </p:txBody>
+      </p:sp>
+    </p:spTree>
+    <p:extLst>
+      <p:ext uri="{BB962C8B-B14F-4D97-AF65-F5344CB8AC3E}">
+        <p14:creationId xmlns:p14="http://schemas.microsoft.com/office/powerpoint/2010/main" val="1002414840"/>
+      </p:ext>
+    </p:extLst>
+  </p:cSld>
+  <p:clrMapOvr>
+    <a:masterClrMapping/>
+  </p:clrMapOvr>
+  <p:timing>
+    <p:tnLst>
+      <p:par>
+        <p:cTn id="1" dur="indefinite" restart="never" nodeType="tmRoot"/>
+      </p:par>
+    </p:tnLst>
+  </p:timing>
+</p:sld>
+</file>
+
+<file path=ppt/slides/slide3.xml><?xml version="1.0" encoding="utf-8"?>
+<p:sld xmlns:a="http://schemas.openxmlformats.org/drawingml/2006/main" xmlns:r="http://schemas.openxmlformats.org/officeDocument/2006/relationships" xmlns:p="http://schemas.openxmlformats.org/presentationml/2006/main">
+  <p:cSld>
+    <p:spTree>
+      <p:nvGrpSpPr>
+        <p:cNvPr id="1" name=""/>
+        <p:cNvGrpSpPr/>
+        <p:nvPr/>
+      </p:nvGrpSpPr>
+      <p:grpSpPr>
+        <a:xfrm>
+          <a:off x="0" y="0"/>
+          <a:ext cx="0" cy="0"/>
+          <a:chOff x="0" y="0"/>
+          <a:chExt cx="0" cy="0"/>
+        </a:xfrm>
+      </p:grpSpPr>
+      <p:sp>
+        <p:nvSpPr>
+          <p:cNvPr id="2" name="Titel 1"/>
+          <p:cNvSpPr>
+            <a:spLocks noGrp="1"/>
+          </p:cNvSpPr>
+          <p:nvPr>
+            <p:ph type="title"/>
+          </p:nvPr>
+        </p:nvSpPr>
+        <p:spPr/>
+        <p:txBody>
+          <a:bodyPr/>
+          <a:lstStyle/>
+          <a:p>
+            <a:r>
+              <a:rPr lang="nl-NL" dirty="0" smtClean="0"/>
+              <a:t>Persoonlijke ervaring</a:t>
+            </a:r>
+            <a:endParaRPr lang="nl-NL" dirty="0"/>
+          </a:p>
+        </p:txBody>
+      </p:sp>
+      <p:sp>
+        <p:nvSpPr>
+          <p:cNvPr id="3" name="Tijdelijke aanduiding voor inhoud 2"/>
+          <p:cNvSpPr>
+            <a:spLocks noGrp="1"/>
+          </p:cNvSpPr>
+          <p:nvPr>
+            <p:ph idx="1"/>
+          </p:nvPr>
+        </p:nvSpPr>
+        <p:spPr/>
+        <p:txBody>
+          <a:bodyPr/>
+          <a:lstStyle/>
+          <a:p>
+            <a:pPr marL="0" indent="0">
+              <a:buNone/>
+            </a:pPr>
+            <a:r>
+              <a:rPr lang="nl-NL" dirty="0" smtClean="0"/>
+              <a:t>Ervaring programmeren:</a:t>
+            </a:r>
+          </a:p>
+          <a:p>
+            <a:pPr lvl="1">
+              <a:buFont typeface="Arial Black" panose="020B0A04020102020204" pitchFamily="34" charset="0"/>
+              <a:buChar char="-"/>
+            </a:pPr>
+            <a:r>
+              <a:rPr lang="nl-NL" dirty="0" smtClean="0"/>
+              <a:t>Application Program Interfaces:</a:t>
+            </a:r>
+          </a:p>
+          <a:p>
+            <a:pPr lvl="2">
+              <a:buFont typeface="Arial Black" panose="020B0A04020102020204" pitchFamily="34" charset="0"/>
+              <a:buChar char="-"/>
+            </a:pPr>
+            <a:r>
+              <a:rPr lang="nl-NL" dirty="0" smtClean="0">
+                <a:hlinkClick r:id="rId2"/>
+              </a:rPr>
+              <a:t>https://github.com/TimVosch/gomeetup-REST</a:t>
+            </a:r>
+            <a:r>
+              <a:rPr lang="nl-NL" dirty="0" smtClean="0"/>
+              <a:t> </a:t>
+            </a:r>
+          </a:p>
+          <a:p>
+            <a:pPr lvl="1">
+              <a:buFont typeface="Arial Black" panose="020B0A04020102020204" pitchFamily="34" charset="0"/>
+              <a:buChar char="-"/>
+            </a:pPr>
+            <a:r>
+              <a:rPr lang="nl-NL" dirty="0" smtClean="0"/>
+              <a:t>Arduino &amp; </a:t>
+            </a:r>
+            <a:r>
+              <a:rPr lang="nl-NL" dirty="0" err="1" smtClean="0"/>
+              <a:t>ICUs</a:t>
+            </a:r>
+            <a:r>
+              <a:rPr lang="nl-NL" dirty="0" smtClean="0"/>
+              <a:t>:</a:t>
+            </a:r>
+          </a:p>
+          <a:p>
+            <a:pPr lvl="2">
+              <a:buFont typeface="Arial Black" panose="020B0A04020102020204" pitchFamily="34" charset="0"/>
+              <a:buChar char="-"/>
+            </a:pPr>
+            <a:r>
+              <a:rPr lang="nl-NL" dirty="0" smtClean="0"/>
+              <a:t>A</a:t>
+            </a:r>
+          </a:p>
+          <a:p>
+            <a:pPr lvl="1">
+              <a:buFont typeface="Arial Black" panose="020B0A04020102020204" pitchFamily="34" charset="0"/>
+              <a:buChar char="-"/>
+            </a:pPr>
+            <a:endParaRPr lang="nl-NL" dirty="0" smtClean="0"/>
+          </a:p>
+          <a:p>
+            <a:pPr lvl="2">
+              <a:buFont typeface="Arial Black" panose="020B0A04020102020204" pitchFamily="34" charset="0"/>
+              <a:buChar char="-"/>
+            </a:pPr>
+            <a:endParaRPr lang="nl-NL" dirty="0" smtClean="0"/>
+          </a:p>
+        </p:txBody>
+      </p:sp>
+    </p:spTree>
+    <p:extLst>
+      <p:ext uri="{BB962C8B-B14F-4D97-AF65-F5344CB8AC3E}">
+        <p14:creationId xmlns:p14="http://schemas.microsoft.com/office/powerpoint/2010/main" val="3400873723"/>
+      </p:ext>
+    </p:extLst>
+  </p:cSld>
+  <p:clrMapOvr>
+    <a:masterClrMapping/>
+  </p:clrMapOvr>
+  <p:timing>
+    <p:tnLst>
+      <p:par>
+        <p:cTn id="1" dur="indefinite" restart="never" nodeType="tmRoot"/>
+      </p:par>
+    </p:tnLst>
+  </p:timing>
+</p:sld>
+</file>
+
 <file path=ppt/theme/theme1.xml><?xml version="1.0" encoding="utf-8"?>
-<a:theme xmlns:a="http://schemas.openxmlformats.org/drawingml/2006/main" name="Kantoorthema">
+<a:theme xmlns:a="http://schemas.openxmlformats.org/drawingml/2006/main" name="Aangepast ontwerp">
   <a:themeElements>
     <a:clrScheme name="Kantoor">
       <a:dk1>

--- a/Contact/Meeting_1/IntroductieGroep.pptx
+++ b/Contact/Meeting_1/IntroductieGroep.pptx
@@ -6,8 +6,12 @@
   </p:sldMasterIdLst>
   <p:sldIdLst>
     <p:sldId id="256" r:id="rId2"/>
-    <p:sldId id="257" r:id="rId3"/>
-    <p:sldId id="258" r:id="rId4"/>
+    <p:sldId id="258" r:id="rId3"/>
+    <p:sldId id="257" r:id="rId4"/>
+    <p:sldId id="259" r:id="rId5"/>
+    <p:sldId id="261" r:id="rId6"/>
+    <p:sldId id="260" r:id="rId7"/>
+    <p:sldId id="262" r:id="rId8"/>
   </p:sldIdLst>
   <p:sldSz cx="12192000" cy="6858000"/>
   <p:notesSz cx="6858000" cy="9144000"/>
@@ -156,10 +160,9 @@
           </a:lstStyle>
           <a:p>
             <a:r>
-              <a:rPr lang="nl-NL" smtClean="0"/>
+              <a:rPr lang="nl-NL"/>
               <a:t>Klik om de stijl te bewerken</a:t>
             </a:r>
-            <a:endParaRPr lang="nl-NL"/>
           </a:p>
         </p:txBody>
       </p:sp>
@@ -221,10 +224,9 @@
           </a:lstStyle>
           <a:p>
             <a:r>
-              <a:rPr lang="nl-NL" smtClean="0"/>
+              <a:rPr lang="nl-NL" dirty="0"/>
               <a:t>Klik om de ondertitelstijl van het model te bewerken</a:t>
             </a:r>
-            <a:endParaRPr lang="nl-NL"/>
           </a:p>
         </p:txBody>
       </p:sp>
@@ -245,7 +247,7 @@
           <a:p>
             <a:fld id="{D9A198D5-009F-4FDE-9467-F5098E73540F}" type="datetimeFigureOut">
               <a:rPr lang="nl-NL" smtClean="0"/>
-              <a:t>21-9-2016</a:t>
+              <a:t>25-9-2016</a:t>
             </a:fld>
             <a:endParaRPr lang="nl-NL"/>
           </a:p>
@@ -303,13 +305,6 @@
   <p:clrMapOvr>
     <a:masterClrMapping/>
   </p:clrMapOvr>
-  <p:timing>
-    <p:tnLst>
-      <p:par>
-        <p:cTn id="1" dur="indefinite" restart="never" nodeType="tmRoot"/>
-      </p:par>
-    </p:tnLst>
-  </p:timing>
 </p:sldLayout>
 </file>
 
@@ -346,10 +341,9 @@
           <a:lstStyle/>
           <a:p>
             <a:r>
-              <a:rPr lang="nl-NL" smtClean="0"/>
+              <a:rPr lang="nl-NL"/>
               <a:t>Klik om de stijl te bewerken</a:t>
             </a:r>
-            <a:endParaRPr lang="nl-NL"/>
           </a:p>
         </p:txBody>
       </p:sp>
@@ -370,38 +364,37 @@
           <a:p>
             <a:pPr lvl="0"/>
             <a:r>
-              <a:rPr lang="nl-NL" smtClean="0"/>
+              <a:rPr lang="nl-NL"/>
               <a:t>Klik om de modelstijlen te bewerken</a:t>
             </a:r>
           </a:p>
           <a:p>
             <a:pPr lvl="1"/>
             <a:r>
-              <a:rPr lang="nl-NL" smtClean="0"/>
+              <a:rPr lang="nl-NL"/>
               <a:t>Tweede niveau</a:t>
             </a:r>
           </a:p>
           <a:p>
             <a:pPr lvl="2"/>
             <a:r>
-              <a:rPr lang="nl-NL" smtClean="0"/>
+              <a:rPr lang="nl-NL"/>
               <a:t>Derde niveau</a:t>
             </a:r>
           </a:p>
           <a:p>
             <a:pPr lvl="3"/>
             <a:r>
-              <a:rPr lang="nl-NL" smtClean="0"/>
+              <a:rPr lang="nl-NL"/>
               <a:t>Vierde niveau</a:t>
             </a:r>
           </a:p>
           <a:p>
             <a:pPr lvl="4"/>
             <a:r>
-              <a:rPr lang="nl-NL" smtClean="0"/>
+              <a:rPr lang="nl-NL"/>
               <a:t>Vijfde niveau</a:t>
             </a:r>
-            <a:endParaRPr lang="nl-NL"/>
           </a:p>
         </p:txBody>
       </p:sp>
@@ -422,7 +415,7 @@
           <a:p>
             <a:fld id="{D9A198D5-009F-4FDE-9467-F5098E73540F}" type="datetimeFigureOut">
               <a:rPr lang="nl-NL" smtClean="0"/>
-              <a:t>21-9-2016</a:t>
+              <a:t>25-9-2016</a:t>
             </a:fld>
             <a:endParaRPr lang="nl-NL"/>
           </a:p>
@@ -480,13 +473,6 @@
   <p:clrMapOvr>
     <a:masterClrMapping/>
   </p:clrMapOvr>
-  <p:timing>
-    <p:tnLst>
-      <p:par>
-        <p:cTn id="1" dur="indefinite" restart="never" nodeType="tmRoot"/>
-      </p:par>
-    </p:tnLst>
-  </p:timing>
 </p:sldLayout>
 </file>
 
@@ -528,10 +514,9 @@
           <a:lstStyle/>
           <a:p>
             <a:r>
-              <a:rPr lang="nl-NL" smtClean="0"/>
+              <a:rPr lang="nl-NL"/>
               <a:t>Klik om de stijl te bewerken</a:t>
             </a:r>
-            <a:endParaRPr lang="nl-NL"/>
           </a:p>
         </p:txBody>
       </p:sp>
@@ -557,38 +542,37 @@
           <a:p>
             <a:pPr lvl="0"/>
             <a:r>
-              <a:rPr lang="nl-NL" smtClean="0"/>
+              <a:rPr lang="nl-NL"/>
               <a:t>Klik om de modelstijlen te bewerken</a:t>
             </a:r>
           </a:p>
           <a:p>
             <a:pPr lvl="1"/>
             <a:r>
-              <a:rPr lang="nl-NL" smtClean="0"/>
+              <a:rPr lang="nl-NL"/>
               <a:t>Tweede niveau</a:t>
             </a:r>
           </a:p>
           <a:p>
             <a:pPr lvl="2"/>
             <a:r>
-              <a:rPr lang="nl-NL" smtClean="0"/>
+              <a:rPr lang="nl-NL"/>
               <a:t>Derde niveau</a:t>
             </a:r>
           </a:p>
           <a:p>
             <a:pPr lvl="3"/>
             <a:r>
-              <a:rPr lang="nl-NL" smtClean="0"/>
+              <a:rPr lang="nl-NL"/>
               <a:t>Vierde niveau</a:t>
             </a:r>
           </a:p>
           <a:p>
             <a:pPr lvl="4"/>
             <a:r>
-              <a:rPr lang="nl-NL" smtClean="0"/>
+              <a:rPr lang="nl-NL"/>
               <a:t>Vijfde niveau</a:t>
             </a:r>
-            <a:endParaRPr lang="nl-NL"/>
           </a:p>
         </p:txBody>
       </p:sp>
@@ -609,7 +593,7 @@
           <a:p>
             <a:fld id="{D9A198D5-009F-4FDE-9467-F5098E73540F}" type="datetimeFigureOut">
               <a:rPr lang="nl-NL" smtClean="0"/>
-              <a:t>21-9-2016</a:t>
+              <a:t>25-9-2016</a:t>
             </a:fld>
             <a:endParaRPr lang="nl-NL"/>
           </a:p>
@@ -667,13 +651,6 @@
   <p:clrMapOvr>
     <a:masterClrMapping/>
   </p:clrMapOvr>
-  <p:timing>
-    <p:tnLst>
-      <p:par>
-        <p:cTn id="1" dur="indefinite" restart="never" nodeType="tmRoot"/>
-      </p:par>
-    </p:tnLst>
-  </p:timing>
 </p:sldLayout>
 </file>
 
@@ -710,10 +687,9 @@
           <a:lstStyle/>
           <a:p>
             <a:r>
-              <a:rPr lang="nl-NL" smtClean="0"/>
+              <a:rPr lang="nl-NL"/>
               <a:t>Klik om de stijl te bewerken</a:t>
             </a:r>
-            <a:endParaRPr lang="nl-NL"/>
           </a:p>
         </p:txBody>
       </p:sp>
@@ -759,38 +735,37 @@
           <a:p>
             <a:pPr lvl="0"/>
             <a:r>
-              <a:rPr lang="nl-NL" dirty="0" smtClean="0"/>
+              <a:rPr lang="nl-NL" dirty="0"/>
               <a:t>Klik om de modelstijlen te bewerken</a:t>
             </a:r>
           </a:p>
           <a:p>
             <a:pPr lvl="1"/>
             <a:r>
-              <a:rPr lang="nl-NL" dirty="0" smtClean="0"/>
+              <a:rPr lang="nl-NL" dirty="0"/>
               <a:t>Tweede niveau</a:t>
             </a:r>
           </a:p>
           <a:p>
             <a:pPr lvl="2"/>
             <a:r>
-              <a:rPr lang="nl-NL" dirty="0" smtClean="0"/>
+              <a:rPr lang="nl-NL" dirty="0"/>
               <a:t>Derde niveau</a:t>
             </a:r>
           </a:p>
           <a:p>
             <a:pPr lvl="3"/>
             <a:r>
-              <a:rPr lang="nl-NL" dirty="0" smtClean="0"/>
+              <a:rPr lang="nl-NL" dirty="0"/>
               <a:t>Vierde niveau</a:t>
             </a:r>
           </a:p>
           <a:p>
             <a:pPr lvl="4"/>
             <a:r>
-              <a:rPr lang="nl-NL" dirty="0" smtClean="0"/>
+              <a:rPr lang="nl-NL" dirty="0"/>
               <a:t>Vijfde niveau</a:t>
             </a:r>
-            <a:endParaRPr lang="nl-NL" dirty="0"/>
           </a:p>
         </p:txBody>
       </p:sp>
@@ -811,7 +786,7 @@
           <a:p>
             <a:fld id="{D9A198D5-009F-4FDE-9467-F5098E73540F}" type="datetimeFigureOut">
               <a:rPr lang="nl-NL" smtClean="0"/>
-              <a:t>21-9-2016</a:t>
+              <a:t>25-9-2016</a:t>
             </a:fld>
             <a:endParaRPr lang="nl-NL"/>
           </a:p>
@@ -869,13 +844,6 @@
   <p:clrMapOvr>
     <a:masterClrMapping/>
   </p:clrMapOvr>
-  <p:timing>
-    <p:tnLst>
-      <p:par>
-        <p:cTn id="1" dur="indefinite" restart="never" nodeType="tmRoot"/>
-      </p:par>
-    </p:tnLst>
-  </p:timing>
 </p:sldLayout>
 </file>
 
@@ -921,10 +889,9 @@
           </a:lstStyle>
           <a:p>
             <a:r>
-              <a:rPr lang="nl-NL" smtClean="0"/>
+              <a:rPr lang="nl-NL"/>
               <a:t>Klik om de stijl te bewerken</a:t>
             </a:r>
-            <a:endParaRPr lang="nl-NL"/>
           </a:p>
         </p:txBody>
       </p:sp>
@@ -1041,7 +1008,7 @@
           <a:p>
             <a:pPr lvl="0"/>
             <a:r>
-              <a:rPr lang="nl-NL" smtClean="0"/>
+              <a:rPr lang="nl-NL"/>
               <a:t>Klik om de modelstijlen te bewerken</a:t>
             </a:r>
           </a:p>
@@ -1064,7 +1031,7 @@
           <a:p>
             <a:fld id="{D9A198D5-009F-4FDE-9467-F5098E73540F}" type="datetimeFigureOut">
               <a:rPr lang="nl-NL" smtClean="0"/>
-              <a:t>21-9-2016</a:t>
+              <a:t>25-9-2016</a:t>
             </a:fld>
             <a:endParaRPr lang="nl-NL"/>
           </a:p>
@@ -1122,13 +1089,6 @@
   <p:clrMapOvr>
     <a:masterClrMapping/>
   </p:clrMapOvr>
-  <p:timing>
-    <p:tnLst>
-      <p:par>
-        <p:cTn id="1" dur="indefinite" restart="never" nodeType="tmRoot"/>
-      </p:par>
-    </p:tnLst>
-  </p:timing>
 </p:sldLayout>
 </file>
 
@@ -1165,10 +1125,9 @@
           <a:lstStyle/>
           <a:p>
             <a:r>
-              <a:rPr lang="nl-NL" smtClean="0"/>
+              <a:rPr lang="nl-NL"/>
               <a:t>Klik om de stijl te bewerken</a:t>
             </a:r>
-            <a:endParaRPr lang="nl-NL"/>
           </a:p>
         </p:txBody>
       </p:sp>
@@ -1194,38 +1153,37 @@
           <a:p>
             <a:pPr lvl="0"/>
             <a:r>
-              <a:rPr lang="nl-NL" dirty="0" smtClean="0"/>
+              <a:rPr lang="nl-NL" dirty="0"/>
               <a:t>Klik om de modelstijlen te bewerken</a:t>
             </a:r>
           </a:p>
           <a:p>
             <a:pPr lvl="1"/>
             <a:r>
-              <a:rPr lang="nl-NL" dirty="0" smtClean="0"/>
+              <a:rPr lang="nl-NL" dirty="0"/>
               <a:t>Tweede niveau</a:t>
             </a:r>
           </a:p>
           <a:p>
             <a:pPr lvl="2"/>
             <a:r>
-              <a:rPr lang="nl-NL" dirty="0" smtClean="0"/>
+              <a:rPr lang="nl-NL" dirty="0"/>
               <a:t>Derde niveau</a:t>
             </a:r>
           </a:p>
           <a:p>
             <a:pPr lvl="3"/>
             <a:r>
-              <a:rPr lang="nl-NL" dirty="0" smtClean="0"/>
+              <a:rPr lang="nl-NL" dirty="0"/>
               <a:t>Vierde niveau</a:t>
             </a:r>
           </a:p>
           <a:p>
             <a:pPr lvl="4"/>
             <a:r>
-              <a:rPr lang="nl-NL" dirty="0" smtClean="0"/>
+              <a:rPr lang="nl-NL" dirty="0"/>
               <a:t>Vijfde niveau</a:t>
             </a:r>
-            <a:endParaRPr lang="nl-NL" dirty="0"/>
           </a:p>
         </p:txBody>
       </p:sp>
@@ -1251,38 +1209,37 @@
           <a:p>
             <a:pPr lvl="0"/>
             <a:r>
-              <a:rPr lang="nl-NL" smtClean="0"/>
+              <a:rPr lang="nl-NL"/>
               <a:t>Klik om de modelstijlen te bewerken</a:t>
             </a:r>
           </a:p>
           <a:p>
             <a:pPr lvl="1"/>
             <a:r>
-              <a:rPr lang="nl-NL" smtClean="0"/>
+              <a:rPr lang="nl-NL"/>
               <a:t>Tweede niveau</a:t>
             </a:r>
           </a:p>
           <a:p>
             <a:pPr lvl="2"/>
             <a:r>
-              <a:rPr lang="nl-NL" smtClean="0"/>
+              <a:rPr lang="nl-NL"/>
               <a:t>Derde niveau</a:t>
             </a:r>
           </a:p>
           <a:p>
             <a:pPr lvl="3"/>
             <a:r>
-              <a:rPr lang="nl-NL" smtClean="0"/>
+              <a:rPr lang="nl-NL"/>
               <a:t>Vierde niveau</a:t>
             </a:r>
           </a:p>
           <a:p>
             <a:pPr lvl="4"/>
             <a:r>
-              <a:rPr lang="nl-NL" smtClean="0"/>
+              <a:rPr lang="nl-NL"/>
               <a:t>Vijfde niveau</a:t>
             </a:r>
-            <a:endParaRPr lang="nl-NL"/>
           </a:p>
         </p:txBody>
       </p:sp>
@@ -1303,7 +1260,7 @@
           <a:p>
             <a:fld id="{D9A198D5-009F-4FDE-9467-F5098E73540F}" type="datetimeFigureOut">
               <a:rPr lang="nl-NL" smtClean="0"/>
-              <a:t>21-9-2016</a:t>
+              <a:t>25-9-2016</a:t>
             </a:fld>
             <a:endParaRPr lang="nl-NL"/>
           </a:p>
@@ -1361,13 +1318,6 @@
   <p:clrMapOvr>
     <a:masterClrMapping/>
   </p:clrMapOvr>
-  <p:timing>
-    <p:tnLst>
-      <p:par>
-        <p:cTn id="1" dur="indefinite" restart="never" nodeType="tmRoot"/>
-      </p:par>
-    </p:tnLst>
-  </p:timing>
 </p:sldLayout>
 </file>
 
@@ -1409,10 +1359,9 @@
           <a:lstStyle/>
           <a:p>
             <a:r>
-              <a:rPr lang="nl-NL" smtClean="0"/>
+              <a:rPr lang="nl-NL"/>
               <a:t>Klik om de stijl te bewerken</a:t>
             </a:r>
-            <a:endParaRPr lang="nl-NL"/>
           </a:p>
         </p:txBody>
       </p:sp>
@@ -1475,7 +1424,7 @@
           <a:p>
             <a:pPr lvl="0"/>
             <a:r>
-              <a:rPr lang="nl-NL" smtClean="0"/>
+              <a:rPr lang="nl-NL"/>
               <a:t>Klik om de modelstijlen te bewerken</a:t>
             </a:r>
           </a:p>
@@ -1503,38 +1452,37 @@
           <a:p>
             <a:pPr lvl="0"/>
             <a:r>
-              <a:rPr lang="nl-NL" smtClean="0"/>
+              <a:rPr lang="nl-NL"/>
               <a:t>Klik om de modelstijlen te bewerken</a:t>
             </a:r>
           </a:p>
           <a:p>
             <a:pPr lvl="1"/>
             <a:r>
-              <a:rPr lang="nl-NL" smtClean="0"/>
+              <a:rPr lang="nl-NL"/>
               <a:t>Tweede niveau</a:t>
             </a:r>
           </a:p>
           <a:p>
             <a:pPr lvl="2"/>
             <a:r>
-              <a:rPr lang="nl-NL" smtClean="0"/>
+              <a:rPr lang="nl-NL"/>
               <a:t>Derde niveau</a:t>
             </a:r>
           </a:p>
           <a:p>
             <a:pPr lvl="3"/>
             <a:r>
-              <a:rPr lang="nl-NL" smtClean="0"/>
+              <a:rPr lang="nl-NL"/>
               <a:t>Vierde niveau</a:t>
             </a:r>
           </a:p>
           <a:p>
             <a:pPr lvl="4"/>
             <a:r>
-              <a:rPr lang="nl-NL" smtClean="0"/>
+              <a:rPr lang="nl-NL"/>
               <a:t>Vijfde niveau</a:t>
             </a:r>
-            <a:endParaRPr lang="nl-NL"/>
           </a:p>
         </p:txBody>
       </p:sp>
@@ -1597,7 +1545,7 @@
           <a:p>
             <a:pPr lvl="0"/>
             <a:r>
-              <a:rPr lang="nl-NL" smtClean="0"/>
+              <a:rPr lang="nl-NL"/>
               <a:t>Klik om de modelstijlen te bewerken</a:t>
             </a:r>
           </a:p>
@@ -1625,38 +1573,37 @@
           <a:p>
             <a:pPr lvl="0"/>
             <a:r>
-              <a:rPr lang="nl-NL" smtClean="0"/>
+              <a:rPr lang="nl-NL"/>
               <a:t>Klik om de modelstijlen te bewerken</a:t>
             </a:r>
           </a:p>
           <a:p>
             <a:pPr lvl="1"/>
             <a:r>
-              <a:rPr lang="nl-NL" smtClean="0"/>
+              <a:rPr lang="nl-NL"/>
               <a:t>Tweede niveau</a:t>
             </a:r>
           </a:p>
           <a:p>
             <a:pPr lvl="2"/>
             <a:r>
-              <a:rPr lang="nl-NL" smtClean="0"/>
+              <a:rPr lang="nl-NL"/>
               <a:t>Derde niveau</a:t>
             </a:r>
           </a:p>
           <a:p>
             <a:pPr lvl="3"/>
             <a:r>
-              <a:rPr lang="nl-NL" smtClean="0"/>
+              <a:rPr lang="nl-NL"/>
               <a:t>Vierde niveau</a:t>
             </a:r>
           </a:p>
           <a:p>
             <a:pPr lvl="4"/>
             <a:r>
-              <a:rPr lang="nl-NL" smtClean="0"/>
+              <a:rPr lang="nl-NL"/>
               <a:t>Vijfde niveau</a:t>
             </a:r>
-            <a:endParaRPr lang="nl-NL"/>
           </a:p>
         </p:txBody>
       </p:sp>
@@ -1677,7 +1624,7 @@
           <a:p>
             <a:fld id="{D9A198D5-009F-4FDE-9467-F5098E73540F}" type="datetimeFigureOut">
               <a:rPr lang="nl-NL" smtClean="0"/>
-              <a:t>21-9-2016</a:t>
+              <a:t>25-9-2016</a:t>
             </a:fld>
             <a:endParaRPr lang="nl-NL"/>
           </a:p>
@@ -1735,13 +1682,6 @@
   <p:clrMapOvr>
     <a:masterClrMapping/>
   </p:clrMapOvr>
-  <p:timing>
-    <p:tnLst>
-      <p:par>
-        <p:cTn id="1" dur="indefinite" restart="never" nodeType="tmRoot"/>
-      </p:par>
-    </p:tnLst>
-  </p:timing>
 </p:sldLayout>
 </file>
 
@@ -1778,10 +1718,9 @@
           <a:lstStyle/>
           <a:p>
             <a:r>
-              <a:rPr lang="nl-NL" smtClean="0"/>
+              <a:rPr lang="nl-NL"/>
               <a:t>Klik om de stijl te bewerken</a:t>
             </a:r>
-            <a:endParaRPr lang="nl-NL"/>
           </a:p>
         </p:txBody>
       </p:sp>
@@ -1802,7 +1741,7 @@
           <a:p>
             <a:fld id="{D9A198D5-009F-4FDE-9467-F5098E73540F}" type="datetimeFigureOut">
               <a:rPr lang="nl-NL" smtClean="0"/>
-              <a:t>21-9-2016</a:t>
+              <a:t>25-9-2016</a:t>
             </a:fld>
             <a:endParaRPr lang="nl-NL"/>
           </a:p>
@@ -1860,13 +1799,6 @@
   <p:clrMapOvr>
     <a:masterClrMapping/>
   </p:clrMapOvr>
-  <p:timing>
-    <p:tnLst>
-      <p:par>
-        <p:cTn id="1" dur="indefinite" restart="never" nodeType="tmRoot"/>
-      </p:par>
-    </p:tnLst>
-  </p:timing>
 </p:sldLayout>
 </file>
 
@@ -1904,7 +1836,7 @@
           <a:p>
             <a:fld id="{D9A198D5-009F-4FDE-9467-F5098E73540F}" type="datetimeFigureOut">
               <a:rPr lang="nl-NL" smtClean="0"/>
-              <a:t>21-9-2016</a:t>
+              <a:t>25-9-2016</a:t>
             </a:fld>
             <a:endParaRPr lang="nl-NL"/>
           </a:p>
@@ -1962,13 +1894,6 @@
   <p:clrMapOvr>
     <a:masterClrMapping/>
   </p:clrMapOvr>
-  <p:timing>
-    <p:tnLst>
-      <p:par>
-        <p:cTn id="1" dur="indefinite" restart="never" nodeType="tmRoot"/>
-      </p:par>
-    </p:tnLst>
-  </p:timing>
 </p:sldLayout>
 </file>
 
@@ -2014,10 +1939,9 @@
           </a:lstStyle>
           <a:p>
             <a:r>
-              <a:rPr lang="nl-NL" smtClean="0"/>
+              <a:rPr lang="nl-NL"/>
               <a:t>Klik om de stijl te bewerken</a:t>
             </a:r>
-            <a:endParaRPr lang="nl-NL"/>
           </a:p>
         </p:txBody>
       </p:sp>
@@ -2071,38 +1995,37 @@
           <a:p>
             <a:pPr lvl="0"/>
             <a:r>
-              <a:rPr lang="nl-NL" smtClean="0"/>
+              <a:rPr lang="nl-NL"/>
               <a:t>Klik om de modelstijlen te bewerken</a:t>
             </a:r>
           </a:p>
           <a:p>
             <a:pPr lvl="1"/>
             <a:r>
-              <a:rPr lang="nl-NL" smtClean="0"/>
+              <a:rPr lang="nl-NL"/>
               <a:t>Tweede niveau</a:t>
             </a:r>
           </a:p>
           <a:p>
             <a:pPr lvl="2"/>
             <a:r>
-              <a:rPr lang="nl-NL" smtClean="0"/>
+              <a:rPr lang="nl-NL"/>
               <a:t>Derde niveau</a:t>
             </a:r>
           </a:p>
           <a:p>
             <a:pPr lvl="3"/>
             <a:r>
-              <a:rPr lang="nl-NL" smtClean="0"/>
+              <a:rPr lang="nl-NL"/>
               <a:t>Vierde niveau</a:t>
             </a:r>
           </a:p>
           <a:p>
             <a:pPr lvl="4"/>
             <a:r>
-              <a:rPr lang="nl-NL" smtClean="0"/>
+              <a:rPr lang="nl-NL"/>
               <a:t>Vijfde niveau</a:t>
             </a:r>
-            <a:endParaRPr lang="nl-NL"/>
           </a:p>
         </p:txBody>
       </p:sp>
@@ -2165,7 +2088,7 @@
           <a:p>
             <a:pPr lvl="0"/>
             <a:r>
-              <a:rPr lang="nl-NL" smtClean="0"/>
+              <a:rPr lang="nl-NL"/>
               <a:t>Klik om de modelstijlen te bewerken</a:t>
             </a:r>
           </a:p>
@@ -2188,7 +2111,7 @@
           <a:p>
             <a:fld id="{D9A198D5-009F-4FDE-9467-F5098E73540F}" type="datetimeFigureOut">
               <a:rPr lang="nl-NL" smtClean="0"/>
-              <a:t>21-9-2016</a:t>
+              <a:t>25-9-2016</a:t>
             </a:fld>
             <a:endParaRPr lang="nl-NL"/>
           </a:p>
@@ -2246,13 +2169,6 @@
   <p:clrMapOvr>
     <a:masterClrMapping/>
   </p:clrMapOvr>
-  <p:timing>
-    <p:tnLst>
-      <p:par>
-        <p:cTn id="1" dur="indefinite" restart="never" nodeType="tmRoot"/>
-      </p:par>
-    </p:tnLst>
-  </p:timing>
 </p:sldLayout>
 </file>
 
@@ -2298,10 +2214,9 @@
           </a:lstStyle>
           <a:p>
             <a:r>
-              <a:rPr lang="nl-NL" smtClean="0"/>
+              <a:rPr lang="nl-NL"/>
               <a:t>Klik om de stijl te bewerken</a:t>
             </a:r>
-            <a:endParaRPr lang="nl-NL"/>
           </a:p>
         </p:txBody>
       </p:sp>
@@ -2425,7 +2340,7 @@
           <a:p>
             <a:pPr lvl="0"/>
             <a:r>
-              <a:rPr lang="nl-NL" smtClean="0"/>
+              <a:rPr lang="nl-NL"/>
               <a:t>Klik om de modelstijlen te bewerken</a:t>
             </a:r>
           </a:p>
@@ -2448,7 +2363,7 @@
           <a:p>
             <a:fld id="{D9A198D5-009F-4FDE-9467-F5098E73540F}" type="datetimeFigureOut">
               <a:rPr lang="nl-NL" smtClean="0"/>
-              <a:t>21-9-2016</a:t>
+              <a:t>25-9-2016</a:t>
             </a:fld>
             <a:endParaRPr lang="nl-NL"/>
           </a:p>
@@ -2506,13 +2421,6 @@
   <p:clrMapOvr>
     <a:masterClrMapping/>
   </p:clrMapOvr>
-  <p:timing>
-    <p:tnLst>
-      <p:par>
-        <p:cTn id="1" dur="indefinite" restart="never" nodeType="tmRoot"/>
-      </p:par>
-    </p:tnLst>
-  </p:timing>
 </p:sldLayout>
 </file>
 
@@ -2564,10 +2472,9 @@
           <a:lstStyle/>
           <a:p>
             <a:r>
-              <a:rPr lang="nl-NL" dirty="0" smtClean="0"/>
+              <a:rPr lang="nl-NL" dirty="0"/>
               <a:t>Klik om de stijl te bewerken</a:t>
             </a:r>
-            <a:endParaRPr lang="nl-NL" dirty="0"/>
           </a:p>
         </p:txBody>
       </p:sp>
@@ -2598,38 +2505,37 @@
           <a:p>
             <a:pPr lvl="0"/>
             <a:r>
-              <a:rPr lang="nl-NL" dirty="0" smtClean="0"/>
+              <a:rPr lang="nl-NL" dirty="0"/>
               <a:t>Klik om de modelstijlen te bewerken</a:t>
             </a:r>
           </a:p>
           <a:p>
             <a:pPr lvl="1"/>
             <a:r>
-              <a:rPr lang="nl-NL" dirty="0" smtClean="0"/>
+              <a:rPr lang="nl-NL" dirty="0"/>
               <a:t>Tweede niveau</a:t>
             </a:r>
           </a:p>
           <a:p>
             <a:pPr lvl="2"/>
             <a:r>
-              <a:rPr lang="nl-NL" dirty="0" smtClean="0"/>
+              <a:rPr lang="nl-NL" dirty="0"/>
               <a:t>Derde niveau</a:t>
             </a:r>
           </a:p>
           <a:p>
             <a:pPr lvl="3"/>
             <a:r>
-              <a:rPr lang="nl-NL" dirty="0" smtClean="0"/>
+              <a:rPr lang="nl-NL" dirty="0"/>
               <a:t>Vierde niveau</a:t>
             </a:r>
           </a:p>
           <a:p>
             <a:pPr lvl="4"/>
             <a:r>
-              <a:rPr lang="nl-NL" dirty="0" smtClean="0"/>
+              <a:rPr lang="nl-NL" dirty="0"/>
               <a:t>Vijfde niveau</a:t>
             </a:r>
-            <a:endParaRPr lang="nl-NL" dirty="0"/>
           </a:p>
         </p:txBody>
       </p:sp>
@@ -2668,7 +2574,7 @@
           <a:p>
             <a:fld id="{D9A198D5-009F-4FDE-9467-F5098E73540F}" type="datetimeFigureOut">
               <a:rPr lang="nl-NL" smtClean="0"/>
-              <a:t>21-9-2016</a:t>
+              <a:t>25-9-2016</a:t>
             </a:fld>
             <a:endParaRPr lang="nl-NL"/>
           </a:p>
@@ -2863,13 +2769,6 @@
     <p:sldLayoutId id="2147483661" r:id="rId10"/>
     <p:sldLayoutId id="2147483662" r:id="rId11"/>
   </p:sldLayoutIdLst>
-  <p:timing>
-    <p:tnLst>
-      <p:par>
-        <p:cTn id="1" dur="indefinite" restart="never" nodeType="tmRoot"/>
-      </p:par>
-    </p:tnLst>
-  </p:timing>
   <p:txStyles>
     <p:titleStyle>
       <a:lvl1pPr algn="ctr" defTabSz="914400" rtl="0" eaLnBrk="1" latinLnBrk="0" hangingPunct="1">
@@ -3193,22 +3092,14 @@
           <a:lstStyle/>
           <a:p>
             <a:r>
-              <a:rPr lang="nl-NL" dirty="0" smtClean="0"/>
-              <a:t>Projectgroep ‘</a:t>
-            </a:r>
-            <a:r>
-              <a:rPr lang="nl-NL" dirty="0" smtClean="0"/>
-              <a:t>t </a:t>
-            </a:r>
-            <a:r>
-              <a:rPr lang="nl-NL" dirty="0" smtClean="0"/>
-              <a:t>Rijks </a:t>
-            </a:r>
-            <a:r>
-              <a:rPr lang="nl-NL" dirty="0" err="1" smtClean="0"/>
+              <a:rPr lang="nl-NL"/>
+              <a:t>Projectgroep ‘t Rijks </a:t>
+            </a:r>
+            <a:r>
+              <a:rPr lang="nl-NL" err="1"/>
               <a:t>BoZ</a:t>
             </a:r>
-            <a:endParaRPr lang="nl-NL" dirty="0"/>
+            <a:endParaRPr lang="nl-NL"/>
           </a:p>
         </p:txBody>
       </p:sp>
@@ -3235,10 +3126,9 @@
           <a:lstStyle/>
           <a:p>
             <a:r>
-              <a:rPr lang="nl-NL" dirty="0" smtClean="0"/>
+              <a:rPr lang="nl-NL"/>
               <a:t>Introductie &amp; Kennismaking</a:t>
             </a:r>
-            <a:endParaRPr lang="nl-NL" dirty="0"/>
           </a:p>
         </p:txBody>
       </p:sp>
@@ -3252,13 +3142,6 @@
   <p:clrMapOvr>
     <a:masterClrMapping/>
   </p:clrMapOvr>
-  <p:timing>
-    <p:tnLst>
-      <p:par>
-        <p:cTn id="1" dur="indefinite" restart="never" nodeType="tmRoot"/>
-      </p:par>
-    </p:tnLst>
-  </p:timing>
 </p:sld>
 </file>
 
@@ -3281,141 +3164,413 @@
       </p:grpSpPr>
       <p:sp>
         <p:nvSpPr>
-          <p:cNvPr id="3" name="Titel 2"/>
-          <p:cNvSpPr>
-            <a:spLocks noGrp="1"/>
-          </p:cNvSpPr>
-          <p:nvPr>
-            <p:ph type="ctrTitle"/>
-          </p:nvPr>
+          <p:cNvPr id="2" name="Titel 1"/>
+          <p:cNvSpPr>
+            <a:spLocks noGrp="1"/>
+          </p:cNvSpPr>
+          <p:nvPr>
+            <p:ph type="title"/>
+          </p:nvPr>
+        </p:nvSpPr>
+        <p:spPr/>
+        <p:txBody>
+          <a:bodyPr/>
+          <a:lstStyle/>
+          <a:p>
+            <a:r>
+              <a:rPr lang="nl-NL"/>
+              <a:t>Groepscompositie</a:t>
+            </a:r>
+          </a:p>
+        </p:txBody>
+      </p:sp>
+      <p:graphicFrame>
+        <p:nvGraphicFramePr>
+          <p:cNvPr id="4" name="Tijdelijke aanduiding voor inhoud 3"/>
+          <p:cNvGraphicFramePr>
+            <a:graphicFrameLocks noGrp="1"/>
+          </p:cNvGraphicFramePr>
+          <p:nvPr>
+            <p:ph idx="1"/>
+            <p:extLst>
+              <p:ext uri="{D42A27DB-BD31-4B8C-83A1-F6EECF244321}">
+                <p14:modId xmlns:p14="http://schemas.microsoft.com/office/powerpoint/2010/main" val="3560109406"/>
+              </p:ext>
+            </p:extLst>
+          </p:nvPr>
+        </p:nvGraphicFramePr>
+        <p:xfrm>
+          <a:off x="1744133" y="3243792"/>
+          <a:ext cx="8703734" cy="1584960"/>
+        </p:xfrm>
+        <a:graphic>
+          <a:graphicData uri="http://schemas.openxmlformats.org/drawingml/2006/table">
+            <a:tbl>
+              <a:tblPr firstRow="1" bandRow="1">
+                <a:tableStyleId>{2D5ABB26-0587-4C30-8999-92F81FD0307C}</a:tableStyleId>
+              </a:tblPr>
+              <a:tblGrid>
+                <a:gridCol w="4351867">
+                  <a:extLst>
+                    <a:ext uri="{9D8B030D-6E8A-4147-A177-3AD203B41FA5}">
+                      <a16:colId xmlns:a16="http://schemas.microsoft.com/office/drawing/2014/main" val="2006464839"/>
+                    </a:ext>
+                  </a:extLst>
+                </a:gridCol>
+                <a:gridCol w="4351867">
+                  <a:extLst>
+                    <a:ext uri="{9D8B030D-6E8A-4147-A177-3AD203B41FA5}">
+                      <a16:colId xmlns:a16="http://schemas.microsoft.com/office/drawing/2014/main" val="3096912015"/>
+                    </a:ext>
+                  </a:extLst>
+                </a:gridCol>
+              </a:tblGrid>
+              <a:tr h="370840">
+                <a:tc>
+                  <a:txBody>
+                    <a:bodyPr/>
+                    <a:lstStyle/>
+                    <a:p>
+                      <a:r>
+                        <a:rPr lang="en-US" sz="2000">
+                          <a:solidFill>
+                            <a:srgbClr val="2C3E50"/>
+                          </a:solidFill>
+                          <a:latin typeface="Arial Black" panose="020B0A04020102020204" pitchFamily="34" charset="0"/>
+                          <a:cs typeface="Arial" panose="020B0604020202020204" pitchFamily="34" charset="0"/>
+                        </a:rPr>
+                        <a:t>Tim van Osch</a:t>
+                      </a:r>
+                    </a:p>
+                  </a:txBody>
+                  <a:tcPr/>
+                </a:tc>
+                <a:tc>
+                  <a:txBody>
+                    <a:bodyPr/>
+                    <a:lstStyle/>
+                    <a:p>
+                      <a:r>
+                        <a:rPr lang="en-US" sz="2000">
+                          <a:latin typeface="Arial" panose="020B0604020202020204" pitchFamily="34" charset="0"/>
+                          <a:cs typeface="Arial" panose="020B0604020202020204" pitchFamily="34" charset="0"/>
+                        </a:rPr>
+                        <a:t>Project</a:t>
+                      </a:r>
+                      <a:r>
+                        <a:rPr lang="en-US" sz="2000" baseline="0">
+                          <a:latin typeface="Arial" panose="020B0604020202020204" pitchFamily="34" charset="0"/>
+                          <a:cs typeface="Arial" panose="020B0604020202020204" pitchFamily="34" charset="0"/>
+                        </a:rPr>
+                        <a:t> leider &amp; contactpersoon</a:t>
+                      </a:r>
+                      <a:endParaRPr lang="en-US" sz="2000">
+                        <a:latin typeface="Arial" panose="020B0604020202020204" pitchFamily="34" charset="0"/>
+                        <a:cs typeface="Arial" panose="020B0604020202020204" pitchFamily="34" charset="0"/>
+                      </a:endParaRPr>
+                    </a:p>
+                  </a:txBody>
+                  <a:tcPr/>
+                </a:tc>
+                <a:extLst>
+                  <a:ext uri="{0D108BD9-81ED-4DB2-BD59-A6C34878D82A}">
+                    <a16:rowId xmlns:a16="http://schemas.microsoft.com/office/drawing/2014/main" val="2950698917"/>
+                  </a:ext>
+                </a:extLst>
+              </a:tr>
+              <a:tr h="370840">
+                <a:tc>
+                  <a:txBody>
+                    <a:bodyPr/>
+                    <a:lstStyle/>
+                    <a:p>
+                      <a:r>
+                        <a:rPr lang="en-US" sz="2000" err="1">
+                          <a:solidFill>
+                            <a:srgbClr val="2C3E50"/>
+                          </a:solidFill>
+                          <a:latin typeface="Arial Black" panose="020B0A04020102020204" pitchFamily="34" charset="0"/>
+                          <a:cs typeface="Arial" panose="020B0604020202020204" pitchFamily="34" charset="0"/>
+                        </a:rPr>
+                        <a:t>Seppe</a:t>
+                      </a:r>
+                      <a:r>
+                        <a:rPr lang="en-US" sz="2000" baseline="0">
+                          <a:solidFill>
+                            <a:srgbClr val="2C3E50"/>
+                          </a:solidFill>
+                          <a:latin typeface="Arial Black" panose="020B0A04020102020204" pitchFamily="34" charset="0"/>
+                          <a:cs typeface="Arial" panose="020B0604020202020204" pitchFamily="34" charset="0"/>
+                        </a:rPr>
+                        <a:t> van </a:t>
+                      </a:r>
+                      <a:r>
+                        <a:rPr lang="en-US" sz="2000" baseline="0" err="1">
+                          <a:solidFill>
+                            <a:srgbClr val="2C3E50"/>
+                          </a:solidFill>
+                          <a:latin typeface="Arial Black" panose="020B0A04020102020204" pitchFamily="34" charset="0"/>
+                          <a:cs typeface="Arial" panose="020B0604020202020204" pitchFamily="34" charset="0"/>
+                        </a:rPr>
+                        <a:t>Mierlo</a:t>
+                      </a:r>
+                      <a:endParaRPr lang="en-US" sz="2000" baseline="0">
+                        <a:solidFill>
+                          <a:srgbClr val="2C3E50"/>
+                        </a:solidFill>
+                        <a:latin typeface="Arial Black" panose="020B0A04020102020204" pitchFamily="34" charset="0"/>
+                        <a:cs typeface="Arial" panose="020B0604020202020204" pitchFamily="34" charset="0"/>
+                      </a:endParaRPr>
+                    </a:p>
+                  </a:txBody>
+                  <a:tcPr/>
+                </a:tc>
+                <a:tc>
+                  <a:txBody>
+                    <a:bodyPr/>
+                    <a:lstStyle/>
+                    <a:p>
+                      <a:r>
+                        <a:rPr lang="en-US" sz="2000">
+                          <a:latin typeface="Arial" panose="020B0604020202020204" pitchFamily="34" charset="0"/>
+                          <a:cs typeface="Arial" panose="020B0604020202020204" pitchFamily="34" charset="0"/>
+                        </a:rPr>
+                        <a:t>Project planner</a:t>
+                      </a:r>
+                    </a:p>
+                  </a:txBody>
+                  <a:tcPr/>
+                </a:tc>
+                <a:extLst>
+                  <a:ext uri="{0D108BD9-81ED-4DB2-BD59-A6C34878D82A}">
+                    <a16:rowId xmlns:a16="http://schemas.microsoft.com/office/drawing/2014/main" val="1039615460"/>
+                  </a:ext>
+                </a:extLst>
+              </a:tr>
+              <a:tr h="370840">
+                <a:tc>
+                  <a:txBody>
+                    <a:bodyPr/>
+                    <a:lstStyle/>
+                    <a:p>
+                      <a:r>
+                        <a:rPr lang="en-US" sz="2000" err="1">
+                          <a:solidFill>
+                            <a:srgbClr val="2C3E50"/>
+                          </a:solidFill>
+                          <a:latin typeface="Arial Black" panose="020B0A04020102020204" pitchFamily="34" charset="0"/>
+                          <a:cs typeface="Arial" panose="020B0604020202020204" pitchFamily="34" charset="0"/>
+                        </a:rPr>
+                        <a:t>Jari</a:t>
+                      </a:r>
+                      <a:r>
+                        <a:rPr lang="en-US" sz="2000" baseline="0">
+                          <a:solidFill>
+                            <a:srgbClr val="2C3E50"/>
+                          </a:solidFill>
+                          <a:latin typeface="Arial Black" panose="020B0A04020102020204" pitchFamily="34" charset="0"/>
+                          <a:cs typeface="Arial" panose="020B0604020202020204" pitchFamily="34" charset="0"/>
+                        </a:rPr>
+                        <a:t> de </a:t>
+                      </a:r>
+                      <a:r>
+                        <a:rPr lang="en-US" sz="2000" baseline="0" err="1">
+                          <a:solidFill>
+                            <a:srgbClr val="2C3E50"/>
+                          </a:solidFill>
+                          <a:latin typeface="Arial Black" panose="020B0A04020102020204" pitchFamily="34" charset="0"/>
+                          <a:cs typeface="Arial" panose="020B0604020202020204" pitchFamily="34" charset="0"/>
+                        </a:rPr>
+                        <a:t>Dooij</a:t>
+                      </a:r>
+                      <a:endParaRPr lang="en-US" sz="2000">
+                        <a:solidFill>
+                          <a:srgbClr val="2C3E50"/>
+                        </a:solidFill>
+                        <a:latin typeface="Arial Black" panose="020B0A04020102020204" pitchFamily="34" charset="0"/>
+                        <a:cs typeface="Arial" panose="020B0604020202020204" pitchFamily="34" charset="0"/>
+                      </a:endParaRPr>
+                    </a:p>
+                  </a:txBody>
+                  <a:tcPr/>
+                </a:tc>
+                <a:tc>
+                  <a:txBody>
+                    <a:bodyPr/>
+                    <a:lstStyle/>
+                    <a:p>
+                      <a:r>
+                        <a:rPr lang="en-US" sz="2000">
+                          <a:latin typeface="Arial" panose="020B0604020202020204" pitchFamily="34" charset="0"/>
+                          <a:cs typeface="Arial" panose="020B0604020202020204" pitchFamily="34" charset="0"/>
+                        </a:rPr>
+                        <a:t>Project bestand-onderhouder</a:t>
+                      </a:r>
+                    </a:p>
+                  </a:txBody>
+                  <a:tcPr/>
+                </a:tc>
+                <a:extLst>
+                  <a:ext uri="{0D108BD9-81ED-4DB2-BD59-A6C34878D82A}">
+                    <a16:rowId xmlns:a16="http://schemas.microsoft.com/office/drawing/2014/main" val="3485112635"/>
+                  </a:ext>
+                </a:extLst>
+              </a:tr>
+              <a:tr h="370840">
+                <a:tc>
+                  <a:txBody>
+                    <a:bodyPr/>
+                    <a:lstStyle/>
+                    <a:p>
+                      <a:r>
+                        <a:rPr lang="en-US" sz="2000" err="1">
+                          <a:solidFill>
+                            <a:srgbClr val="2C3E50"/>
+                          </a:solidFill>
+                          <a:latin typeface="Arial Black" panose="020B0A04020102020204" pitchFamily="34" charset="0"/>
+                          <a:cs typeface="Arial" panose="020B0604020202020204" pitchFamily="34" charset="0"/>
+                        </a:rPr>
+                        <a:t>Roel</a:t>
+                      </a:r>
+                      <a:r>
+                        <a:rPr lang="en-US" sz="2000" baseline="0">
+                          <a:solidFill>
+                            <a:srgbClr val="2C3E50"/>
+                          </a:solidFill>
+                          <a:latin typeface="Arial Black" panose="020B0A04020102020204" pitchFamily="34" charset="0"/>
+                          <a:cs typeface="Arial" panose="020B0604020202020204" pitchFamily="34" charset="0"/>
+                        </a:rPr>
+                        <a:t> van den </a:t>
+                      </a:r>
+                      <a:r>
+                        <a:rPr lang="en-US" sz="2000" baseline="0" err="1">
+                          <a:solidFill>
+                            <a:srgbClr val="2C3E50"/>
+                          </a:solidFill>
+                          <a:latin typeface="Arial Black" panose="020B0A04020102020204" pitchFamily="34" charset="0"/>
+                          <a:cs typeface="Arial" panose="020B0604020202020204" pitchFamily="34" charset="0"/>
+                        </a:rPr>
+                        <a:t>Elshout</a:t>
+                      </a:r>
+                      <a:endParaRPr lang="en-US" sz="2000">
+                        <a:solidFill>
+                          <a:srgbClr val="2C3E50"/>
+                        </a:solidFill>
+                        <a:latin typeface="Arial Black" panose="020B0A04020102020204" pitchFamily="34" charset="0"/>
+                        <a:cs typeface="Arial" panose="020B0604020202020204" pitchFamily="34" charset="0"/>
+                      </a:endParaRPr>
+                    </a:p>
+                  </a:txBody>
+                  <a:tcPr/>
+                </a:tc>
+                <a:tc>
+                  <a:txBody>
+                    <a:bodyPr/>
+                    <a:lstStyle/>
+                    <a:p>
+                      <a:r>
+                        <a:rPr lang="en-US" sz="2000">
+                          <a:latin typeface="Arial" panose="020B0604020202020204" pitchFamily="34" charset="0"/>
+                          <a:cs typeface="Arial" panose="020B0604020202020204" pitchFamily="34" charset="0"/>
+                        </a:rPr>
+                        <a:t>Project site-</a:t>
+                      </a:r>
+                      <a:r>
+                        <a:rPr lang="en-US" sz="2000" err="1">
+                          <a:latin typeface="Arial" panose="020B0604020202020204" pitchFamily="34" charset="0"/>
+                          <a:cs typeface="Arial" panose="020B0604020202020204" pitchFamily="34" charset="0"/>
+                        </a:rPr>
+                        <a:t>onderhouder</a:t>
+                      </a:r>
+                      <a:endParaRPr lang="en-US" sz="2000">
+                        <a:latin typeface="Arial" panose="020B0604020202020204" pitchFamily="34" charset="0"/>
+                        <a:cs typeface="Arial" panose="020B0604020202020204" pitchFamily="34" charset="0"/>
+                      </a:endParaRPr>
+                    </a:p>
+                  </a:txBody>
+                  <a:tcPr/>
+                </a:tc>
+                <a:extLst>
+                  <a:ext uri="{0D108BD9-81ED-4DB2-BD59-A6C34878D82A}">
+                    <a16:rowId xmlns:a16="http://schemas.microsoft.com/office/drawing/2014/main" val="1504754661"/>
+                  </a:ext>
+                </a:extLst>
+              </a:tr>
+            </a:tbl>
+          </a:graphicData>
+        </a:graphic>
+      </p:graphicFrame>
+      <p:sp>
+        <p:nvSpPr>
+          <p:cNvPr id="6" name="Tekstvak 5"/>
+          <p:cNvSpPr txBox="1"/>
+          <p:nvPr/>
         </p:nvSpPr>
         <p:spPr>
           <a:xfrm>
-            <a:off x="1674421" y="1515527"/>
-            <a:ext cx="10272156" cy="786781"/>
+            <a:off x="1744134" y="2721114"/>
+            <a:ext cx="7527086" cy="400110"/>
           </a:xfrm>
+          <a:prstGeom prst="rect">
+            <a:avLst/>
+          </a:prstGeom>
+          <a:noFill/>
         </p:spPr>
         <p:txBody>
-          <a:bodyPr>
-            <a:normAutofit fontScale="90000"/>
+          <a:bodyPr wrap="square" rtlCol="0">
+            <a:spAutoFit/>
           </a:bodyPr>
           <a:lstStyle/>
           <a:p>
             <a:r>
-              <a:rPr lang="nl-NL" dirty="0" smtClean="0"/>
-              <a:t>Ervaring van voorafgaande projecten</a:t>
-            </a:r>
-            <a:endParaRPr lang="nl-NL" dirty="0"/>
-          </a:p>
-        </p:txBody>
-      </p:sp>
-      <p:sp>
-        <p:nvSpPr>
-          <p:cNvPr id="2" name="Ondertitel 1"/>
-          <p:cNvSpPr>
-            <a:spLocks noGrp="1"/>
-          </p:cNvSpPr>
-          <p:nvPr>
-            <p:ph type="subTitle" idx="1"/>
-          </p:nvPr>
-        </p:nvSpPr>
-        <p:spPr>
-          <a:xfrm>
-            <a:off x="1524000" y="2517569"/>
-            <a:ext cx="9144000" cy="3250870"/>
-          </a:xfrm>
-        </p:spPr>
-        <p:txBody>
-          <a:bodyPr/>
-          <a:lstStyle/>
-          <a:p>
-            <a:pPr marL="342900" indent="-342900" algn="l">
-              <a:buFontTx/>
-              <a:buChar char="-"/>
-            </a:pPr>
-            <a:r>
-              <a:rPr lang="nl-NL" dirty="0" smtClean="0"/>
-              <a:t>Luchtkwaliteit analyse</a:t>
-            </a:r>
-          </a:p>
-          <a:p>
-            <a:pPr marL="800100" lvl="1" indent="-342900" algn="l">
-              <a:buFontTx/>
-              <a:buChar char="-"/>
-            </a:pPr>
-            <a:r>
-              <a:rPr lang="nl-NL" dirty="0" smtClean="0">
-                <a:latin typeface="Arial" panose="020B0604020202020204" pitchFamily="34" charset="0"/>
+              <a:rPr lang="en-US" sz="2000" err="1">
+                <a:solidFill>
+                  <a:srgbClr val="2C3E50"/>
+                </a:solidFill>
+                <a:latin typeface="Arial Black" panose="020B0A04020102020204" pitchFamily="34" charset="0"/>
               </a:rPr>
-              <a:t>Competenties: Analyseren en rapporteren</a:t>
-            </a:r>
-          </a:p>
-          <a:p>
-            <a:pPr marL="342900" indent="-342900" algn="l">
-              <a:buFontTx/>
-              <a:buChar char="-"/>
-            </a:pPr>
-            <a:r>
-              <a:rPr lang="nl-NL" dirty="0" smtClean="0"/>
-              <a:t>Ruimtehabitat ontwerp</a:t>
-            </a:r>
-          </a:p>
-          <a:p>
-            <a:pPr marL="800100" lvl="1" indent="-342900" algn="l">
-              <a:buFontTx/>
-              <a:buChar char="-"/>
-            </a:pPr>
-            <a:r>
-              <a:rPr lang="nl-NL" dirty="0" smtClean="0">
-                <a:latin typeface="Arial" panose="020B0604020202020204" pitchFamily="34" charset="0"/>
+              <a:t>Onderlinge</a:t>
+            </a:r>
+            <a:r>
+              <a:rPr lang="en-US" sz="2000">
+                <a:solidFill>
+                  <a:srgbClr val="2C3E50"/>
+                </a:solidFill>
+                <a:latin typeface="Arial Black" panose="020B0A04020102020204" pitchFamily="34" charset="0"/>
               </a:rPr>
-              <a:t>Competenties: Ontwerpen</a:t>
-            </a:r>
-          </a:p>
-          <a:p>
-            <a:pPr marL="342900" indent="-342900" algn="l">
-              <a:buFontTx/>
-              <a:buChar char="-"/>
-            </a:pPr>
-            <a:r>
-              <a:rPr lang="nl-NL" dirty="0" smtClean="0"/>
-              <a:t>Ontwikkelen digitale cursus</a:t>
-            </a:r>
-          </a:p>
-          <a:p>
-            <a:pPr marL="800100" lvl="1" indent="-342900" algn="l">
-              <a:buFontTx/>
-              <a:buChar char="-"/>
-            </a:pPr>
-            <a:r>
-              <a:rPr lang="nl-NL" dirty="0" smtClean="0">
-                <a:latin typeface="Arial" panose="020B0604020202020204" pitchFamily="34" charset="0"/>
+              <a:t> </a:t>
+            </a:r>
+            <a:r>
+              <a:rPr lang="en-US" sz="2000" err="1">
+                <a:solidFill>
+                  <a:srgbClr val="2C3E50"/>
+                </a:solidFill>
+                <a:latin typeface="Arial Black" panose="020B0A04020102020204" pitchFamily="34" charset="0"/>
               </a:rPr>
-              <a:t>Competenties: Programmeren en UI-Design</a:t>
-            </a:r>
-            <a:endParaRPr lang="nl-NL" dirty="0">
-              <a:latin typeface="Arial" panose="020B0604020202020204" pitchFamily="34" charset="0"/>
-            </a:endParaRPr>
+              <a:t>rol</a:t>
+            </a:r>
+            <a:r>
+              <a:rPr lang="en-US" sz="2000">
+                <a:solidFill>
+                  <a:srgbClr val="2C3E50"/>
+                </a:solidFill>
+                <a:latin typeface="Arial Black" panose="020B0A04020102020204" pitchFamily="34" charset="0"/>
+              </a:rPr>
+              <a:t> in het project</a:t>
+            </a:r>
           </a:p>
         </p:txBody>
       </p:sp>
     </p:spTree>
     <p:extLst>
       <p:ext uri="{BB962C8B-B14F-4D97-AF65-F5344CB8AC3E}">
-        <p14:creationId xmlns:p14="http://schemas.microsoft.com/office/powerpoint/2010/main" val="1002414840"/>
+        <p14:creationId xmlns:p14="http://schemas.microsoft.com/office/powerpoint/2010/main" val="3400873723"/>
       </p:ext>
     </p:extLst>
   </p:cSld>
   <p:clrMapOvr>
     <a:masterClrMapping/>
   </p:clrMapOvr>
-  <p:timing>
-    <p:tnLst>
-      <p:par>
-        <p:cTn id="1" dur="indefinite" restart="never" nodeType="tmRoot"/>
-      </p:par>
-    </p:tnLst>
-  </p:timing>
 </p:sld>
 </file>
 
@@ -3438,137 +3593,934 @@
       </p:grpSpPr>
       <p:sp>
         <p:nvSpPr>
-          <p:cNvPr id="2" name="Titel 1"/>
-          <p:cNvSpPr>
-            <a:spLocks noGrp="1"/>
-          </p:cNvSpPr>
-          <p:nvPr>
-            <p:ph type="title"/>
-          </p:nvPr>
-        </p:nvSpPr>
-        <p:spPr/>
-        <p:txBody>
-          <a:bodyPr/>
-          <a:lstStyle/>
-          <a:p>
-            <a:r>
-              <a:rPr lang="nl-NL" dirty="0" smtClean="0"/>
-              <a:t>Persoonlijke ervaring</a:t>
-            </a:r>
-            <a:endParaRPr lang="nl-NL" dirty="0"/>
-          </a:p>
-        </p:txBody>
-      </p:sp>
-      <p:sp>
-        <p:nvSpPr>
-          <p:cNvPr id="3" name="Tijdelijke aanduiding voor inhoud 2"/>
-          <p:cNvSpPr>
-            <a:spLocks noGrp="1"/>
-          </p:cNvSpPr>
-          <p:nvPr>
-            <p:ph idx="1"/>
-          </p:nvPr>
-        </p:nvSpPr>
-        <p:spPr/>
-        <p:txBody>
-          <a:bodyPr/>
-          <a:lstStyle/>
-          <a:p>
-            <a:pPr marL="0" indent="0">
-              <a:buNone/>
-            </a:pPr>
-            <a:r>
-              <a:rPr lang="nl-NL" dirty="0" smtClean="0"/>
-              <a:t>Ervaring programmeren:</a:t>
-            </a:r>
-          </a:p>
-          <a:p>
-            <a:pPr lvl="1">
-              <a:buFont typeface="Arial Black" panose="020B0A04020102020204" pitchFamily="34" charset="0"/>
+          <p:cNvPr id="3" name="Titel 2"/>
+          <p:cNvSpPr>
+            <a:spLocks noGrp="1"/>
+          </p:cNvSpPr>
+          <p:nvPr>
+            <p:ph type="ctrTitle"/>
+          </p:nvPr>
+        </p:nvSpPr>
+        <p:spPr>
+          <a:xfrm>
+            <a:off x="1674421" y="1515527"/>
+            <a:ext cx="10272156" cy="786781"/>
+          </a:xfrm>
+        </p:spPr>
+        <p:txBody>
+          <a:bodyPr>
+            <a:normAutofit fontScale="90000"/>
+          </a:bodyPr>
+          <a:lstStyle/>
+          <a:p>
+            <a:r>
+              <a:rPr lang="nl-NL"/>
+              <a:t>Ervaring van voorafgaande projecten</a:t>
+            </a:r>
+          </a:p>
+        </p:txBody>
+      </p:sp>
+      <p:sp>
+        <p:nvSpPr>
+          <p:cNvPr id="2" name="Ondertitel 1"/>
+          <p:cNvSpPr>
+            <a:spLocks noGrp="1"/>
+          </p:cNvSpPr>
+          <p:nvPr>
+            <p:ph type="subTitle" idx="1"/>
+          </p:nvPr>
+        </p:nvSpPr>
+        <p:spPr>
+          <a:xfrm>
+            <a:off x="1540933" y="2940903"/>
+            <a:ext cx="9144000" cy="3250870"/>
+          </a:xfrm>
+        </p:spPr>
+        <p:txBody>
+          <a:bodyPr/>
+          <a:lstStyle/>
+          <a:p>
+            <a:pPr marL="342900" indent="-342900" algn="l">
+              <a:buFontTx/>
               <a:buChar char="-"/>
             </a:pPr>
             <a:r>
-              <a:rPr lang="nl-NL" dirty="0" smtClean="0"/>
-              <a:t>Application Program Interfaces:</a:t>
-            </a:r>
-          </a:p>
-          <a:p>
-            <a:pPr lvl="2">
-              <a:buFont typeface="Arial Black" panose="020B0A04020102020204" pitchFamily="34" charset="0"/>
+              <a:rPr lang="nl-NL"/>
+              <a:t>Luchtkwaliteit analyse</a:t>
+            </a:r>
+          </a:p>
+          <a:p>
+            <a:pPr marL="800100" lvl="1" indent="-342900" algn="l">
+              <a:buFontTx/>
               <a:buChar char="-"/>
             </a:pPr>
             <a:r>
-              <a:rPr lang="nl-NL" dirty="0" smtClean="0">
-                <a:hlinkClick r:id="rId2"/>
+              <a:rPr lang="nl-NL">
+                <a:latin typeface="Arial" panose="020B0604020202020204" pitchFamily="34" charset="0"/>
               </a:rPr>
-              <a:t>https://github.com/TimVosch/gomeetup-REST</a:t>
-            </a:r>
-            <a:r>
-              <a:rPr lang="nl-NL" dirty="0" smtClean="0"/>
-              <a:t> </a:t>
-            </a:r>
-          </a:p>
-          <a:p>
-            <a:pPr lvl="1">
-              <a:buFont typeface="Arial Black" panose="020B0A04020102020204" pitchFamily="34" charset="0"/>
+              <a:t>Competenties: Analyseren en rapporteren</a:t>
+            </a:r>
+          </a:p>
+          <a:p>
+            <a:pPr marL="342900" indent="-342900" algn="l">
+              <a:buFontTx/>
               <a:buChar char="-"/>
             </a:pPr>
             <a:r>
-              <a:rPr lang="nl-NL" dirty="0" smtClean="0"/>
-              <a:t>Arduino &amp; </a:t>
-            </a:r>
-            <a:r>
-              <a:rPr lang="nl-NL" dirty="0" err="1" smtClean="0"/>
-              <a:t>ICUs</a:t>
-            </a:r>
-            <a:r>
-              <a:rPr lang="nl-NL" dirty="0" smtClean="0"/>
-              <a:t>:</a:t>
-            </a:r>
-          </a:p>
-          <a:p>
-            <a:pPr lvl="2">
-              <a:buFont typeface="Arial Black" panose="020B0A04020102020204" pitchFamily="34" charset="0"/>
+              <a:rPr lang="nl-NL"/>
+              <a:t>Ruimtehabitat ontwerp</a:t>
+            </a:r>
+          </a:p>
+          <a:p>
+            <a:pPr marL="800100" lvl="1" indent="-342900" algn="l">
+              <a:buFontTx/>
               <a:buChar char="-"/>
             </a:pPr>
             <a:r>
-              <a:rPr lang="nl-NL" dirty="0" smtClean="0"/>
-              <a:t>A</a:t>
-            </a:r>
-          </a:p>
-          <a:p>
-            <a:pPr lvl="1">
-              <a:buFont typeface="Arial Black" panose="020B0A04020102020204" pitchFamily="34" charset="0"/>
+              <a:rPr lang="nl-NL">
+                <a:latin typeface="Arial" panose="020B0604020202020204" pitchFamily="34" charset="0"/>
+              </a:rPr>
+              <a:t>Competenties: Ontwerpen</a:t>
+            </a:r>
+          </a:p>
+          <a:p>
+            <a:pPr marL="342900" indent="-342900" algn="l">
+              <a:buFontTx/>
               <a:buChar char="-"/>
             </a:pPr>
-            <a:endParaRPr lang="nl-NL" dirty="0" smtClean="0"/>
-          </a:p>
-          <a:p>
-            <a:pPr lvl="2">
-              <a:buFont typeface="Arial Black" panose="020B0A04020102020204" pitchFamily="34" charset="0"/>
+            <a:r>
+              <a:rPr lang="nl-NL"/>
+              <a:t>Ontwikkelen digitale cursus</a:t>
+            </a:r>
+          </a:p>
+          <a:p>
+            <a:pPr marL="800100" lvl="1" indent="-342900" algn="l">
+              <a:buFontTx/>
               <a:buChar char="-"/>
             </a:pPr>
-            <a:endParaRPr lang="nl-NL" dirty="0" smtClean="0"/>
+            <a:r>
+              <a:rPr lang="nl-NL">
+                <a:latin typeface="Arial" panose="020B0604020202020204" pitchFamily="34" charset="0"/>
+              </a:rPr>
+              <a:t>Competenties: Programmeren en UI-Design</a:t>
+            </a:r>
           </a:p>
         </p:txBody>
       </p:sp>
     </p:spTree>
     <p:extLst>
       <p:ext uri="{BB962C8B-B14F-4D97-AF65-F5344CB8AC3E}">
-        <p14:creationId xmlns:p14="http://schemas.microsoft.com/office/powerpoint/2010/main" val="3400873723"/>
+        <p14:creationId xmlns:p14="http://schemas.microsoft.com/office/powerpoint/2010/main" val="1002414840"/>
       </p:ext>
     </p:extLst>
   </p:cSld>
   <p:clrMapOvr>
     <a:masterClrMapping/>
   </p:clrMapOvr>
-  <p:timing>
-    <p:tnLst>
-      <p:par>
-        <p:cTn id="1" dur="indefinite" restart="never" nodeType="tmRoot"/>
-      </p:par>
-    </p:tnLst>
-  </p:timing>
+</p:sld>
+</file>
+
+<file path=ppt/slides/slide4.xml><?xml version="1.0" encoding="utf-8"?>
+<p:sld xmlns:a="http://schemas.openxmlformats.org/drawingml/2006/main" xmlns:r="http://schemas.openxmlformats.org/officeDocument/2006/relationships" xmlns:p="http://schemas.openxmlformats.org/presentationml/2006/main">
+  <p:cSld>
+    <p:spTree>
+      <p:nvGrpSpPr>
+        <p:cNvPr id="1" name=""/>
+        <p:cNvGrpSpPr/>
+        <p:nvPr/>
+      </p:nvGrpSpPr>
+      <p:grpSpPr>
+        <a:xfrm>
+          <a:off x="0" y="0"/>
+          <a:ext cx="0" cy="0"/>
+          <a:chOff x="0" y="0"/>
+          <a:chExt cx="0" cy="0"/>
+        </a:xfrm>
+      </p:grpSpPr>
+      <p:sp>
+        <p:nvSpPr>
+          <p:cNvPr id="2" name="Titel 1"/>
+          <p:cNvSpPr>
+            <a:spLocks noGrp="1"/>
+          </p:cNvSpPr>
+          <p:nvPr>
+            <p:ph type="title"/>
+          </p:nvPr>
+        </p:nvSpPr>
+        <p:spPr/>
+        <p:txBody>
+          <a:bodyPr/>
+          <a:lstStyle/>
+          <a:p>
+            <a:r>
+              <a:rPr lang="en-US"/>
+              <a:t>Wat u van </a:t>
+            </a:r>
+            <a:r>
+              <a:rPr lang="en-US" err="1"/>
+              <a:t>ons</a:t>
+            </a:r>
+            <a:r>
+              <a:rPr lang="en-US"/>
+              <a:t> </a:t>
+            </a:r>
+            <a:r>
+              <a:rPr lang="en-US" err="1"/>
+              <a:t>kunt</a:t>
+            </a:r>
+            <a:r>
+              <a:rPr lang="en-US"/>
+              <a:t> </a:t>
+            </a:r>
+            <a:r>
+              <a:rPr lang="en-US" err="1"/>
+              <a:t>verwachten</a:t>
+            </a:r>
+            <a:endParaRPr lang="nl-NL"/>
+          </a:p>
+        </p:txBody>
+      </p:sp>
+      <p:sp>
+        <p:nvSpPr>
+          <p:cNvPr id="3" name="Tijdelijke aanduiding voor inhoud 2"/>
+          <p:cNvSpPr>
+            <a:spLocks noGrp="1"/>
+          </p:cNvSpPr>
+          <p:nvPr>
+            <p:ph idx="1"/>
+          </p:nvPr>
+        </p:nvSpPr>
+        <p:spPr/>
+        <p:txBody>
+          <a:bodyPr>
+            <a:normAutofit fontScale="92500" lnSpcReduction="10000"/>
+          </a:bodyPr>
+          <a:lstStyle/>
+          <a:p>
+            <a:r>
+              <a:rPr lang="en-US" sz="2000"/>
+              <a:t>Dagelijks contact</a:t>
+            </a:r>
+          </a:p>
+          <a:p>
+            <a:pPr lvl="1"/>
+            <a:r>
+              <a:rPr lang="en-US" sz="1600"/>
+              <a:t>Met zeker 1 of meer groepslid</a:t>
+            </a:r>
+            <a:endParaRPr lang="nl-NL" sz="1600"/>
+          </a:p>
+          <a:p>
+            <a:r>
+              <a:rPr lang="nl-NL" sz="2000"/>
+              <a:t>Regelmatige en duidelijke project-updates</a:t>
+            </a:r>
+          </a:p>
+          <a:p>
+            <a:r>
+              <a:rPr lang="en-US" sz="2000" err="1"/>
+              <a:t>Een</a:t>
+            </a:r>
+            <a:r>
+              <a:rPr lang="en-US" sz="2000"/>
+              <a:t> </a:t>
+            </a:r>
+            <a:r>
+              <a:rPr lang="en-US" sz="2000" err="1"/>
+              <a:t>onderzoeksverslag</a:t>
+            </a:r>
+            <a:endParaRPr lang="en-US" sz="2000"/>
+          </a:p>
+          <a:p>
+            <a:pPr lvl="1"/>
+            <a:r>
+              <a:rPr lang="en-US" sz="1600" err="1"/>
+              <a:t>Onderzoek</a:t>
+            </a:r>
+            <a:r>
+              <a:rPr lang="en-US" sz="1600"/>
+              <a:t> </a:t>
+            </a:r>
+            <a:r>
+              <a:rPr lang="en-US" sz="1600" err="1"/>
+              <a:t>naar</a:t>
+            </a:r>
+            <a:r>
+              <a:rPr lang="en-US" sz="1600"/>
+              <a:t> </a:t>
+            </a:r>
+            <a:r>
+              <a:rPr lang="en-US" sz="1600" err="1"/>
+              <a:t>essentiele</a:t>
+            </a:r>
+            <a:r>
+              <a:rPr lang="en-US" sz="1600"/>
+              <a:t> </a:t>
+            </a:r>
+            <a:r>
+              <a:rPr lang="en-US" sz="1600" err="1"/>
+              <a:t>onderwerpen</a:t>
+            </a:r>
+            <a:r>
+              <a:rPr lang="nl-NL" sz="1600"/>
+              <a:t>: </a:t>
+            </a:r>
+            <a:r>
+              <a:rPr lang="nl-NL" sz="1600" i="1" err="1"/>
+              <a:t>LoRa</a:t>
+            </a:r>
+            <a:r>
+              <a:rPr lang="nl-NL" sz="1600" i="1"/>
+              <a:t>, </a:t>
+            </a:r>
+            <a:r>
+              <a:rPr lang="nl-NL" sz="1600" i="1" err="1"/>
+              <a:t>Arduino</a:t>
+            </a:r>
+            <a:r>
+              <a:rPr lang="nl-NL" sz="1600" i="1"/>
+              <a:t> </a:t>
+            </a:r>
+            <a:r>
+              <a:rPr lang="nl-NL" sz="1600"/>
+              <a:t>of</a:t>
+            </a:r>
+            <a:r>
+              <a:rPr lang="nl-NL" sz="1600" i="1"/>
+              <a:t> </a:t>
+            </a:r>
+            <a:r>
+              <a:rPr lang="nl-NL" sz="1600" i="1" err="1"/>
+              <a:t>RaspberryPi</a:t>
+            </a:r>
+            <a:endParaRPr lang="nl-NL" sz="1600" i="1"/>
+          </a:p>
+          <a:p>
+            <a:pPr lvl="1"/>
+            <a:r>
+              <a:rPr lang="en-US" sz="1600" err="1"/>
+              <a:t>Hierin</a:t>
+            </a:r>
+            <a:r>
+              <a:rPr lang="en-US" sz="1600"/>
+              <a:t> </a:t>
+            </a:r>
+            <a:r>
+              <a:rPr lang="en-US" sz="1600" err="1"/>
+              <a:t>zullen</a:t>
+            </a:r>
+            <a:r>
+              <a:rPr lang="en-US" sz="1600"/>
+              <a:t> </a:t>
+            </a:r>
+            <a:r>
+              <a:rPr lang="en-US" sz="1600" i="1" err="1"/>
+              <a:t>voor</a:t>
+            </a:r>
+            <a:r>
+              <a:rPr lang="en-US" sz="1600" i="1"/>
+              <a:t>- </a:t>
+            </a:r>
+            <a:r>
+              <a:rPr lang="en-US" sz="1600" i="1" err="1"/>
+              <a:t>en</a:t>
+            </a:r>
+            <a:r>
+              <a:rPr lang="en-US" sz="1600" i="1"/>
+              <a:t> </a:t>
+            </a:r>
+            <a:r>
+              <a:rPr lang="en-US" sz="1600" i="1" err="1"/>
+              <a:t>nadelen</a:t>
+            </a:r>
+            <a:r>
+              <a:rPr lang="en-US" sz="1600" i="1"/>
+              <a:t> </a:t>
+            </a:r>
+            <a:r>
+              <a:rPr lang="en-US" sz="1600" err="1"/>
+              <a:t>afgewogen</a:t>
+            </a:r>
+            <a:r>
+              <a:rPr lang="en-US" sz="1600"/>
+              <a:t> </a:t>
+            </a:r>
+            <a:r>
+              <a:rPr lang="en-US" sz="1600" err="1"/>
+              <a:t>worden</a:t>
+            </a:r>
+            <a:r>
+              <a:rPr lang="en-US" sz="1600"/>
+              <a:t>.</a:t>
+            </a:r>
+          </a:p>
+          <a:p>
+            <a:r>
+              <a:rPr lang="en-US" sz="2000"/>
+              <a:t>Een toekomstgericht eindproduct</a:t>
+            </a:r>
+          </a:p>
+          <a:p>
+            <a:pPr lvl="1"/>
+            <a:r>
+              <a:rPr lang="en-US" sz="1600"/>
+              <a:t>Modulair system</a:t>
+            </a:r>
+          </a:p>
+          <a:p>
+            <a:pPr lvl="1"/>
+            <a:r>
+              <a:rPr lang="en-US" sz="1600"/>
+              <a:t>3D Geprinte materialen</a:t>
+            </a:r>
+          </a:p>
+          <a:p>
+            <a:r>
+              <a:rPr lang="en-US" sz="2000"/>
+              <a:t>Prototypes</a:t>
+            </a:r>
+          </a:p>
+          <a:p>
+            <a:pPr lvl="1"/>
+            <a:r>
+              <a:rPr lang="en-US" sz="1600"/>
+              <a:t>Als eindproduct</a:t>
+            </a:r>
+          </a:p>
+          <a:p>
+            <a:pPr lvl="1"/>
+            <a:r>
+              <a:rPr lang="en-US" sz="1600"/>
+              <a:t>Individuele component: </a:t>
+            </a:r>
+            <a:r>
+              <a:rPr lang="en-US" sz="1600" i="1"/>
+              <a:t>Gegevens-loggen, LoRa verbinding, Testen van sensoren, etc…</a:t>
+            </a:r>
+          </a:p>
+        </p:txBody>
+      </p:sp>
+    </p:spTree>
+    <p:extLst>
+      <p:ext uri="{BB962C8B-B14F-4D97-AF65-F5344CB8AC3E}">
+        <p14:creationId xmlns:p14="http://schemas.microsoft.com/office/powerpoint/2010/main" val="4262271699"/>
+      </p:ext>
+    </p:extLst>
+  </p:cSld>
+  <p:clrMapOvr>
+    <a:masterClrMapping/>
+  </p:clrMapOvr>
+</p:sld>
+</file>
+
+<file path=ppt/slides/slide5.xml><?xml version="1.0" encoding="utf-8"?>
+<p:sld xmlns:a="http://schemas.openxmlformats.org/drawingml/2006/main" xmlns:r="http://schemas.openxmlformats.org/officeDocument/2006/relationships" xmlns:p="http://schemas.openxmlformats.org/presentationml/2006/main">
+  <p:cSld>
+    <p:spTree>
+      <p:nvGrpSpPr>
+        <p:cNvPr id="1" name=""/>
+        <p:cNvGrpSpPr/>
+        <p:nvPr/>
+      </p:nvGrpSpPr>
+      <p:grpSpPr>
+        <a:xfrm>
+          <a:off x="0" y="0"/>
+          <a:ext cx="0" cy="0"/>
+          <a:chOff x="0" y="0"/>
+          <a:chExt cx="0" cy="0"/>
+        </a:xfrm>
+      </p:grpSpPr>
+      <p:sp>
+        <p:nvSpPr>
+          <p:cNvPr id="2" name="Titel 1"/>
+          <p:cNvSpPr>
+            <a:spLocks noGrp="1"/>
+          </p:cNvSpPr>
+          <p:nvPr>
+            <p:ph type="title"/>
+          </p:nvPr>
+        </p:nvSpPr>
+        <p:spPr/>
+        <p:txBody>
+          <a:bodyPr/>
+          <a:lstStyle/>
+          <a:p>
+            <a:r>
+              <a:rPr lang="en-US"/>
+              <a:t>Wat u van </a:t>
+            </a:r>
+            <a:r>
+              <a:rPr lang="en-US" err="1"/>
+              <a:t>ons</a:t>
+            </a:r>
+            <a:r>
+              <a:rPr lang="en-US"/>
+              <a:t> </a:t>
+            </a:r>
+            <a:r>
+              <a:rPr lang="en-US" err="1"/>
+              <a:t>kunt</a:t>
+            </a:r>
+            <a:r>
+              <a:rPr lang="en-US"/>
+              <a:t> </a:t>
+            </a:r>
+            <a:r>
+              <a:rPr lang="en-US" err="1"/>
+              <a:t>verwachten</a:t>
+            </a:r>
+            <a:endParaRPr lang="nl-NL"/>
+          </a:p>
+        </p:txBody>
+      </p:sp>
+      <p:sp>
+        <p:nvSpPr>
+          <p:cNvPr id="3" name="Tijdelijke aanduiding voor inhoud 2"/>
+          <p:cNvSpPr>
+            <a:spLocks noGrp="1"/>
+          </p:cNvSpPr>
+          <p:nvPr>
+            <p:ph idx="1"/>
+          </p:nvPr>
+        </p:nvSpPr>
+        <p:spPr/>
+        <p:txBody>
+          <a:bodyPr>
+            <a:normAutofit/>
+          </a:bodyPr>
+          <a:lstStyle/>
+          <a:p>
+            <a:r>
+              <a:rPr lang="en-US" sz="2000"/>
+              <a:t>Een </a:t>
+            </a:r>
+            <a:r>
+              <a:rPr lang="en-US" sz="2000" err="1"/>
+              <a:t>onderzoeksverslag</a:t>
+            </a:r>
+            <a:endParaRPr lang="en-US" sz="2000"/>
+          </a:p>
+          <a:p>
+            <a:pPr lvl="1"/>
+            <a:r>
+              <a:rPr lang="en-US" sz="1600" err="1"/>
+              <a:t>Onderzoek</a:t>
+            </a:r>
+            <a:r>
+              <a:rPr lang="en-US" sz="1600"/>
+              <a:t> </a:t>
+            </a:r>
+            <a:r>
+              <a:rPr lang="en-US" sz="1600" err="1"/>
+              <a:t>naar</a:t>
+            </a:r>
+            <a:r>
+              <a:rPr lang="en-US" sz="1600"/>
+              <a:t> </a:t>
+            </a:r>
+            <a:r>
+              <a:rPr lang="en-US" sz="1600" err="1"/>
+              <a:t>essentiele</a:t>
+            </a:r>
+            <a:r>
+              <a:rPr lang="en-US" sz="1600"/>
+              <a:t> </a:t>
+            </a:r>
+            <a:r>
+              <a:rPr lang="en-US" sz="1600" err="1"/>
+              <a:t>onderwerpen</a:t>
+            </a:r>
+            <a:r>
+              <a:rPr lang="nl-NL" sz="1600"/>
+              <a:t>: </a:t>
+            </a:r>
+            <a:r>
+              <a:rPr lang="nl-NL" sz="1600" i="1" err="1"/>
+              <a:t>LoRa</a:t>
+            </a:r>
+            <a:r>
+              <a:rPr lang="nl-NL" sz="1600" i="1"/>
+              <a:t>, </a:t>
+            </a:r>
+            <a:r>
+              <a:rPr lang="nl-NL" sz="1600" i="1" err="1"/>
+              <a:t>Arduino</a:t>
+            </a:r>
+            <a:r>
+              <a:rPr lang="nl-NL" sz="1600" i="1"/>
+              <a:t> </a:t>
+            </a:r>
+            <a:r>
+              <a:rPr lang="nl-NL" sz="1600"/>
+              <a:t>of</a:t>
+            </a:r>
+            <a:r>
+              <a:rPr lang="nl-NL" sz="1600" i="1"/>
+              <a:t> </a:t>
+            </a:r>
+            <a:r>
+              <a:rPr lang="nl-NL" sz="1600" i="1" err="1"/>
+              <a:t>RaspberryPi</a:t>
+            </a:r>
+            <a:endParaRPr lang="nl-NL" sz="1600" i="1"/>
+          </a:p>
+          <a:p>
+            <a:pPr lvl="1"/>
+            <a:r>
+              <a:rPr lang="en-US" sz="1600" err="1"/>
+              <a:t>Hierin</a:t>
+            </a:r>
+            <a:r>
+              <a:rPr lang="en-US" sz="1600"/>
+              <a:t> </a:t>
+            </a:r>
+            <a:r>
+              <a:rPr lang="en-US" sz="1600" err="1"/>
+              <a:t>zullen</a:t>
+            </a:r>
+            <a:r>
+              <a:rPr lang="en-US" sz="1600"/>
+              <a:t> </a:t>
+            </a:r>
+            <a:r>
+              <a:rPr lang="en-US" sz="1600" i="1" err="1"/>
+              <a:t>voor</a:t>
+            </a:r>
+            <a:r>
+              <a:rPr lang="en-US" sz="1600" i="1"/>
+              <a:t>- </a:t>
+            </a:r>
+            <a:r>
+              <a:rPr lang="en-US" sz="1600" i="1" err="1"/>
+              <a:t>en</a:t>
+            </a:r>
+            <a:r>
+              <a:rPr lang="en-US" sz="1600" i="1"/>
+              <a:t> </a:t>
+            </a:r>
+            <a:r>
+              <a:rPr lang="en-US" sz="1600" i="1" err="1"/>
+              <a:t>nadelen</a:t>
+            </a:r>
+            <a:r>
+              <a:rPr lang="en-US" sz="1600" i="1"/>
+              <a:t> </a:t>
+            </a:r>
+            <a:r>
+              <a:rPr lang="en-US" sz="1600" err="1"/>
+              <a:t>afgewogen</a:t>
+            </a:r>
+            <a:r>
+              <a:rPr lang="en-US" sz="1600"/>
+              <a:t> </a:t>
+            </a:r>
+            <a:r>
+              <a:rPr lang="en-US" sz="1600" err="1"/>
+              <a:t>worden</a:t>
+            </a:r>
+            <a:r>
+              <a:rPr lang="en-US" sz="1600"/>
+              <a:t>.</a:t>
+            </a:r>
+          </a:p>
+          <a:p>
+            <a:r>
+              <a:rPr lang="en-US" sz="2000"/>
+              <a:t>Een eindverslag</a:t>
+            </a:r>
+          </a:p>
+          <a:p>
+            <a:pPr lvl="1"/>
+            <a:r>
+              <a:rPr lang="en-US" sz="1600"/>
+              <a:t>Inclusief onderzoeksverslag</a:t>
+            </a:r>
+            <a:endParaRPr lang="en-US" sz="1600"/>
+          </a:p>
+          <a:p>
+            <a:pPr lvl="1"/>
+            <a:r>
+              <a:rPr lang="en-US" sz="1600"/>
+              <a:t>Beredenering </a:t>
+            </a:r>
+            <a:r>
+              <a:rPr lang="en-US" sz="1600"/>
+              <a:t>voor </a:t>
+            </a:r>
+            <a:r>
+              <a:rPr lang="en-US" sz="1600"/>
+              <a:t>specifieke keuzes</a:t>
+            </a:r>
+          </a:p>
+          <a:p>
+            <a:pPr marL="914400" lvl="2" indent="0">
+              <a:buNone/>
+            </a:pPr>
+            <a:r>
+              <a:rPr lang="en-US" sz="1200"/>
+              <a:t>(Wellicht verwerkt in onderzoeksverslag)</a:t>
+            </a:r>
+          </a:p>
+          <a:p>
+            <a:pPr lvl="1"/>
+            <a:r>
+              <a:rPr lang="en-US" sz="1600"/>
+              <a:t>Prototypes uitgewerkt op papier</a:t>
+            </a:r>
+          </a:p>
+          <a:p>
+            <a:pPr lvl="1"/>
+            <a:r>
+              <a:rPr lang="en-US" sz="1600"/>
+              <a:t>Planning en uitgevoerde planning</a:t>
+            </a:r>
+          </a:p>
+          <a:p>
+            <a:pPr lvl="1"/>
+            <a:endParaRPr lang="en-US" sz="1600"/>
+          </a:p>
+        </p:txBody>
+      </p:sp>
+    </p:spTree>
+    <p:extLst>
+      <p:ext uri="{BB962C8B-B14F-4D97-AF65-F5344CB8AC3E}">
+        <p14:creationId xmlns:p14="http://schemas.microsoft.com/office/powerpoint/2010/main" val="2503012939"/>
+      </p:ext>
+    </p:extLst>
+  </p:cSld>
+  <p:clrMapOvr>
+    <a:masterClrMapping/>
+  </p:clrMapOvr>
+</p:sld>
+</file>
+
+<file path=ppt/slides/slide6.xml><?xml version="1.0" encoding="utf-8"?>
+<p:sld xmlns:a="http://schemas.openxmlformats.org/drawingml/2006/main" xmlns:r="http://schemas.openxmlformats.org/officeDocument/2006/relationships" xmlns:p="http://schemas.openxmlformats.org/presentationml/2006/main">
+  <p:cSld>
+    <p:spTree>
+      <p:nvGrpSpPr>
+        <p:cNvPr id="1" name=""/>
+        <p:cNvGrpSpPr/>
+        <p:nvPr/>
+      </p:nvGrpSpPr>
+      <p:grpSpPr>
+        <a:xfrm>
+          <a:off x="0" y="0"/>
+          <a:ext cx="0" cy="0"/>
+          <a:chOff x="0" y="0"/>
+          <a:chExt cx="0" cy="0"/>
+        </a:xfrm>
+      </p:grpSpPr>
+      <p:sp>
+        <p:nvSpPr>
+          <p:cNvPr id="2" name="Titel 1"/>
+          <p:cNvSpPr>
+            <a:spLocks noGrp="1"/>
+          </p:cNvSpPr>
+          <p:nvPr>
+            <p:ph type="title"/>
+          </p:nvPr>
+        </p:nvSpPr>
+        <p:spPr/>
+        <p:txBody>
+          <a:bodyPr/>
+          <a:lstStyle/>
+          <a:p>
+            <a:r>
+              <a:rPr lang="en-US"/>
+              <a:t>Wat u van </a:t>
+            </a:r>
+            <a:r>
+              <a:rPr lang="en-US" err="1"/>
+              <a:t>ons</a:t>
+            </a:r>
+            <a:r>
+              <a:rPr lang="en-US"/>
+              <a:t> </a:t>
+            </a:r>
+            <a:r>
+              <a:rPr lang="en-US" err="1"/>
+              <a:t>kunt</a:t>
+            </a:r>
+            <a:r>
+              <a:rPr lang="en-US"/>
+              <a:t> </a:t>
+            </a:r>
+            <a:r>
+              <a:rPr lang="en-US" err="1"/>
+              <a:t>verwachten</a:t>
+            </a:r>
+            <a:endParaRPr lang="nl-NL"/>
+          </a:p>
+        </p:txBody>
+      </p:sp>
+      <p:sp>
+        <p:nvSpPr>
+          <p:cNvPr id="3" name="Tijdelijke aanduiding voor inhoud 2"/>
+          <p:cNvSpPr>
+            <a:spLocks noGrp="1"/>
+          </p:cNvSpPr>
+          <p:nvPr>
+            <p:ph idx="1"/>
+          </p:nvPr>
+        </p:nvSpPr>
+        <p:spPr/>
+        <p:txBody>
+          <a:bodyPr>
+            <a:normAutofit/>
+          </a:bodyPr>
+          <a:lstStyle/>
+          <a:p>
+            <a:r>
+              <a:rPr lang="en-US" sz="2000"/>
+              <a:t>Prototypes</a:t>
+            </a:r>
+          </a:p>
+          <a:p>
+            <a:pPr lvl="1"/>
+            <a:r>
+              <a:rPr lang="en-US" sz="1600"/>
+              <a:t>Als eindproduct</a:t>
+            </a:r>
+          </a:p>
+          <a:p>
+            <a:pPr lvl="1"/>
+            <a:r>
+              <a:rPr lang="en-US" sz="1600"/>
+              <a:t>Individuele component: </a:t>
+            </a:r>
+            <a:r>
+              <a:rPr lang="en-US" sz="1600" i="1"/>
+              <a:t>Gegevens-loggen, LoRa verbinding, Testen van sensoren, etc…</a:t>
+            </a:r>
+          </a:p>
+          <a:p>
+            <a:r>
+              <a:rPr lang="en-US" sz="2000"/>
+              <a:t>Een </a:t>
+            </a:r>
+            <a:r>
+              <a:rPr lang="en-US" sz="2000"/>
+              <a:t>toekomstgericht eindproduct</a:t>
+            </a:r>
+          </a:p>
+          <a:p>
+            <a:pPr lvl="1"/>
+            <a:r>
+              <a:rPr lang="en-US" sz="1600"/>
+              <a:t>Wat voldoet aan de eisen van de MFM</a:t>
+            </a:r>
+            <a:endParaRPr lang="en-US" sz="1600"/>
+          </a:p>
+          <a:p>
+            <a:pPr lvl="1"/>
+            <a:r>
+              <a:rPr lang="en-US" sz="1600"/>
+              <a:t>Modulair system</a:t>
+            </a:r>
+          </a:p>
+          <a:p>
+            <a:pPr lvl="1"/>
+            <a:r>
+              <a:rPr lang="en-US" sz="1600"/>
+              <a:t>3D </a:t>
+            </a:r>
+            <a:r>
+              <a:rPr lang="en-US" sz="1600"/>
+              <a:t>Geprinte materialen</a:t>
+            </a:r>
+            <a:endParaRPr lang="en-US" sz="1600"/>
+          </a:p>
+        </p:txBody>
+      </p:sp>
+    </p:spTree>
+    <p:extLst>
+      <p:ext uri="{BB962C8B-B14F-4D97-AF65-F5344CB8AC3E}">
+        <p14:creationId xmlns:p14="http://schemas.microsoft.com/office/powerpoint/2010/main" val="2597671740"/>
+      </p:ext>
+    </p:extLst>
+  </p:cSld>
+  <p:clrMapOvr>
+    <a:masterClrMapping/>
+  </p:clrMapOvr>
+</p:sld>
+</file>
+
+<file path=ppt/slides/slide7.xml><?xml version="1.0" encoding="utf-8"?>
+<p:sld xmlns:a="http://schemas.openxmlformats.org/drawingml/2006/main" xmlns:r="http://schemas.openxmlformats.org/officeDocument/2006/relationships" xmlns:p="http://schemas.openxmlformats.org/presentationml/2006/main">
+  <p:cSld>
+    <p:spTree>
+      <p:nvGrpSpPr>
+        <p:cNvPr id="1" name=""/>
+        <p:cNvGrpSpPr/>
+        <p:nvPr/>
+      </p:nvGrpSpPr>
+      <p:grpSpPr>
+        <a:xfrm>
+          <a:off x="0" y="0"/>
+          <a:ext cx="0" cy="0"/>
+          <a:chOff x="0" y="0"/>
+          <a:chExt cx="0" cy="0"/>
+        </a:xfrm>
+      </p:grpSpPr>
+      <p:sp>
+        <p:nvSpPr>
+          <p:cNvPr id="2" name="Titel 1"/>
+          <p:cNvSpPr>
+            <a:spLocks noGrp="1"/>
+          </p:cNvSpPr>
+          <p:nvPr>
+            <p:ph type="title"/>
+          </p:nvPr>
+        </p:nvSpPr>
+        <p:spPr/>
+        <p:txBody>
+          <a:bodyPr/>
+          <a:lstStyle/>
+          <a:p>
+            <a:r>
+              <a:rPr lang="en-US"/>
+              <a:t>Onze vragen aan u</a:t>
+            </a:r>
+            <a:endParaRPr lang="nl-NL"/>
+          </a:p>
+        </p:txBody>
+      </p:sp>
+      <p:sp>
+        <p:nvSpPr>
+          <p:cNvPr id="3" name="Tijdelijke aanduiding voor inhoud 2"/>
+          <p:cNvSpPr>
+            <a:spLocks noGrp="1"/>
+          </p:cNvSpPr>
+          <p:nvPr>
+            <p:ph idx="1"/>
+          </p:nvPr>
+        </p:nvSpPr>
+        <p:spPr/>
+        <p:txBody>
+          <a:bodyPr>
+            <a:normAutofit/>
+          </a:bodyPr>
+          <a:lstStyle/>
+          <a:p>
+            <a:r>
+              <a:rPr lang="en-US" sz="2000"/>
+              <a:t>Gezamelijk bespreken</a:t>
+            </a:r>
+            <a:endParaRPr lang="nl-NL" sz="2000"/>
+          </a:p>
+        </p:txBody>
+      </p:sp>
+    </p:spTree>
+    <p:extLst>
+      <p:ext uri="{BB962C8B-B14F-4D97-AF65-F5344CB8AC3E}">
+        <p14:creationId xmlns:p14="http://schemas.microsoft.com/office/powerpoint/2010/main" val="1479056573"/>
+      </p:ext>
+    </p:extLst>
+  </p:cSld>
+  <p:clrMapOvr>
+    <a:masterClrMapping/>
+  </p:clrMapOvr>
 </p:sld>
 </file>
 
